--- a/Presentations/Poster/Poster template 4 columns copia - Copia.pptx
+++ b/Presentations/Poster/Poster template 4 columns copia - Copia.pptx
@@ -256,7 +256,7 @@
             <a:fld id="{0158C5BC-9A70-462C-B28D-9600239EAC64}" type="datetimeFigureOut">
               <a:rPr lang="en-US" smtClean="0"/>
               <a:pPr/>
-              <a:t>7/21/2022</a:t>
+              <a:t>7/22/2022</a:t>
             </a:fld>
             <a:endParaRPr lang="en-US"/>
           </a:p>
@@ -423,7 +423,7 @@
             <a:fld id="{E6CC2317-6751-4CD4-9995-8782DD78E936}" type="datetimeFigureOut">
               <a:rPr lang="en-US" smtClean="0"/>
               <a:pPr/>
-              <a:t>7/21/2022</a:t>
+              <a:t>7/22/2022</a:t>
             </a:fld>
             <a:endParaRPr lang="en-US" dirty="0"/>
           </a:p>
@@ -8577,7 +8577,7 @@
         <p:spPr>
           <a:xfrm>
             <a:off x="400872" y="5496301"/>
-            <a:ext cx="9799906" cy="4291200"/>
+            <a:ext cx="9799906" cy="3999791"/>
           </a:xfrm>
         </p:spPr>
         <p:txBody>
@@ -8594,32 +8594,8 @@
                 <a:latin typeface="+mn-lt"/>
                 <a:cs typeface="Arial" panose="020B0604020202020204" pitchFamily="34" charset="0"/>
               </a:rPr>
-              <a:t>High School years are a fundamental stage of development for each individual, and it’s in the interest of every country to ensure that all students have access to the best possible education and are well integrated into the social system.</a:t>
+              <a:t>High School years are a fundamental stage of development for everyone, and it is in the interest of every country to ensure that all students have access to the best possible education and are well integrated into the social system.</a:t>
             </a:r>
-          </a:p>
-          <a:p>
-            <a:pPr algn="just">
-              <a:spcBef>
-                <a:spcPts val="0"/>
-              </a:spcBef>
-            </a:pPr>
-            <a:r>
-              <a:rPr lang="en-US" dirty="0">
-                <a:latin typeface="+mn-lt"/>
-              </a:rPr>
-              <a:t>We analyze data related to students of 15 year of age coming from European countries among which there’s a significant number of immigrant students. W</a:t>
-            </a:r>
-            <a:r>
-              <a:rPr lang="en-US" dirty="0">
-                <a:latin typeface="+mn-lt"/>
-                <a:cs typeface="Arial" panose="020B0604020202020204" pitchFamily="34" charset="0"/>
-              </a:rPr>
-              <a:t>e observe that immigration is a huge factor in denying many foreign students from achieving the same results of their native peers. This trend is common to all countries across Europe, but some of them show significantly larger gaps with respect to the others.</a:t>
-            </a:r>
-            <a:endParaRPr lang="it-IT" dirty="0">
-              <a:latin typeface="+mn-lt"/>
-              <a:cs typeface="Arial" panose="020B0604020202020204" pitchFamily="34" charset="0"/>
-            </a:endParaRPr>
           </a:p>
           <a:p>
             <a:pPr algn="just">
@@ -8632,12 +8608,22 @@
                 <a:latin typeface="+mn-lt"/>
                 <a:cs typeface="Arial" panose="020B0604020202020204" pitchFamily="34" charset="0"/>
               </a:rPr>
-              <a:t>In this study we aimed at investigating quantitatively the reasons behind all these differences.</a:t>
+              <a:t>We analyzed data related to students of 15 years of age coming from European countries which have a significant number of immigrant students. We observe that immigration is a huge factor limiting foreign students from achieving the same results of their native peers. This trend is common to all to most countries across Europe, but some worse than others.</a:t>
             </a:r>
-            <a:endParaRPr lang="it-IT" dirty="0">
-              <a:latin typeface="+mn-lt"/>
-              <a:cs typeface="Arial" panose="020B0604020202020204" pitchFamily="34" charset="0"/>
-            </a:endParaRPr>
+          </a:p>
+          <a:p>
+            <a:pPr algn="just">
+              <a:spcBef>
+                <a:spcPts val="0"/>
+              </a:spcBef>
+            </a:pPr>
+            <a:r>
+              <a:rPr lang="en-US" dirty="0">
+                <a:latin typeface="+mn-lt"/>
+                <a:cs typeface="Arial" panose="020B0604020202020204" pitchFamily="34" charset="0"/>
+              </a:rPr>
+              <a:t>In this study we aimed at investigating quantitatively the reasons behind these differences.</a:t>
+            </a:r>
           </a:p>
         </p:txBody>
       </p:sp>
@@ -8692,7 +8678,7 @@
         </p:nvSpPr>
         <p:spPr>
           <a:xfrm>
-            <a:off x="399323" y="9870613"/>
+            <a:off x="399323" y="10320120"/>
             <a:ext cx="9801454" cy="708327"/>
           </a:xfrm>
         </p:spPr>
@@ -8702,7 +8688,7 @@
           <a:p>
             <a:r>
               <a:rPr lang="en-US" dirty="0"/>
-              <a:t>INTRODUCTION/OBJECTIVES</a:t>
+              <a:t>INTRODUCTION</a:t>
             </a:r>
           </a:p>
         </p:txBody>
@@ -8725,8 +8711,8 @@
         </p:nvSpPr>
         <p:spPr>
           <a:xfrm>
-            <a:off x="400873" y="17985617"/>
-            <a:ext cx="9799906" cy="6082970"/>
+            <a:off x="400873" y="18594723"/>
+            <a:ext cx="9799906" cy="4578282"/>
           </a:xfrm>
         </p:spPr>
         <p:txBody>
@@ -8751,7 +8737,7 @@
           <a:p>
             <a:pPr algn="just">
               <a:spcBef>
-                <a:spcPts val="0"/>
+                <a:spcPts val="600"/>
               </a:spcBef>
             </a:pPr>
             <a:r>
@@ -8771,11 +8757,8 @@
               <a:rPr lang="en-US" dirty="0">
                 <a:latin typeface="+mn-lt"/>
               </a:rPr>
-              <a:t>Since the number of covariates available was more than 1000 (one for each questionnaire answer), we selected the most relevant ones related to our focus on immigration. Some of the questions answered by the students were already aggregated by Pisa’s group and resulted to be the most complete. </a:t>
+              <a:t>Some questionnaire answers where already grouped in aggregated features.</a:t>
             </a:r>
-            <a:endParaRPr lang="it-IT" dirty="0">
-              <a:latin typeface="+mn-lt"/>
-            </a:endParaRPr>
           </a:p>
           <a:p>
             <a:pPr algn="just">
@@ -8787,15 +8770,8 @@
               <a:rPr lang="en-US" dirty="0">
                 <a:latin typeface="+mn-lt"/>
               </a:rPr>
-              <a:t>The features selected range over many fields: ESCS status, Immigration status, teacher support, sense of belonging, class size, at home weekly learning time, etc.</a:t>
+              <a:t>The features we selected range over many fields: ESCS status (index of economic, social, and cultural status), Immigration status, teacher support, sense of belonging, class size, at home weekly learning time, etc.</a:t>
             </a:r>
-          </a:p>
-          <a:p>
-            <a:pPr algn="just">
-              <a:spcBef>
-                <a:spcPts val="0"/>
-              </a:spcBef>
-            </a:pPr>
             <a:endParaRPr lang="it-IT" dirty="0">
               <a:latin typeface="+mn-lt"/>
             </a:endParaRPr>
@@ -8823,7 +8799,7 @@
         </p:nvSpPr>
         <p:spPr>
           <a:xfrm>
-            <a:off x="400872" y="17197850"/>
+            <a:off x="400872" y="17767294"/>
             <a:ext cx="9799907" cy="708327"/>
           </a:xfrm>
         </p:spPr>
@@ -8856,7 +8832,7 @@
         </p:nvSpPr>
         <p:spPr>
           <a:xfrm>
-            <a:off x="32539679" y="24600512"/>
+            <a:off x="32537869" y="12938572"/>
             <a:ext cx="9798096" cy="708327"/>
           </a:xfrm>
         </p:spPr>
@@ -8864,7 +8840,10 @@
           <a:bodyPr/>
           <a:lstStyle/>
           <a:p>
-            <a:endParaRPr lang="en-US"/>
+            <a:r>
+              <a:rPr lang="en-US" dirty="0"/>
+              <a:t>CONCLUSION</a:t>
+            </a:r>
           </a:p>
         </p:txBody>
       </p:sp>
@@ -8886,45 +8865,268 @@
         </p:nvSpPr>
         <p:spPr>
           <a:xfrm>
-            <a:off x="32539679" y="26143618"/>
-            <a:ext cx="9798096" cy="815457"/>
+            <a:off x="32539679" y="13914289"/>
+            <a:ext cx="9798096" cy="10817298"/>
           </a:xfrm>
         </p:spPr>
         <p:txBody>
           <a:bodyPr/>
           <a:lstStyle/>
           <a:p>
-            <a:endParaRPr lang="en-US"/>
+            <a:pPr algn="just">
+              <a:lnSpc>
+                <a:spcPct val="107000"/>
+              </a:lnSpc>
+              <a:spcBef>
+                <a:spcPts val="0"/>
+              </a:spcBef>
+            </a:pPr>
+            <a:r>
+              <a:rPr lang="en-US" sz="2300" dirty="0">
+                <a:effectLst/>
+                <a:latin typeface="Calibri" panose="020F0502020204030204" pitchFamily="34" charset="0"/>
+                <a:ea typeface="Calibri" panose="020F0502020204030204" pitchFamily="34" charset="0"/>
+                <a:cs typeface="Times New Roman" panose="02020603050405020304" pitchFamily="18" charset="0"/>
+              </a:rPr>
+              <a:t>Through our analysis we highlighted the differences between immigrant students and native students and provided the main factors which drive their scholastic success.</a:t>
+            </a:r>
+            <a:endParaRPr lang="it-IT" sz="2300" dirty="0">
+              <a:effectLst/>
+              <a:latin typeface="Calibri" panose="020F0502020204030204" pitchFamily="34" charset="0"/>
+              <a:ea typeface="Calibri" panose="020F0502020204030204" pitchFamily="34" charset="0"/>
+              <a:cs typeface="Times New Roman" panose="02020603050405020304" pitchFamily="18" charset="0"/>
+            </a:endParaRPr>
           </a:p>
-        </p:txBody>
-      </p:sp>
-      <p:sp>
-        <p:nvSpPr>
-          <p:cNvPr id="13" name="Text Placeholder 12">
-            <a:extLst>
-              <a:ext uri="{FF2B5EF4-FFF2-40B4-BE49-F238E27FC236}">
-                <a16:creationId xmlns:a16="http://schemas.microsoft.com/office/drawing/2014/main" id="{029AEED5-AD9B-3E20-0596-8B746794D084}"/>
-              </a:ext>
-            </a:extLst>
-          </p:cNvPr>
-          <p:cNvSpPr>
-            <a:spLocks noGrp="1"/>
-          </p:cNvSpPr>
-          <p:nvPr>
-            <p:ph type="body" sz="quarter" idx="29"/>
-          </p:nvPr>
-        </p:nvSpPr>
-        <p:spPr>
-          <a:xfrm>
-            <a:off x="32563023" y="27358949"/>
-            <a:ext cx="9798096" cy="708327"/>
-          </a:xfrm>
-        </p:spPr>
-        <p:txBody>
-          <a:bodyPr/>
-          <a:lstStyle/>
           <a:p>
-            <a:endParaRPr lang="en-US"/>
+            <a:pPr algn="just">
+              <a:lnSpc>
+                <a:spcPct val="107000"/>
+              </a:lnSpc>
+              <a:spcBef>
+                <a:spcPts val="0"/>
+              </a:spcBef>
+            </a:pPr>
+            <a:r>
+              <a:rPr lang="en-US" sz="2300" dirty="0">
+                <a:effectLst/>
+                <a:latin typeface="Calibri" panose="020F0502020204030204" pitchFamily="34" charset="0"/>
+                <a:ea typeface="Calibri" panose="020F0502020204030204" pitchFamily="34" charset="0"/>
+                <a:cs typeface="Times New Roman" panose="02020603050405020304" pitchFamily="18" charset="0"/>
+              </a:rPr>
+              <a:t>The main findings were that immigrant students have lower scores while studying significantly more, they often have a lower social status, lower academic support, higher rates of grade repetition and lower sense of belonging in schools. </a:t>
+            </a:r>
+            <a:endParaRPr lang="it-IT" sz="2300" dirty="0">
+              <a:effectLst/>
+              <a:latin typeface="Calibri" panose="020F0502020204030204" pitchFamily="34" charset="0"/>
+              <a:ea typeface="Calibri" panose="020F0502020204030204" pitchFamily="34" charset="0"/>
+              <a:cs typeface="Times New Roman" panose="02020603050405020304" pitchFamily="18" charset="0"/>
+            </a:endParaRPr>
+          </a:p>
+          <a:p>
+            <a:pPr algn="just">
+              <a:lnSpc>
+                <a:spcPct val="107000"/>
+              </a:lnSpc>
+              <a:spcBef>
+                <a:spcPts val="0"/>
+              </a:spcBef>
+            </a:pPr>
+            <a:r>
+              <a:rPr lang="en-US" sz="2300" dirty="0">
+                <a:effectLst/>
+                <a:latin typeface="Calibri" panose="020F0502020204030204" pitchFamily="34" charset="0"/>
+                <a:ea typeface="Calibri" panose="020F0502020204030204" pitchFamily="34" charset="0"/>
+                <a:cs typeface="Times New Roman" panose="02020603050405020304" pitchFamily="18" charset="0"/>
+              </a:rPr>
+              <a:t>These results confirm the main studies on the subject and highlight a problem in integration of many countries in the European area.</a:t>
+            </a:r>
+            <a:endParaRPr lang="it-IT" sz="2300" dirty="0">
+              <a:effectLst/>
+              <a:latin typeface="Calibri" panose="020F0502020204030204" pitchFamily="34" charset="0"/>
+              <a:ea typeface="Calibri" panose="020F0502020204030204" pitchFamily="34" charset="0"/>
+              <a:cs typeface="Times New Roman" panose="02020603050405020304" pitchFamily="18" charset="0"/>
+            </a:endParaRPr>
+          </a:p>
+          <a:p>
+            <a:pPr algn="just">
+              <a:lnSpc>
+                <a:spcPct val="107000"/>
+              </a:lnSpc>
+              <a:spcBef>
+                <a:spcPts val="0"/>
+              </a:spcBef>
+            </a:pPr>
+            <a:r>
+              <a:rPr lang="en-US" sz="2300" dirty="0">
+                <a:effectLst/>
+                <a:latin typeface="Calibri" panose="020F0502020204030204" pitchFamily="34" charset="0"/>
+                <a:ea typeface="Calibri" panose="020F0502020204030204" pitchFamily="34" charset="0"/>
+                <a:cs typeface="Times New Roman" panose="02020603050405020304" pitchFamily="18" charset="0"/>
+              </a:rPr>
+              <a:t>What can schools do to improve?</a:t>
+            </a:r>
+            <a:endParaRPr lang="it-IT" sz="2300" dirty="0">
+              <a:effectLst/>
+              <a:latin typeface="Calibri" panose="020F0502020204030204" pitchFamily="34" charset="0"/>
+              <a:ea typeface="Calibri" panose="020F0502020204030204" pitchFamily="34" charset="0"/>
+              <a:cs typeface="Times New Roman" panose="02020603050405020304" pitchFamily="18" charset="0"/>
+            </a:endParaRPr>
+          </a:p>
+          <a:p>
+            <a:pPr marL="342900" lvl="0" indent="-342900" algn="just">
+              <a:lnSpc>
+                <a:spcPct val="107000"/>
+              </a:lnSpc>
+              <a:spcBef>
+                <a:spcPts val="0"/>
+              </a:spcBef>
+              <a:buFont typeface="Symbol" panose="05050102010706020507" pitchFamily="18" charset="2"/>
+              <a:buChar char=""/>
+            </a:pPr>
+            <a:r>
+              <a:rPr lang="en-US" sz="2300" dirty="0">
+                <a:effectLst/>
+                <a:latin typeface="Calibri" panose="020F0502020204030204" pitchFamily="34" charset="0"/>
+                <a:ea typeface="Calibri" panose="020F0502020204030204" pitchFamily="34" charset="0"/>
+                <a:cs typeface="Times New Roman" panose="02020603050405020304" pitchFamily="18" charset="0"/>
+              </a:rPr>
+              <a:t>Provide information to immigrant parents on the schooling options available for their children and help parents to overcome financial and/or logistical barriers to access the school of their choice. Limit the extent to which advantaged schools can select students based on socio-economic status. </a:t>
+            </a:r>
+            <a:endParaRPr lang="it-IT" sz="2300" dirty="0">
+              <a:effectLst/>
+              <a:latin typeface="Calibri" panose="020F0502020204030204" pitchFamily="34" charset="0"/>
+              <a:ea typeface="Calibri" panose="020F0502020204030204" pitchFamily="34" charset="0"/>
+              <a:cs typeface="Times New Roman" panose="02020603050405020304" pitchFamily="18" charset="0"/>
+            </a:endParaRPr>
+          </a:p>
+          <a:p>
+            <a:pPr marL="342900" lvl="0" indent="-342900" algn="just">
+              <a:lnSpc>
+                <a:spcPct val="107000"/>
+              </a:lnSpc>
+              <a:spcBef>
+                <a:spcPts val="0"/>
+              </a:spcBef>
+              <a:spcAft>
+                <a:spcPts val="800"/>
+              </a:spcAft>
+              <a:buFont typeface="Symbol" panose="05050102010706020507" pitchFamily="18" charset="2"/>
+              <a:buChar char=""/>
+            </a:pPr>
+            <a:r>
+              <a:rPr lang="en-US" sz="2300" dirty="0">
+                <a:effectLst/>
+                <a:latin typeface="Calibri" panose="020F0502020204030204" pitchFamily="34" charset="0"/>
+                <a:ea typeface="Calibri" panose="020F0502020204030204" pitchFamily="34" charset="0"/>
+                <a:cs typeface="Times New Roman" panose="02020603050405020304" pitchFamily="18" charset="0"/>
+              </a:rPr>
+              <a:t>Retain and attract more advantaged students in schools that also host immigrant students. For example, schools in disadvantaged areas can make their curricula more appealing to students from across the socio-economic spectrum by offering special mathematics, science and/or art courses.</a:t>
+            </a:r>
+            <a:endParaRPr lang="it-IT" sz="2300" dirty="0">
+              <a:effectLst/>
+              <a:latin typeface="Calibri" panose="020F0502020204030204" pitchFamily="34" charset="0"/>
+              <a:ea typeface="Calibri" panose="020F0502020204030204" pitchFamily="34" charset="0"/>
+              <a:cs typeface="Times New Roman" panose="02020603050405020304" pitchFamily="18" charset="0"/>
+            </a:endParaRPr>
+          </a:p>
+          <a:p>
+            <a:pPr algn="just">
+              <a:lnSpc>
+                <a:spcPct val="107000"/>
+              </a:lnSpc>
+              <a:spcBef>
+                <a:spcPts val="0"/>
+              </a:spcBef>
+            </a:pPr>
+            <a:r>
+              <a:rPr lang="en-US" sz="2300" dirty="0">
+                <a:effectLst/>
+                <a:latin typeface="Calibri" panose="020F0502020204030204" pitchFamily="34" charset="0"/>
+                <a:ea typeface="Calibri" panose="020F0502020204030204" pitchFamily="34" charset="0"/>
+                <a:cs typeface="Times New Roman" panose="02020603050405020304" pitchFamily="18" charset="0"/>
+              </a:rPr>
+              <a:t>What can countries do?</a:t>
+            </a:r>
+            <a:endParaRPr lang="it-IT" sz="2300" dirty="0">
+              <a:effectLst/>
+              <a:latin typeface="Calibri" panose="020F0502020204030204" pitchFamily="34" charset="0"/>
+              <a:ea typeface="Calibri" panose="020F0502020204030204" pitchFamily="34" charset="0"/>
+              <a:cs typeface="Times New Roman" panose="02020603050405020304" pitchFamily="18" charset="0"/>
+            </a:endParaRPr>
+          </a:p>
+          <a:p>
+            <a:pPr marL="342900" lvl="0" indent="-342900" algn="just">
+              <a:lnSpc>
+                <a:spcPct val="107000"/>
+              </a:lnSpc>
+              <a:spcBef>
+                <a:spcPts val="0"/>
+              </a:spcBef>
+              <a:buFont typeface="Symbol" panose="05050102010706020507" pitchFamily="18" charset="2"/>
+              <a:buChar char=""/>
+            </a:pPr>
+            <a:r>
+              <a:rPr lang="en-US" sz="2300" dirty="0">
+                <a:effectLst/>
+                <a:latin typeface="Calibri" panose="020F0502020204030204" pitchFamily="34" charset="0"/>
+                <a:ea typeface="Calibri" panose="020F0502020204030204" pitchFamily="34" charset="0"/>
+                <a:cs typeface="Times New Roman" panose="02020603050405020304" pitchFamily="18" charset="0"/>
+              </a:rPr>
+              <a:t>Integrate language and subject learning from the earliest grades. While language training is essential, it should be offered in addition to, not instead of, regular course work. </a:t>
+            </a:r>
+            <a:endParaRPr lang="it-IT" sz="2300" dirty="0">
+              <a:effectLst/>
+              <a:latin typeface="Calibri" panose="020F0502020204030204" pitchFamily="34" charset="0"/>
+              <a:ea typeface="Calibri" panose="020F0502020204030204" pitchFamily="34" charset="0"/>
+              <a:cs typeface="Times New Roman" panose="02020603050405020304" pitchFamily="18" charset="0"/>
+            </a:endParaRPr>
+          </a:p>
+          <a:p>
+            <a:pPr marL="342900" lvl="0" indent="-342900" algn="just">
+              <a:lnSpc>
+                <a:spcPct val="107000"/>
+              </a:lnSpc>
+              <a:spcBef>
+                <a:spcPts val="0"/>
+              </a:spcBef>
+              <a:spcAft>
+                <a:spcPts val="800"/>
+              </a:spcAft>
+              <a:buFont typeface="Symbol" panose="05050102010706020507" pitchFamily="18" charset="2"/>
+              <a:buChar char=""/>
+            </a:pPr>
+            <a:r>
+              <a:rPr lang="en-US" sz="2300" dirty="0">
+                <a:effectLst/>
+                <a:latin typeface="Calibri" panose="020F0502020204030204" pitchFamily="34" charset="0"/>
+                <a:ea typeface="Calibri" panose="020F0502020204030204" pitchFamily="34" charset="0"/>
+                <a:cs typeface="Times New Roman" panose="02020603050405020304" pitchFamily="18" charset="0"/>
+              </a:rPr>
+              <a:t>Help teachers to identify students who need language training.</a:t>
+            </a:r>
+            <a:endParaRPr lang="it-IT" sz="2300" dirty="0">
+              <a:effectLst/>
+              <a:latin typeface="Calibri" panose="020F0502020204030204" pitchFamily="34" charset="0"/>
+              <a:ea typeface="Calibri" panose="020F0502020204030204" pitchFamily="34" charset="0"/>
+              <a:cs typeface="Times New Roman" panose="02020603050405020304" pitchFamily="18" charset="0"/>
+            </a:endParaRPr>
+          </a:p>
+          <a:p>
+            <a:pPr algn="just">
+              <a:spcBef>
+                <a:spcPts val="0"/>
+              </a:spcBef>
+            </a:pPr>
+            <a:r>
+              <a:rPr lang="en-US" sz="2300" dirty="0">
+                <a:effectLst/>
+                <a:latin typeface="Calibri" panose="020F0502020204030204" pitchFamily="34" charset="0"/>
+                <a:ea typeface="Calibri" panose="020F0502020204030204" pitchFamily="34" charset="0"/>
+                <a:cs typeface="Times New Roman" panose="02020603050405020304" pitchFamily="18" charset="0"/>
+              </a:rPr>
+              <a:t>Reduce the use of grade repetition. Instead, identify struggling students early and offer them extra support. For immigrant students, identify language-training needs early. </a:t>
+            </a:r>
+            <a:endParaRPr lang="en-US" sz="2300" dirty="0"/>
           </a:p>
         </p:txBody>
       </p:sp>
@@ -8946,15 +9148,46 @@
         </p:nvSpPr>
         <p:spPr>
           <a:xfrm>
-            <a:off x="32563023" y="28495899"/>
-            <a:ext cx="9803003" cy="815457"/>
+            <a:off x="32539679" y="25480820"/>
+            <a:ext cx="9799200" cy="1240061"/>
           </a:xfrm>
         </p:spPr>
         <p:txBody>
           <a:bodyPr/>
           <a:lstStyle/>
           <a:p>
-            <a:endParaRPr lang="en-US"/>
+            <a:pPr marL="342900" indent="-342900">
+              <a:buFont typeface="Arial" panose="020B0604020202020204" pitchFamily="34" charset="0"/>
+              <a:buChar char="•"/>
+            </a:pPr>
+            <a:r>
+              <a:rPr lang="en-US" dirty="0">
+                <a:latin typeface="+mn-lt"/>
+              </a:rPr>
+              <a:t>OECD PISA Database, </a:t>
+            </a:r>
+            <a:r>
+              <a:rPr lang="en-US" dirty="0">
+                <a:latin typeface="+mn-lt"/>
+                <a:hlinkClick r:id="rId3"/>
+              </a:rPr>
+              <a:t>https://www.oecd.org/pisa/data/</a:t>
+            </a:r>
+            <a:endParaRPr lang="en-US" dirty="0">
+              <a:latin typeface="+mn-lt"/>
+            </a:endParaRPr>
+          </a:p>
+          <a:p>
+            <a:pPr marL="342900" indent="-342900">
+              <a:buFont typeface="Arial" panose="020B0604020202020204" pitchFamily="34" charset="0"/>
+              <a:buChar char="•"/>
+            </a:pPr>
+            <a:r>
+              <a:rPr lang="en-US" dirty="0">
+                <a:latin typeface="+mn-lt"/>
+              </a:rPr>
+              <a:t>Helping immigrant students to succeed at school – and beyond, OECD 2015</a:t>
+            </a:r>
           </a:p>
         </p:txBody>
       </p:sp>
@@ -8976,8 +9209,8 @@
         </p:nvSpPr>
         <p:spPr>
           <a:xfrm>
-            <a:off x="400871" y="10657455"/>
-            <a:ext cx="9799907" cy="6600777"/>
+            <a:off x="400871" y="11146681"/>
+            <a:ext cx="9799907" cy="5415050"/>
           </a:xfrm>
         </p:spPr>
         <p:txBody>
@@ -8993,11 +9226,8 @@
               <a:rPr lang="en-US" dirty="0">
                 <a:latin typeface="+mn-lt"/>
               </a:rPr>
-              <a:t>The dataset we focused on is based on some tests given to students, their parents and their schools, regarding both scholastic knowledge and social questions.</a:t>
+              <a:t>Our dataset is based on some questionaries’ answers of students, their parents, and their school’s staff, regarding both their scholastic knowledge and social and psychological conditions.</a:t>
             </a:r>
-            <a:endParaRPr lang="it-IT" dirty="0">
-              <a:latin typeface="+mn-lt"/>
-            </a:endParaRPr>
           </a:p>
           <a:p>
             <a:pPr algn="just">
@@ -9009,11 +9239,8 @@
               <a:rPr lang="en-US" dirty="0">
                 <a:latin typeface="+mn-lt"/>
               </a:rPr>
-              <a:t>After a general visualization of the dataset and an analysis of it through MANOVA tests and Clustering methods, we focused on the students’ scores in math and reading noticing that there were differences between native and immigrant students in term of their results. </a:t>
+              <a:t>After exploring the dataset and analyzing it through MANOVA tests and Clustering methods, we focused on students’ scores in Math and Reading.  Indeed, native and immigrant students show consistent differences in term of their results. </a:t>
             </a:r>
-            <a:endParaRPr lang="it-IT" dirty="0">
-              <a:latin typeface="+mn-lt"/>
-            </a:endParaRPr>
           </a:p>
           <a:p>
             <a:pPr algn="just">
@@ -9025,11 +9252,8 @@
               <a:rPr lang="en-US" dirty="0">
                 <a:latin typeface="+mn-lt"/>
               </a:rPr>
-              <a:t>We proceeded with a deeper analysis and built some models, which highlighted that the score of a student is affected by some features as his socioeconomic state, the amount of time he dedicates to study, his class size and some others, besides his hard work and study.  The obtained results suggested us some ways to help the lagging students, who most of the times were the immigrant ones, understanding the points that could be improved.</a:t>
+              <a:t>Then through linear models, we identified the main covariates responsible of the students scores to understand where to act to help struggling students, often immigrant, in the most effective way.</a:t>
             </a:r>
-            <a:endParaRPr lang="it-IT" dirty="0">
-              <a:latin typeface="+mn-lt"/>
-            </a:endParaRPr>
           </a:p>
           <a:p>
             <a:pPr algn="just">
@@ -9041,7 +9265,7 @@
               <a:rPr lang="en-US" dirty="0">
                 <a:latin typeface="+mn-lt"/>
               </a:rPr>
-              <a:t>Then, focusing on schools and proceeding with a Multinomial Logistic Regression, we clustered schools with respect to some features that affected the results of their students, highlighting what makes a school the best in terms of results and integration. </a:t>
+              <a:t>Finally, through Linear Mixed Models we clustered schools based on their contribution to the scores and using Multinomial Logistic Regression we identified the key characteristic which allows the “better” schools to help their students.</a:t>
             </a:r>
           </a:p>
         </p:txBody>
@@ -9124,7 +9348,7 @@
           <p:nvPr/>
         </p:nvPicPr>
         <p:blipFill>
-          <a:blip r:embed="rId3">
+          <a:blip r:embed="rId4">
             <a:extLst>
               <a:ext uri="{28A0092B-C50C-407E-A947-70E740481C1C}">
                 <a14:useLocalDpi xmlns:a14="http://schemas.microsoft.com/office/drawing/2010/main" val="0"/>
@@ -9137,7 +9361,7 @@
         </p:blipFill>
         <p:spPr>
           <a:xfrm>
-            <a:off x="3081380" y="1908500"/>
+            <a:off x="3500050" y="1824431"/>
             <a:ext cx="3600000" cy="2645783"/>
           </a:xfrm>
           <a:prstGeom prst="rect">
@@ -9160,7 +9384,7 @@
           <p:nvPr/>
         </p:nvPicPr>
         <p:blipFill>
-          <a:blip r:embed="rId4">
+          <a:blip r:embed="rId5">
             <a:extLst>
               <a:ext uri="{28A0092B-C50C-407E-A947-70E740481C1C}">
                 <a14:useLocalDpi xmlns:a14="http://schemas.microsoft.com/office/drawing/2010/main" val="0"/>
@@ -9173,8 +9397,8 @@
         </p:blipFill>
         <p:spPr>
           <a:xfrm>
-            <a:off x="399323" y="24378568"/>
-            <a:ext cx="4064558" cy="3033252"/>
+            <a:off x="1269022" y="23059203"/>
+            <a:ext cx="7224716" cy="5391579"/>
           </a:xfrm>
           <a:prstGeom prst="rect">
             <a:avLst/>
@@ -9198,7 +9422,7 @@
         <p:spPr>
           <a:xfrm>
             <a:off x="10902688" y="4936938"/>
-            <a:ext cx="9799906" cy="4655996"/>
+            <a:ext cx="9799906" cy="3446691"/>
           </a:xfrm>
           <a:prstGeom prst="rect">
             <a:avLst/>
@@ -9364,20 +9588,30 @@
             </a:r>
           </a:p>
           <a:p>
-            <a:pPr algn="just"/>
+            <a:pPr algn="just">
+              <a:spcBef>
+                <a:spcPts val="600"/>
+              </a:spcBef>
+            </a:pPr>
             <a:r>
-              <a:rPr lang="en-GB" dirty="0">
+              <a:rPr lang="en-US" dirty="0">
                 <a:latin typeface="+mn-lt"/>
               </a:rPr>
-              <a:t>We first qualitatively visualised our dataset trough clustering. Using k-means on the dataset containing the observations of all European students, we came up with three balanced clusters which are not perfectly divided but seem to confirm our hypothesis that immigrants are generally less successful at school.</a:t>
+              <a:t>Investigating the dataset through k-means we identified 3 clusters of students.</a:t>
             </a:r>
           </a:p>
           <a:p>
             <a:pPr algn="just">
               <a:spcBef>
-                <a:spcPts val="600"/>
+                <a:spcPts val="0"/>
               </a:spcBef>
             </a:pPr>
+            <a:r>
+              <a:rPr lang="en-US" dirty="0">
+                <a:latin typeface="+mn-lt"/>
+              </a:rPr>
+              <a:t> </a:t>
+            </a:r>
             <a:endParaRPr lang="en-GB" sz="2300" i="1" dirty="0">
               <a:latin typeface="+mn-lt"/>
             </a:endParaRPr>
@@ -9385,18 +9619,28 @@
           <a:p>
             <a:pPr algn="just">
               <a:spcBef>
-                <a:spcPts val="600"/>
+                <a:spcPts val="0"/>
               </a:spcBef>
             </a:pPr>
             <a:r>
-              <a:rPr lang="en-GB" sz="2300" i="1" dirty="0">
+              <a:rPr lang="en-US" sz="2300" i="1" dirty="0">
                 <a:latin typeface="+mn-lt"/>
               </a:rPr>
-              <a:t>The cluster linked to the best performances contains only the 23% of the total number of immigrants, while the worst one contains the 54% of them. Moreover, from the analysis of the other features of the clusters it’s clear that immigrants often attend poorer schools with a shortage of material and staff, where there is generally a school climate that hinders learning.</a:t>
+              <a:t>The cluster with the worst math and reading scores contains 54% of the total number of immigrants, while the best contains only 23% of them. </a:t>
             </a:r>
-            <a:endParaRPr lang="it-IT" sz="2300" i="1" dirty="0">
-              <a:latin typeface="+mn-lt"/>
-            </a:endParaRPr>
+          </a:p>
+          <a:p>
+            <a:pPr algn="just">
+              <a:spcBef>
+                <a:spcPts val="0"/>
+              </a:spcBef>
+            </a:pPr>
+            <a:r>
+              <a:rPr lang="en-US" sz="2300" i="1" dirty="0">
+                <a:latin typeface="+mn-lt"/>
+              </a:rPr>
+              <a:t>Moreover, the clusters show that most immigrant students attend poorer schools with a shortage of material and staff, and a school climate that hinders learning.</a:t>
+            </a:r>
           </a:p>
         </p:txBody>
       </p:sp>
@@ -9416,8 +9660,8 @@
         </p:nvSpPr>
         <p:spPr>
           <a:xfrm>
-            <a:off x="10907405" y="14340416"/>
-            <a:ext cx="9799906" cy="5593689"/>
+            <a:off x="10907405" y="13302655"/>
+            <a:ext cx="9799906" cy="5292068"/>
           </a:xfrm>
           <a:prstGeom prst="rect">
             <a:avLst/>
@@ -9583,12 +9827,16 @@
             </a:r>
           </a:p>
           <a:p>
-            <a:pPr algn="just"/>
+            <a:pPr algn="just">
+              <a:spcBef>
+                <a:spcPts val="600"/>
+              </a:spcBef>
+            </a:pPr>
             <a:r>
               <a:rPr lang="en-US" dirty="0">
                 <a:latin typeface="+mn-lt"/>
               </a:rPr>
-              <a:t>We then used MANOVA to get statistical evidence for our hypothesis of there being differences between native and immigrant students in math and reading scores. Then we further investigated other differences between these groups.</a:t>
+              <a:t>To confirm the qualitative results observed through clustering we performed MANOVA tests on the main features of interest.</a:t>
             </a:r>
           </a:p>
           <a:p>
@@ -9604,63 +9852,28 @@
           <a:p>
             <a:pPr algn="just">
               <a:spcBef>
-                <a:spcPts val="600"/>
+                <a:spcPts val="0"/>
               </a:spcBef>
             </a:pPr>
             <a:r>
               <a:rPr lang="en-US" i="1" dirty="0">
                 <a:latin typeface="+mn-lt"/>
               </a:rPr>
-              <a:t>The main hypothesis was confirmed for all European countries (except Great Britain). By ranking them, we see that Great Britain is the country with least score difference, while Denmark is the worst among the selected countries.</a:t>
+              <a:t>For all countries (except Great Britain) we found statistical evidence at level 95% that immigrant students have lower mean scores in both Math and Reading. By ranking the differences in scores, we see that Great Britain is first while Denmark is last.</a:t>
             </a:r>
           </a:p>
           <a:p>
             <a:pPr algn="just">
               <a:spcBef>
-                <a:spcPts val="600"/>
+                <a:spcPts val="0"/>
               </a:spcBef>
             </a:pPr>
             <a:r>
               <a:rPr lang="en-US" i="1" dirty="0">
                 <a:latin typeface="+mn-lt"/>
               </a:rPr>
-              <a:t>In addition, learning times for immigrants are consistently more in all countries with respect to natives’ times; this result highlights that usually the failure of immigrants is not due to a lack of commitment and study.</a:t>
+              <a:t>Similar differences are found also for other features such as ESCS status, sense of belonging in school, grade repetition percentages. On the other hand, weekly times spent studying are consistently higher for immigrant students compared to native, which excludes lack of commitment as the motivation behind lower scores.</a:t>
             </a:r>
-          </a:p>
-          <a:p>
-            <a:pPr algn="just">
-              <a:spcBef>
-                <a:spcPts val="600"/>
-              </a:spcBef>
-            </a:pPr>
-            <a:r>
-              <a:rPr lang="en-US" i="1" dirty="0">
-                <a:latin typeface="+mn-lt"/>
-              </a:rPr>
-              <a:t>From other inspections…</a:t>
-            </a:r>
-            <a:r>
-              <a:rPr lang="en-US" i="1" dirty="0" err="1">
-                <a:latin typeface="+mn-lt"/>
-              </a:rPr>
-              <a:t>seba</a:t>
-            </a:r>
-            <a:r>
-              <a:rPr lang="en-US" i="1" dirty="0">
-                <a:latin typeface="+mn-lt"/>
-              </a:rPr>
-              <a:t> continua</a:t>
-            </a:r>
-          </a:p>
-          <a:p>
-            <a:pPr algn="just">
-              <a:spcBef>
-                <a:spcPts val="600"/>
-              </a:spcBef>
-            </a:pPr>
-            <a:endParaRPr lang="it-IT" b="1" dirty="0">
-              <a:latin typeface="+mn-lt"/>
-            </a:endParaRPr>
           </a:p>
         </p:txBody>
       </p:sp>
@@ -9681,7 +9894,7 @@
         <p:spPr>
           <a:xfrm>
             <a:off x="21857691" y="4936938"/>
-            <a:ext cx="9799906" cy="10753178"/>
+            <a:ext cx="9799906" cy="6707327"/>
           </a:xfrm>
           <a:prstGeom prst="rect">
             <a:avLst/>
@@ -9849,30 +10062,14 @@
           <a:p>
             <a:pPr algn="just">
               <a:spcBef>
-                <a:spcPts val="0"/>
+                <a:spcPts val="600"/>
               </a:spcBef>
             </a:pPr>
             <a:r>
               <a:rPr lang="en-US" dirty="0">
                 <a:latin typeface="+mn-lt"/>
               </a:rPr>
-              <a:t>After assessing the presence of differences in scores between immigrants and natives we tried to understand which features are most important for a student’s scholastic success, to find the optimal way for schools to help lagging students and to have a better integration system.</a:t>
-            </a:r>
-            <a:endParaRPr lang="it-IT" dirty="0">
-              <a:latin typeface="+mn-lt"/>
-            </a:endParaRPr>
-          </a:p>
-          <a:p>
-            <a:pPr algn="just">
-              <a:spcBef>
-                <a:spcPts val="0"/>
-              </a:spcBef>
-            </a:pPr>
-            <a:r>
-              <a:rPr lang="en-US" dirty="0">
-                <a:latin typeface="+mn-lt"/>
-              </a:rPr>
-              <a:t>By focusing our aim on three datasets (European aggregated dataset, Great Britain as the most performing country with respect to integration, and Denmark as the worst one) and using as our target variable the scores of math and reading, we selected the best model through backward selection.</a:t>
+              <a:t>To find the features mainly responsible of scholastic success we focused on three datasets: our complete dataset, Great Britain as an example of a country with good integration, and Denmark as one with more integration issues. </a:t>
             </a:r>
           </a:p>
           <a:p>
@@ -9888,38 +10085,54 @@
           <a:p>
             <a:pPr algn="just">
               <a:spcBef>
-                <a:spcPts val="600"/>
+                <a:spcPts val="0"/>
               </a:spcBef>
             </a:pPr>
             <a:r>
               <a:rPr lang="en-US" i="1" dirty="0">
                 <a:latin typeface="+mn-lt"/>
               </a:rPr>
-              <a:t>We started with the European dataset to look for general trends: we found out, as we expected, that being an immigrant student, who mainly speaks his language and not the one of the country he lives in, has a negative effect on the scores, as well as having parents who are not highly educated and being bullied at school. Moreover, it was clear that a school with a shortage of educational material and staff influences its students’ achievements, especially if they are immigrant who probably need an additional and more careful help from teachers. On the other side, there are also positive effects, given mostly by the socioeconomic state of the student.</a:t>
+              <a:t>For immigrant students some of the main negative regressors are: not speaking the country’s language at home, having parents who are not highly educated and being bullied at school. </a:t>
             </a:r>
           </a:p>
           <a:p>
             <a:pPr algn="just">
               <a:spcBef>
-                <a:spcPts val="600"/>
+                <a:spcPts val="0"/>
               </a:spcBef>
             </a:pPr>
             <a:r>
               <a:rPr lang="en-US" i="1" dirty="0">
                 <a:latin typeface="+mn-lt"/>
               </a:rPr>
-              <a:t>We decided to investigate more deeply the datasets of Great Britain and Denmark, trying to highlight if there are features that are more relevant than others in determining the integration gap between these two countries. First of all, as we expected, we noticed that the feature ‘immigration’ was not significant anymore in the Great Britain model. On the contrary, in Denmark being an immigrant has a strong negative effect on the school success, also worsened by the interaction with other covariates as the student-teacher ratio and being bullied.</a:t>
+              <a:t>Moreover, schools with a shortage of educational material and staff influences their students’ achievements, especially if they are immigrant since they might need additional attention from teachers. </a:t>
             </a:r>
           </a:p>
           <a:p>
             <a:pPr algn="just">
               <a:spcBef>
-                <a:spcPts val="600"/>
+                <a:spcPts val="0"/>
               </a:spcBef>
             </a:pPr>
-            <a:endParaRPr lang="it-IT" b="1" i="1" dirty="0">
-              <a:latin typeface="+mn-lt"/>
-            </a:endParaRPr>
+            <a:r>
+              <a:rPr lang="en-US" i="1" dirty="0">
+                <a:latin typeface="+mn-lt"/>
+              </a:rPr>
+              <a:t>From the separate analysis of Great Britain, we noticed that ‘immigration’ and most of its interaction effects were not significant anymore, as expected. The key factors are schools’ resources and ESCS status. </a:t>
+            </a:r>
+          </a:p>
+          <a:p>
+            <a:pPr algn="just">
+              <a:spcBef>
+                <a:spcPts val="0"/>
+              </a:spcBef>
+            </a:pPr>
+            <a:r>
+              <a:rPr lang="en-US" i="1" dirty="0">
+                <a:latin typeface="+mn-lt"/>
+              </a:rPr>
+              <a:t>On the contrary, in Denmark being an immigrant has a strong negative effect, worsened by the interaction with other covariates such as the student-teacher ratio in schools and the emotional status of the students.</a:t>
+            </a:r>
           </a:p>
         </p:txBody>
       </p:sp>
@@ -9939,8 +10152,8 @@
         </p:nvSpPr>
         <p:spPr>
           <a:xfrm>
-            <a:off x="21857691" y="15491375"/>
-            <a:ext cx="9799906" cy="7770054"/>
+            <a:off x="21857691" y="11554396"/>
+            <a:ext cx="9799906" cy="6508426"/>
           </a:xfrm>
           <a:prstGeom prst="rect">
             <a:avLst/>
@@ -10108,30 +10321,27 @@
           <a:p>
             <a:pPr algn="just">
               <a:spcBef>
-                <a:spcPts val="0"/>
+                <a:spcPts val="600"/>
               </a:spcBef>
             </a:pPr>
             <a:r>
-              <a:rPr lang="en-GB" dirty="0">
+              <a:rPr lang="en-US" dirty="0">
                 <a:latin typeface="+mn-lt"/>
               </a:rPr>
-              <a:t>To measure the effect of living in a certain country on the students’ performance, we implemented a linear mixed model aggregating the observations through countries, keeping as target variables math and reading scores. To better focus on the aim of our analysis we also added a random effect associated with the variable immigration.</a:t>
+              <a:t>Since our data offers some grouping possibilities (by country and by schools) we extended our linear models into linear mixed models aggregating the observations firstly by countries, adding a random slope associated with the variable immigration.</a:t>
             </a:r>
-            <a:endParaRPr lang="it-IT" dirty="0">
-              <a:latin typeface="+mn-lt"/>
-            </a:endParaRPr>
           </a:p>
           <a:p>
             <a:pPr algn="just">
               <a:spcBef>
-                <a:spcPts val="0"/>
+                <a:spcPts val="600"/>
               </a:spcBef>
             </a:pPr>
             <a:r>
-              <a:rPr lang="en-GB" dirty="0">
+              <a:rPr lang="en-US" dirty="0">
                 <a:latin typeface="+mn-lt"/>
               </a:rPr>
-              <a:t>We performed two other mixed models in order to emphasize the differences across schools in Great Britain and Denmark. Indeed, we aggregated the students through their schools trying to detect the main reasons why Great Britain is an effective model of integration as opposed to Denmark.</a:t>
+              <a:t>Secondly, we grouped the datasets of Great Britain and Denmark by schools, to observe what do schools in these countries do differently to help their students through Multinomial Logistic Regression in the next section.</a:t>
             </a:r>
           </a:p>
           <a:p>
@@ -10151,35 +10361,10 @@
               </a:spcBef>
             </a:pPr>
             <a:r>
-              <a:rPr lang="en-GB" sz="2300" i="1" dirty="0">
+              <a:rPr lang="en-US" sz="2300" i="1" dirty="0">
                 <a:latin typeface="+mn-lt"/>
               </a:rPr>
-              <a:t>The random effect given by the country is significant and increase its relevance once added the immigration random slope, both for math and reading (the Percentage of Variance explained by the Random Effect (PVRE) goes from 2.3% to 4.4% for math and from 1.5% to 4.3% for reading). </a:t>
-            </a:r>
-          </a:p>
-          <a:p>
-            <a:pPr algn="just">
-              <a:spcBef>
-                <a:spcPts val="0"/>
-              </a:spcBef>
-            </a:pPr>
-            <a:r>
-              <a:rPr lang="en-GB" sz="2300" i="1" dirty="0">
-                <a:latin typeface="+mn-lt"/>
-              </a:rPr>
-              <a:t>An important result and a confirmation of our previous analyses can be observed in the </a:t>
-            </a:r>
-            <a:r>
-              <a:rPr lang="en-GB" sz="2300" i="1" dirty="0" err="1">
-                <a:latin typeface="+mn-lt"/>
-              </a:rPr>
-              <a:t>dotplot</a:t>
-            </a:r>
-            <a:r>
-              <a:rPr lang="en-GB" sz="2300" i="1" dirty="0">
-                <a:latin typeface="+mn-lt"/>
-              </a:rPr>
-              <a:t> of the random effects of the two models, indeed it’s clear how, being an immigrant, living in Great Britain has a positive effect with respect to the mean on the school performances while living in Denmark has a negative one.</a:t>
+              <a:t>The random effect given by the country grouping is significant and adding the immigration random slope increases its relevance. The Percentage of Variance explained by the Random Effect (PVRE) goes from 2.3% to 4.4% for math and from 1.5% to 4.3% for reading. By plotting the random coefficients of the two models, it’s clear how being an immigrant living in Great Britain has a positive effect on the school performances while living in Denmark has a negative one with respect to the mean.</a:t>
             </a:r>
             <a:endParaRPr lang="it-IT" sz="2300" i="1" dirty="0">
               <a:latin typeface="+mn-lt"/>
@@ -10203,8 +10388,8 @@
         </p:nvSpPr>
         <p:spPr>
           <a:xfrm>
-            <a:off x="32537869" y="4936938"/>
-            <a:ext cx="9799906" cy="6907253"/>
+            <a:off x="21858596" y="22354901"/>
+            <a:ext cx="9798096" cy="7491901"/>
           </a:xfrm>
           <a:prstGeom prst="rect">
             <a:avLst/>
@@ -10376,20 +10561,11 @@
               </a:spcBef>
             </a:pPr>
             <a:r>
-              <a:rPr lang="en-GB" dirty="0">
-                <a:latin typeface="+mn-lt"/>
-              </a:rPr>
-              <a:t>Once implemented the two mixed models for the schools of Great Britain and Denmark</a:t>
-            </a:r>
-            <a:r>
               <a:rPr lang="en-US" dirty="0">
                 <a:latin typeface="+mn-lt"/>
               </a:rPr>
-              <a:t> we divided the schools in three clusters, ranked trough the effect on the scores as pointed out by the mixed models.</a:t>
+              <a:t>We implemented two mixed models for the schools of GBR and DNK (see previous section), then for each we divided the schools in three clusters: those with a positive intercept, those with no significant effect, and those with negative intercept.</a:t>
             </a:r>
-            <a:endParaRPr lang="it-IT" dirty="0">
-              <a:latin typeface="+mn-lt"/>
-            </a:endParaRPr>
           </a:p>
           <a:p>
             <a:pPr algn="just">
@@ -10398,10 +10574,23 @@
               </a:spcBef>
             </a:pPr>
             <a:r>
-              <a:rPr lang="en-GB" dirty="0">
+              <a:rPr lang="en-US" dirty="0">
                 <a:latin typeface="+mn-lt"/>
               </a:rPr>
-              <a:t>To explore a posteriori these clusters we applied a multinomial logistic model, which allowed us to identify the different characteristics of the best and worst schools. Indeed, the output of these models assign at each covariate a coefficient which increments or decrements the probability of being assigned to the best or worst schools class.</a:t>
+              <a:t>We then identified the different characteristics of the “better” and “worse” schools through Multinomial Logistic Regression. </a:t>
+            </a:r>
+          </a:p>
+          <a:p>
+            <a:pPr algn="just">
+              <a:spcBef>
+                <a:spcPts val="0"/>
+              </a:spcBef>
+            </a:pPr>
+            <a:r>
+              <a:rPr lang="en-US" dirty="0">
+                <a:latin typeface="+mn-lt"/>
+              </a:rPr>
+              <a:t>Indeed, the output of these models assign at each covariate a coefficient representing their contribution in increasing the probability of being assigned to a better or worse school.</a:t>
             </a:r>
           </a:p>
           <a:p>
@@ -10424,56 +10613,24 @@
               <a:rPr lang="en-US" i="1" dirty="0">
                 <a:latin typeface="+mn-lt"/>
               </a:rPr>
-              <a:t>From the tables of the results we notice that in Great Britain the best and worst schools do not present huge differences in their characteristics, except for an higher socioeconomic state of the student and a larger educational staff, which probably ensures greater attention and care towards students. These variables has the same effect also in </a:t>
+              <a:t>We notice that in Great Britain the better and worse schools have similar characteristics, except for higher ESCS status of the students and larger educational staff, which might give more attention to students’ individual issues. </a:t>
             </a:r>
-            <a:r>
-              <a:rPr lang="en-US" i="1" dirty="0" err="1">
-                <a:latin typeface="+mn-lt"/>
-              </a:rPr>
-              <a:t>Denamark</a:t>
-            </a:r>
+          </a:p>
+          <a:p>
+            <a:pPr algn="just">
+              <a:spcBef>
+                <a:spcPts val="0"/>
+              </a:spcBef>
+            </a:pPr>
             <a:r>
               <a:rPr lang="en-US" i="1" dirty="0">
                 <a:latin typeface="+mn-lt"/>
               </a:rPr>
-              <a:t>, but in addition there’s a relevant worsening in the school climate in the worst schools and, as expected, being an immigrant student increments the probabilities of being assigned to the worst schools class.</a:t>
+              <a:t>This is also true in Denmark, but in the worse schools there is also a relevant worsening in the school climate and, as expected, being an immigrant student increments the probabilities of being assigned to the worse schools. Indeed in Denmark the worse schools have a higher percentage of immigrant students.</a:t>
             </a:r>
-            <a:endParaRPr lang="it-IT" i="1" dirty="0">
-              <a:latin typeface="+mn-lt"/>
-            </a:endParaRPr>
           </a:p>
         </p:txBody>
       </p:sp>
-      <p:pic>
-        <p:nvPicPr>
-          <p:cNvPr id="16" name="Immagine 15">
-            <a:extLst>
-              <a:ext uri="{FF2B5EF4-FFF2-40B4-BE49-F238E27FC236}">
-                <a16:creationId xmlns:a16="http://schemas.microsoft.com/office/drawing/2014/main" id="{31A74C84-707A-E704-DE8D-9C7245D9CDB2}"/>
-              </a:ext>
-            </a:extLst>
-          </p:cNvPr>
-          <p:cNvPicPr>
-            <a:picLocks noChangeAspect="1"/>
-          </p:cNvPicPr>
-          <p:nvPr/>
-        </p:nvPicPr>
-        <p:blipFill>
-          <a:blip r:embed="rId5"/>
-          <a:stretch>
-            <a:fillRect/>
-          </a:stretch>
-        </p:blipFill>
-        <p:spPr>
-          <a:xfrm>
-            <a:off x="4463881" y="24312283"/>
-            <a:ext cx="5300604" cy="3404859"/>
-          </a:xfrm>
-          <a:prstGeom prst="rect">
-            <a:avLst/>
-          </a:prstGeom>
-        </p:spPr>
-      </p:pic>
       <p:pic>
         <p:nvPicPr>
           <p:cNvPr id="18" name="Immagine 17">
@@ -10502,7 +10659,7 @@
         </p:blipFill>
         <p:spPr>
           <a:xfrm>
-            <a:off x="10907405" y="20020042"/>
+            <a:off x="10861632" y="19177333"/>
             <a:ext cx="4789581" cy="3995672"/>
           </a:xfrm>
           <a:prstGeom prst="rect">
@@ -10538,7 +10695,7 @@
         </p:blipFill>
         <p:spPr>
           <a:xfrm>
-            <a:off x="15696986" y="20020042"/>
+            <a:off x="15802641" y="19177333"/>
             <a:ext cx="4789581" cy="3995672"/>
           </a:xfrm>
           <a:prstGeom prst="rect">
@@ -10575,8 +10732,8 @@
         </p:blipFill>
         <p:spPr bwMode="auto">
           <a:xfrm>
-            <a:off x="21857690" y="23759056"/>
-            <a:ext cx="4456819" cy="4511314"/>
+            <a:off x="21854919" y="17972953"/>
+            <a:ext cx="4328277" cy="4381200"/>
           </a:xfrm>
           <a:prstGeom prst="rect">
             <a:avLst/>
@@ -10616,8 +10773,8 @@
         </p:blipFill>
         <p:spPr bwMode="auto">
           <a:xfrm>
-            <a:off x="27191694" y="23678987"/>
-            <a:ext cx="4494144" cy="4591383"/>
+            <a:off x="27102310" y="17977388"/>
+            <a:ext cx="4327200" cy="4420826"/>
           </a:xfrm>
           <a:prstGeom prst="rect">
             <a:avLst/>
@@ -10626,78 +10783,6 @@
           <a:ln>
             <a:noFill/>
           </a:ln>
-        </p:spPr>
-      </p:pic>
-      <p:pic>
-        <p:nvPicPr>
-          <p:cNvPr id="8" name="Picture 7" descr="Chart, box and whisker chart&#10;&#10;Description automatically generated">
-            <a:extLst>
-              <a:ext uri="{FF2B5EF4-FFF2-40B4-BE49-F238E27FC236}">
-                <a16:creationId xmlns:a16="http://schemas.microsoft.com/office/drawing/2014/main" id="{184CBEF7-568D-0E19-5F35-24AD3D7FCA18}"/>
-              </a:ext>
-            </a:extLst>
-          </p:cNvPr>
-          <p:cNvPicPr>
-            <a:picLocks noChangeAspect="1"/>
-          </p:cNvPicPr>
-          <p:nvPr/>
-        </p:nvPicPr>
-        <p:blipFill>
-          <a:blip r:embed="rId10" cstate="print">
-            <a:extLst>
-              <a:ext uri="{28A0092B-C50C-407E-A947-70E740481C1C}">
-                <a14:useLocalDpi xmlns:a14="http://schemas.microsoft.com/office/drawing/2010/main" val="0"/>
-              </a:ext>
-            </a:extLst>
-          </a:blip>
-          <a:stretch>
-            <a:fillRect/>
-          </a:stretch>
-        </p:blipFill>
-        <p:spPr>
-          <a:xfrm>
-            <a:off x="10907405" y="9996780"/>
-            <a:ext cx="4893084" cy="3935289"/>
-          </a:xfrm>
-          <a:prstGeom prst="rect">
-            <a:avLst/>
-          </a:prstGeom>
-        </p:spPr>
-      </p:pic>
-      <p:pic>
-        <p:nvPicPr>
-          <p:cNvPr id="20" name="Picture 19" descr="Chart, box and whisker chart&#10;&#10;Description automatically generated">
-            <a:extLst>
-              <a:ext uri="{FF2B5EF4-FFF2-40B4-BE49-F238E27FC236}">
-                <a16:creationId xmlns:a16="http://schemas.microsoft.com/office/drawing/2014/main" id="{498E5341-55D7-E271-4F78-70002917DDC2}"/>
-              </a:ext>
-            </a:extLst>
-          </p:cNvPr>
-          <p:cNvPicPr>
-            <a:picLocks noChangeAspect="1"/>
-          </p:cNvPicPr>
-          <p:nvPr/>
-        </p:nvPicPr>
-        <p:blipFill>
-          <a:blip r:embed="rId11" cstate="print">
-            <a:extLst>
-              <a:ext uri="{28A0092B-C50C-407E-A947-70E740481C1C}">
-                <a14:useLocalDpi xmlns:a14="http://schemas.microsoft.com/office/drawing/2010/main" val="0"/>
-              </a:ext>
-            </a:extLst>
-          </a:blip>
-          <a:stretch>
-            <a:fillRect/>
-          </a:stretch>
-        </p:blipFill>
-        <p:spPr>
-          <a:xfrm>
-            <a:off x="16026706" y="9996779"/>
-            <a:ext cx="4616393" cy="3935289"/>
-          </a:xfrm>
-          <a:prstGeom prst="rect">
-            <a:avLst/>
-          </a:prstGeom>
         </p:spPr>
       </p:pic>
       <p:pic>
@@ -10715,7 +10800,7 @@
           <p:nvPr/>
         </p:nvPicPr>
         <p:blipFill>
-          <a:blip r:embed="rId12">
+          <a:blip r:embed="rId10">
             <a:extLst>
               <a:ext uri="{28A0092B-C50C-407E-A947-70E740481C1C}">
                 <a14:useLocalDpi xmlns:a14="http://schemas.microsoft.com/office/drawing/2010/main" val="0"/>
@@ -10728,7 +10813,7 @@
         </p:blipFill>
         <p:spPr>
           <a:xfrm>
-            <a:off x="35316310" y="1779314"/>
+            <a:off x="35761448" y="1820985"/>
             <a:ext cx="3350937" cy="2869103"/>
           </a:xfrm>
           <a:prstGeom prst="rect">
@@ -10751,13 +10836,13 @@
           <p:nvPr>
             <p:extLst>
               <p:ext uri="{D42A27DB-BD31-4B8C-83A1-F6EECF244321}">
-                <p14:modId xmlns:p14="http://schemas.microsoft.com/office/powerpoint/2010/main" val="3058154639"/>
+                <p14:modId xmlns:p14="http://schemas.microsoft.com/office/powerpoint/2010/main" val="1305328688"/>
               </p:ext>
             </p:extLst>
           </p:nvPr>
         </p:nvGraphicFramePr>
         <p:xfrm>
-          <a:off x="32726037" y="11800980"/>
+          <a:off x="32726037" y="5802143"/>
           <a:ext cx="4647112" cy="3352800"/>
         </p:xfrm>
         <a:graphic>
@@ -10828,9 +10913,7 @@
                   <a:tcPr>
                     <a:lnL w="38100" cap="flat" cmpd="sng" algn="ctr">
                       <a:solidFill>
-                        <a:schemeClr val="accent5">
-                          <a:lumMod val="50000"/>
-                        </a:schemeClr>
+                        <a:srgbClr val="92D050"/>
                       </a:solidFill>
                       <a:prstDash val="solid"/>
                       <a:round/>
@@ -10846,9 +10929,7 @@
                     </a:lnR>
                     <a:lnT w="38100" cap="flat" cmpd="sng" algn="ctr">
                       <a:solidFill>
-                        <a:schemeClr val="accent5">
-                          <a:lumMod val="50000"/>
-                        </a:schemeClr>
+                        <a:srgbClr val="92D050"/>
                       </a:solidFill>
                       <a:prstDash val="solid"/>
                       <a:round/>
@@ -10857,15 +10938,21 @@
                     </a:lnT>
                     <a:lnB w="38100" cap="flat" cmpd="sng" algn="ctr">
                       <a:solidFill>
-                        <a:schemeClr val="accent5">
-                          <a:lumMod val="50000"/>
-                        </a:schemeClr>
+                        <a:srgbClr val="92D050"/>
                       </a:solidFill>
                       <a:prstDash val="solid"/>
                       <a:round/>
                       <a:headEnd type="none" w="med" len="med"/>
                       <a:tailEnd type="none" w="med" len="med"/>
                     </a:lnB>
+                    <a:lnTlToBr w="12700" cmpd="sng">
+                      <a:noFill/>
+                      <a:prstDash val="solid"/>
+                    </a:lnTlToBr>
+                    <a:lnBlToTr w="12700" cmpd="sng">
+                      <a:noFill/>
+                      <a:prstDash val="solid"/>
+                    </a:lnBlToTr>
                   </a:tcPr>
                 </a:tc>
                 <a:tc>
@@ -10882,7 +10969,7 @@
                           </a:solidFill>
                           <a:latin typeface="+mn-lt"/>
                         </a:rPr>
-                        <a:t>Worst</a:t>
+                        <a:t>Worse</a:t>
                       </a:r>
                       <a:r>
                         <a:rPr lang="it-IT" sz="1600" i="1" dirty="0">
@@ -10914,9 +11001,7 @@
                     </a:lnR>
                     <a:lnT w="38100" cap="flat" cmpd="sng" algn="ctr">
                       <a:solidFill>
-                        <a:schemeClr val="accent5">
-                          <a:lumMod val="50000"/>
-                        </a:schemeClr>
+                        <a:srgbClr val="92D050"/>
                       </a:solidFill>
                       <a:prstDash val="solid"/>
                       <a:round/>
@@ -10925,15 +11010,21 @@
                     </a:lnT>
                     <a:lnB w="38100" cap="flat" cmpd="sng" algn="ctr">
                       <a:solidFill>
-                        <a:schemeClr val="accent5">
-                          <a:lumMod val="50000"/>
-                        </a:schemeClr>
+                        <a:srgbClr val="92D050"/>
                       </a:solidFill>
                       <a:prstDash val="solid"/>
                       <a:round/>
                       <a:headEnd type="none" w="med" len="med"/>
                       <a:tailEnd type="none" w="med" len="med"/>
                     </a:lnB>
+                    <a:lnTlToBr w="12700" cmpd="sng">
+                      <a:noFill/>
+                      <a:prstDash val="solid"/>
+                    </a:lnTlToBr>
+                    <a:lnBlToTr w="12700" cmpd="sng">
+                      <a:noFill/>
+                      <a:prstDash val="solid"/>
+                    </a:lnBlToTr>
                   </a:tcPr>
                 </a:tc>
                 <a:tc>
@@ -10950,7 +11041,7 @@
                           </a:solidFill>
                           <a:latin typeface="+mn-lt"/>
                         </a:rPr>
-                        <a:t>Best Schools</a:t>
+                        <a:t>Better Schools</a:t>
                       </a:r>
                     </a:p>
                   </a:txBody>
@@ -10964,9 +11055,7 @@
                     </a:lnL>
                     <a:lnR w="38100" cap="flat" cmpd="sng" algn="ctr">
                       <a:solidFill>
-                        <a:schemeClr val="accent5">
-                          <a:lumMod val="50000"/>
-                        </a:schemeClr>
+                        <a:srgbClr val="92D050"/>
                       </a:solidFill>
                       <a:prstDash val="solid"/>
                       <a:round/>
@@ -10975,9 +11064,7 @@
                     </a:lnR>
                     <a:lnT w="38100" cap="flat" cmpd="sng" algn="ctr">
                       <a:solidFill>
-                        <a:schemeClr val="accent5">
-                          <a:lumMod val="50000"/>
-                        </a:schemeClr>
+                        <a:srgbClr val="92D050"/>
                       </a:solidFill>
                       <a:prstDash val="solid"/>
                       <a:round/>
@@ -10986,15 +11073,21 @@
                     </a:lnT>
                     <a:lnB w="38100" cap="flat" cmpd="sng" algn="ctr">
                       <a:solidFill>
-                        <a:schemeClr val="accent5">
-                          <a:lumMod val="50000"/>
-                        </a:schemeClr>
+                        <a:srgbClr val="92D050"/>
                       </a:solidFill>
                       <a:prstDash val="solid"/>
                       <a:round/>
                       <a:headEnd type="none" w="med" len="med"/>
                       <a:tailEnd type="none" w="med" len="med"/>
                     </a:lnB>
+                    <a:lnTlToBr w="12700" cmpd="sng">
+                      <a:noFill/>
+                      <a:prstDash val="solid"/>
+                    </a:lnTlToBr>
+                    <a:lnBlToTr w="12700" cmpd="sng">
+                      <a:noFill/>
+                      <a:prstDash val="solid"/>
+                    </a:lnBlToTr>
                   </a:tcPr>
                 </a:tc>
                 <a:extLst>
@@ -11033,9 +11126,7 @@
                   <a:tcPr>
                     <a:lnL w="38100" cap="flat" cmpd="sng" algn="ctr">
                       <a:solidFill>
-                        <a:schemeClr val="accent5">
-                          <a:lumMod val="50000"/>
-                        </a:schemeClr>
+                        <a:srgbClr val="92D050"/>
                       </a:solidFill>
                       <a:prstDash val="solid"/>
                       <a:round/>
@@ -11051,9 +11142,7 @@
                     </a:lnR>
                     <a:lnT w="38100" cap="flat" cmpd="sng" algn="ctr">
                       <a:solidFill>
-                        <a:schemeClr val="accent5">
-                          <a:lumMod val="50000"/>
-                        </a:schemeClr>
+                        <a:srgbClr val="92D050"/>
                       </a:solidFill>
                       <a:prstDash val="solid"/>
                       <a:round/>
@@ -11062,15 +11151,21 @@
                     </a:lnT>
                     <a:lnB w="38100" cap="flat" cmpd="sng" algn="ctr">
                       <a:solidFill>
-                        <a:schemeClr val="accent5">
-                          <a:lumMod val="50000"/>
-                        </a:schemeClr>
+                        <a:srgbClr val="92D050"/>
                       </a:solidFill>
                       <a:prstDash val="solid"/>
                       <a:round/>
                       <a:headEnd type="none" w="med" len="med"/>
                       <a:tailEnd type="none" w="med" len="med"/>
                     </a:lnB>
+                    <a:lnTlToBr w="12700" cmpd="sng">
+                      <a:noFill/>
+                      <a:prstDash val="solid"/>
+                    </a:lnTlToBr>
+                    <a:lnBlToTr w="12700" cmpd="sng">
+                      <a:noFill/>
+                      <a:prstDash val="solid"/>
+                    </a:lnBlToTr>
                   </a:tcPr>
                 </a:tc>
                 <a:tc>
@@ -11108,9 +11203,7 @@
                     </a:lnR>
                     <a:lnT w="38100" cap="flat" cmpd="sng" algn="ctr">
                       <a:solidFill>
-                        <a:schemeClr val="accent5">
-                          <a:lumMod val="50000"/>
-                        </a:schemeClr>
+                        <a:srgbClr val="92D050"/>
                       </a:solidFill>
                       <a:prstDash val="solid"/>
                       <a:round/>
@@ -11119,15 +11212,21 @@
                     </a:lnT>
                     <a:lnB w="38100" cap="flat" cmpd="sng" algn="ctr">
                       <a:solidFill>
-                        <a:schemeClr val="accent5">
-                          <a:lumMod val="50000"/>
-                        </a:schemeClr>
+                        <a:srgbClr val="92D050"/>
                       </a:solidFill>
                       <a:prstDash val="solid"/>
                       <a:round/>
                       <a:headEnd type="none" w="med" len="med"/>
                       <a:tailEnd type="none" w="med" len="med"/>
                     </a:lnB>
+                    <a:lnTlToBr w="12700" cmpd="sng">
+                      <a:noFill/>
+                      <a:prstDash val="solid"/>
+                    </a:lnTlToBr>
+                    <a:lnBlToTr w="12700" cmpd="sng">
+                      <a:noFill/>
+                      <a:prstDash val="solid"/>
+                    </a:lnBlToTr>
                   </a:tcPr>
                 </a:tc>
                 <a:tc>
@@ -11158,9 +11257,7 @@
                     </a:lnL>
                     <a:lnR w="38100" cap="flat" cmpd="sng" algn="ctr">
                       <a:solidFill>
-                        <a:schemeClr val="accent5">
-                          <a:lumMod val="50000"/>
-                        </a:schemeClr>
+                        <a:srgbClr val="92D050"/>
                       </a:solidFill>
                       <a:prstDash val="solid"/>
                       <a:round/>
@@ -11169,9 +11266,7 @@
                     </a:lnR>
                     <a:lnT w="38100" cap="flat" cmpd="sng" algn="ctr">
                       <a:solidFill>
-                        <a:schemeClr val="accent5">
-                          <a:lumMod val="50000"/>
-                        </a:schemeClr>
+                        <a:srgbClr val="92D050"/>
                       </a:solidFill>
                       <a:prstDash val="solid"/>
                       <a:round/>
@@ -11180,15 +11275,21 @@
                     </a:lnT>
                     <a:lnB w="38100" cap="flat" cmpd="sng" algn="ctr">
                       <a:solidFill>
-                        <a:schemeClr val="accent5">
-                          <a:lumMod val="50000"/>
-                        </a:schemeClr>
+                        <a:srgbClr val="92D050"/>
                       </a:solidFill>
                       <a:prstDash val="solid"/>
                       <a:round/>
                       <a:headEnd type="none" w="med" len="med"/>
                       <a:tailEnd type="none" w="med" len="med"/>
                     </a:lnB>
+                    <a:lnTlToBr w="12700" cmpd="sng">
+                      <a:noFill/>
+                      <a:prstDash val="solid"/>
+                    </a:lnTlToBr>
+                    <a:lnBlToTr w="12700" cmpd="sng">
+                      <a:noFill/>
+                      <a:prstDash val="solid"/>
+                    </a:lnBlToTr>
                   </a:tcPr>
                 </a:tc>
                 <a:extLst>
@@ -11227,9 +11328,7 @@
                   <a:tcPr>
                     <a:lnL w="38100" cap="flat" cmpd="sng" algn="ctr">
                       <a:solidFill>
-                        <a:schemeClr val="accent5">
-                          <a:lumMod val="50000"/>
-                        </a:schemeClr>
+                        <a:srgbClr val="92D050"/>
                       </a:solidFill>
                       <a:prstDash val="solid"/>
                       <a:round/>
@@ -11245,9 +11344,7 @@
                     </a:lnR>
                     <a:lnT w="38100" cap="flat" cmpd="sng" algn="ctr">
                       <a:solidFill>
-                        <a:schemeClr val="accent5">
-                          <a:lumMod val="50000"/>
-                        </a:schemeClr>
+                        <a:srgbClr val="92D050"/>
                       </a:solidFill>
                       <a:prstDash val="solid"/>
                       <a:round/>
@@ -11256,15 +11353,21 @@
                     </a:lnT>
                     <a:lnB w="38100" cap="flat" cmpd="sng" algn="ctr">
                       <a:solidFill>
-                        <a:schemeClr val="accent5">
-                          <a:lumMod val="50000"/>
-                        </a:schemeClr>
+                        <a:srgbClr val="92D050"/>
                       </a:solidFill>
                       <a:prstDash val="solid"/>
                       <a:round/>
                       <a:headEnd type="none" w="med" len="med"/>
                       <a:tailEnd type="none" w="med" len="med"/>
                     </a:lnB>
+                    <a:lnTlToBr w="12700" cmpd="sng">
+                      <a:noFill/>
+                      <a:prstDash val="solid"/>
+                    </a:lnTlToBr>
+                    <a:lnBlToTr w="12700" cmpd="sng">
+                      <a:noFill/>
+                      <a:prstDash val="solid"/>
+                    </a:lnBlToTr>
                   </a:tcPr>
                 </a:tc>
                 <a:tc>
@@ -11302,9 +11405,7 @@
                     </a:lnR>
                     <a:lnT w="38100" cap="flat" cmpd="sng" algn="ctr">
                       <a:solidFill>
-                        <a:schemeClr val="accent5">
-                          <a:lumMod val="50000"/>
-                        </a:schemeClr>
+                        <a:srgbClr val="92D050"/>
                       </a:solidFill>
                       <a:prstDash val="solid"/>
                       <a:round/>
@@ -11313,15 +11414,21 @@
                     </a:lnT>
                     <a:lnB w="38100" cap="flat" cmpd="sng" algn="ctr">
                       <a:solidFill>
-                        <a:schemeClr val="accent5">
-                          <a:lumMod val="50000"/>
-                        </a:schemeClr>
+                        <a:srgbClr val="92D050"/>
                       </a:solidFill>
                       <a:prstDash val="solid"/>
                       <a:round/>
                       <a:headEnd type="none" w="med" len="med"/>
                       <a:tailEnd type="none" w="med" len="med"/>
                     </a:lnB>
+                    <a:lnTlToBr w="12700" cmpd="sng">
+                      <a:noFill/>
+                      <a:prstDash val="solid"/>
+                    </a:lnTlToBr>
+                    <a:lnBlToTr w="12700" cmpd="sng">
+                      <a:noFill/>
+                      <a:prstDash val="solid"/>
+                    </a:lnBlToTr>
                   </a:tcPr>
                 </a:tc>
                 <a:tc>
@@ -11352,9 +11459,7 @@
                     </a:lnL>
                     <a:lnR w="38100" cap="flat" cmpd="sng" algn="ctr">
                       <a:solidFill>
-                        <a:schemeClr val="accent5">
-                          <a:lumMod val="50000"/>
-                        </a:schemeClr>
+                        <a:srgbClr val="92D050"/>
                       </a:solidFill>
                       <a:prstDash val="solid"/>
                       <a:round/>
@@ -11363,9 +11468,7 @@
                     </a:lnR>
                     <a:lnT w="38100" cap="flat" cmpd="sng" algn="ctr">
                       <a:solidFill>
-                        <a:schemeClr val="accent5">
-                          <a:lumMod val="50000"/>
-                        </a:schemeClr>
+                        <a:srgbClr val="92D050"/>
                       </a:solidFill>
                       <a:prstDash val="solid"/>
                       <a:round/>
@@ -11374,15 +11477,21 @@
                     </a:lnT>
                     <a:lnB w="38100" cap="flat" cmpd="sng" algn="ctr">
                       <a:solidFill>
-                        <a:schemeClr val="accent5">
-                          <a:lumMod val="50000"/>
-                        </a:schemeClr>
+                        <a:srgbClr val="92D050"/>
                       </a:solidFill>
                       <a:prstDash val="solid"/>
                       <a:round/>
                       <a:headEnd type="none" w="med" len="med"/>
                       <a:tailEnd type="none" w="med" len="med"/>
                     </a:lnB>
+                    <a:lnTlToBr w="12700" cmpd="sng">
+                      <a:noFill/>
+                      <a:prstDash val="solid"/>
+                    </a:lnTlToBr>
+                    <a:lnBlToTr w="12700" cmpd="sng">
+                      <a:noFill/>
+                      <a:prstDash val="solid"/>
+                    </a:lnBlToTr>
                   </a:tcPr>
                 </a:tc>
                 <a:extLst>
@@ -11438,9 +11547,7 @@
                   <a:tcPr>
                     <a:lnL w="38100" cap="flat" cmpd="sng" algn="ctr">
                       <a:solidFill>
-                        <a:schemeClr val="accent5">
-                          <a:lumMod val="50000"/>
-                        </a:schemeClr>
+                        <a:srgbClr val="92D050"/>
                       </a:solidFill>
                       <a:prstDash val="solid"/>
                       <a:round/>
@@ -11456,9 +11563,7 @@
                     </a:lnR>
                     <a:lnT w="38100" cap="flat" cmpd="sng" algn="ctr">
                       <a:solidFill>
-                        <a:schemeClr val="accent5">
-                          <a:lumMod val="50000"/>
-                        </a:schemeClr>
+                        <a:srgbClr val="92D050"/>
                       </a:solidFill>
                       <a:prstDash val="solid"/>
                       <a:round/>
@@ -11467,15 +11572,21 @@
                     </a:lnT>
                     <a:lnB w="38100" cap="flat" cmpd="sng" algn="ctr">
                       <a:solidFill>
-                        <a:schemeClr val="accent5">
-                          <a:lumMod val="50000"/>
-                        </a:schemeClr>
+                        <a:srgbClr val="92D050"/>
                       </a:solidFill>
                       <a:prstDash val="solid"/>
                       <a:round/>
                       <a:headEnd type="none" w="med" len="med"/>
                       <a:tailEnd type="none" w="med" len="med"/>
                     </a:lnB>
+                    <a:lnTlToBr w="12700" cmpd="sng">
+                      <a:noFill/>
+                      <a:prstDash val="solid"/>
+                    </a:lnTlToBr>
+                    <a:lnBlToTr w="12700" cmpd="sng">
+                      <a:noFill/>
+                      <a:prstDash val="solid"/>
+                    </a:lnBlToTr>
                   </a:tcPr>
                 </a:tc>
                 <a:tc>
@@ -11513,9 +11624,7 @@
                     </a:lnR>
                     <a:lnT w="38100" cap="flat" cmpd="sng" algn="ctr">
                       <a:solidFill>
-                        <a:schemeClr val="accent5">
-                          <a:lumMod val="50000"/>
-                        </a:schemeClr>
+                        <a:srgbClr val="92D050"/>
                       </a:solidFill>
                       <a:prstDash val="solid"/>
                       <a:round/>
@@ -11524,15 +11633,21 @@
                     </a:lnT>
                     <a:lnB w="38100" cap="flat" cmpd="sng" algn="ctr">
                       <a:solidFill>
-                        <a:schemeClr val="accent5">
-                          <a:lumMod val="50000"/>
-                        </a:schemeClr>
+                        <a:srgbClr val="92D050"/>
                       </a:solidFill>
                       <a:prstDash val="solid"/>
                       <a:round/>
                       <a:headEnd type="none" w="med" len="med"/>
                       <a:tailEnd type="none" w="med" len="med"/>
                     </a:lnB>
+                    <a:lnTlToBr w="12700" cmpd="sng">
+                      <a:noFill/>
+                      <a:prstDash val="solid"/>
+                    </a:lnTlToBr>
+                    <a:lnBlToTr w="12700" cmpd="sng">
+                      <a:noFill/>
+                      <a:prstDash val="solid"/>
+                    </a:lnBlToTr>
                   </a:tcPr>
                 </a:tc>
                 <a:tc>
@@ -11563,9 +11678,7 @@
                     </a:lnL>
                     <a:lnR w="38100" cap="flat" cmpd="sng" algn="ctr">
                       <a:solidFill>
-                        <a:schemeClr val="accent5">
-                          <a:lumMod val="50000"/>
-                        </a:schemeClr>
+                        <a:srgbClr val="92D050"/>
                       </a:solidFill>
                       <a:prstDash val="solid"/>
                       <a:round/>
@@ -11574,9 +11687,7 @@
                     </a:lnR>
                     <a:lnT w="38100" cap="flat" cmpd="sng" algn="ctr">
                       <a:solidFill>
-                        <a:schemeClr val="accent5">
-                          <a:lumMod val="50000"/>
-                        </a:schemeClr>
+                        <a:srgbClr val="92D050"/>
                       </a:solidFill>
                       <a:prstDash val="solid"/>
                       <a:round/>
@@ -11585,15 +11696,21 @@
                     </a:lnT>
                     <a:lnB w="38100" cap="flat" cmpd="sng" algn="ctr">
                       <a:solidFill>
-                        <a:schemeClr val="accent5">
-                          <a:lumMod val="50000"/>
-                        </a:schemeClr>
+                        <a:srgbClr val="92D050"/>
                       </a:solidFill>
                       <a:prstDash val="solid"/>
                       <a:round/>
                       <a:headEnd type="none" w="med" len="med"/>
                       <a:tailEnd type="none" w="med" len="med"/>
                     </a:lnB>
+                    <a:lnTlToBr w="12700" cmpd="sng">
+                      <a:noFill/>
+                      <a:prstDash val="solid"/>
+                    </a:lnTlToBr>
+                    <a:lnBlToTr w="12700" cmpd="sng">
+                      <a:noFill/>
+                      <a:prstDash val="solid"/>
+                    </a:lnBlToTr>
                   </a:tcPr>
                 </a:tc>
                 <a:extLst>
@@ -11649,9 +11766,7 @@
                   <a:tcPr>
                     <a:lnL w="38100" cap="flat" cmpd="sng" algn="ctr">
                       <a:solidFill>
-                        <a:schemeClr val="accent5">
-                          <a:lumMod val="50000"/>
-                        </a:schemeClr>
+                        <a:srgbClr val="92D050"/>
                       </a:solidFill>
                       <a:prstDash val="solid"/>
                       <a:round/>
@@ -11667,9 +11782,7 @@
                     </a:lnR>
                     <a:lnT w="38100" cap="flat" cmpd="sng" algn="ctr">
                       <a:solidFill>
-                        <a:schemeClr val="accent5">
-                          <a:lumMod val="50000"/>
-                        </a:schemeClr>
+                        <a:srgbClr val="92D050"/>
                       </a:solidFill>
                       <a:prstDash val="solid"/>
                       <a:round/>
@@ -11678,15 +11791,21 @@
                     </a:lnT>
                     <a:lnB w="38100" cap="flat" cmpd="sng" algn="ctr">
                       <a:solidFill>
-                        <a:schemeClr val="accent5">
-                          <a:lumMod val="50000"/>
-                        </a:schemeClr>
+                        <a:srgbClr val="92D050"/>
                       </a:solidFill>
                       <a:prstDash val="solid"/>
                       <a:round/>
                       <a:headEnd type="none" w="med" len="med"/>
                       <a:tailEnd type="none" w="med" len="med"/>
                     </a:lnB>
+                    <a:lnTlToBr w="12700" cmpd="sng">
+                      <a:noFill/>
+                      <a:prstDash val="solid"/>
+                    </a:lnTlToBr>
+                    <a:lnBlToTr w="12700" cmpd="sng">
+                      <a:noFill/>
+                      <a:prstDash val="solid"/>
+                    </a:lnBlToTr>
                   </a:tcPr>
                 </a:tc>
                 <a:tc>
@@ -11724,9 +11843,7 @@
                     </a:lnR>
                     <a:lnT w="38100" cap="flat" cmpd="sng" algn="ctr">
                       <a:solidFill>
-                        <a:schemeClr val="accent5">
-                          <a:lumMod val="50000"/>
-                        </a:schemeClr>
+                        <a:srgbClr val="92D050"/>
                       </a:solidFill>
                       <a:prstDash val="solid"/>
                       <a:round/>
@@ -11735,15 +11852,21 @@
                     </a:lnT>
                     <a:lnB w="38100" cap="flat" cmpd="sng" algn="ctr">
                       <a:solidFill>
-                        <a:schemeClr val="accent5">
-                          <a:lumMod val="50000"/>
-                        </a:schemeClr>
+                        <a:srgbClr val="92D050"/>
                       </a:solidFill>
                       <a:prstDash val="solid"/>
                       <a:round/>
                       <a:headEnd type="none" w="med" len="med"/>
                       <a:tailEnd type="none" w="med" len="med"/>
                     </a:lnB>
+                    <a:lnTlToBr w="12700" cmpd="sng">
+                      <a:noFill/>
+                      <a:prstDash val="solid"/>
+                    </a:lnTlToBr>
+                    <a:lnBlToTr w="12700" cmpd="sng">
+                      <a:noFill/>
+                      <a:prstDash val="solid"/>
+                    </a:lnBlToTr>
                   </a:tcPr>
                 </a:tc>
                 <a:tc>
@@ -11774,9 +11897,7 @@
                     </a:lnL>
                     <a:lnR w="38100" cap="flat" cmpd="sng" algn="ctr">
                       <a:solidFill>
-                        <a:schemeClr val="accent5">
-                          <a:lumMod val="50000"/>
-                        </a:schemeClr>
+                        <a:srgbClr val="92D050"/>
                       </a:solidFill>
                       <a:prstDash val="solid"/>
                       <a:round/>
@@ -11785,9 +11906,7 @@
                     </a:lnR>
                     <a:lnT w="38100" cap="flat" cmpd="sng" algn="ctr">
                       <a:solidFill>
-                        <a:schemeClr val="accent5">
-                          <a:lumMod val="50000"/>
-                        </a:schemeClr>
+                        <a:srgbClr val="92D050"/>
                       </a:solidFill>
                       <a:prstDash val="solid"/>
                       <a:round/>
@@ -11796,15 +11915,21 @@
                     </a:lnT>
                     <a:lnB w="38100" cap="flat" cmpd="sng" algn="ctr">
                       <a:solidFill>
-                        <a:schemeClr val="accent5">
-                          <a:lumMod val="50000"/>
-                        </a:schemeClr>
+                        <a:srgbClr val="92D050"/>
                       </a:solidFill>
                       <a:prstDash val="solid"/>
                       <a:round/>
                       <a:headEnd type="none" w="med" len="med"/>
                       <a:tailEnd type="none" w="med" len="med"/>
                     </a:lnB>
+                    <a:lnTlToBr w="12700" cmpd="sng">
+                      <a:noFill/>
+                      <a:prstDash val="solid"/>
+                    </a:lnTlToBr>
+                    <a:lnBlToTr w="12700" cmpd="sng">
+                      <a:noFill/>
+                      <a:prstDash val="solid"/>
+                    </a:lnBlToTr>
                   </a:tcPr>
                 </a:tc>
                 <a:extLst>
@@ -11860,9 +11985,7 @@
                   <a:tcPr>
                     <a:lnL w="38100" cap="flat" cmpd="sng" algn="ctr">
                       <a:solidFill>
-                        <a:schemeClr val="accent5">
-                          <a:lumMod val="50000"/>
-                        </a:schemeClr>
+                        <a:srgbClr val="92D050"/>
                       </a:solidFill>
                       <a:prstDash val="solid"/>
                       <a:round/>
@@ -11878,9 +12001,7 @@
                     </a:lnR>
                     <a:lnT w="38100" cap="flat" cmpd="sng" algn="ctr">
                       <a:solidFill>
-                        <a:schemeClr val="accent5">
-                          <a:lumMod val="50000"/>
-                        </a:schemeClr>
+                        <a:srgbClr val="92D050"/>
                       </a:solidFill>
                       <a:prstDash val="solid"/>
                       <a:round/>
@@ -11889,15 +12010,21 @@
                     </a:lnT>
                     <a:lnB w="38100" cap="flat" cmpd="sng" algn="ctr">
                       <a:solidFill>
-                        <a:schemeClr val="accent5">
-                          <a:lumMod val="50000"/>
-                        </a:schemeClr>
+                        <a:srgbClr val="92D050"/>
                       </a:solidFill>
                       <a:prstDash val="solid"/>
                       <a:round/>
                       <a:headEnd type="none" w="med" len="med"/>
                       <a:tailEnd type="none" w="med" len="med"/>
                     </a:lnB>
+                    <a:lnTlToBr w="12700" cmpd="sng">
+                      <a:noFill/>
+                      <a:prstDash val="solid"/>
+                    </a:lnTlToBr>
+                    <a:lnBlToTr w="12700" cmpd="sng">
+                      <a:noFill/>
+                      <a:prstDash val="solid"/>
+                    </a:lnBlToTr>
                   </a:tcPr>
                 </a:tc>
                 <a:tc>
@@ -11935,9 +12062,7 @@
                     </a:lnR>
                     <a:lnT w="38100" cap="flat" cmpd="sng" algn="ctr">
                       <a:solidFill>
-                        <a:schemeClr val="accent5">
-                          <a:lumMod val="50000"/>
-                        </a:schemeClr>
+                        <a:srgbClr val="92D050"/>
                       </a:solidFill>
                       <a:prstDash val="solid"/>
                       <a:round/>
@@ -11946,15 +12071,21 @@
                     </a:lnT>
                     <a:lnB w="38100" cap="flat" cmpd="sng" algn="ctr">
                       <a:solidFill>
-                        <a:schemeClr val="accent5">
-                          <a:lumMod val="50000"/>
-                        </a:schemeClr>
+                        <a:srgbClr val="92D050"/>
                       </a:solidFill>
                       <a:prstDash val="solid"/>
                       <a:round/>
                       <a:headEnd type="none" w="med" len="med"/>
                       <a:tailEnd type="none" w="med" len="med"/>
                     </a:lnB>
+                    <a:lnTlToBr w="12700" cmpd="sng">
+                      <a:noFill/>
+                      <a:prstDash val="solid"/>
+                    </a:lnTlToBr>
+                    <a:lnBlToTr w="12700" cmpd="sng">
+                      <a:noFill/>
+                      <a:prstDash val="solid"/>
+                    </a:lnBlToTr>
                   </a:tcPr>
                 </a:tc>
                 <a:tc>
@@ -11985,9 +12116,7 @@
                     </a:lnL>
                     <a:lnR w="38100" cap="flat" cmpd="sng" algn="ctr">
                       <a:solidFill>
-                        <a:schemeClr val="accent5">
-                          <a:lumMod val="50000"/>
-                        </a:schemeClr>
+                        <a:srgbClr val="92D050"/>
                       </a:solidFill>
                       <a:prstDash val="solid"/>
                       <a:round/>
@@ -11996,9 +12125,7 @@
                     </a:lnR>
                     <a:lnT w="38100" cap="flat" cmpd="sng" algn="ctr">
                       <a:solidFill>
-                        <a:schemeClr val="accent5">
-                          <a:lumMod val="50000"/>
-                        </a:schemeClr>
+                        <a:srgbClr val="92D050"/>
                       </a:solidFill>
                       <a:prstDash val="solid"/>
                       <a:round/>
@@ -12007,15 +12134,21 @@
                     </a:lnT>
                     <a:lnB w="38100" cap="flat" cmpd="sng" algn="ctr">
                       <a:solidFill>
-                        <a:schemeClr val="accent5">
-                          <a:lumMod val="50000"/>
-                        </a:schemeClr>
+                        <a:srgbClr val="92D050"/>
                       </a:solidFill>
                       <a:prstDash val="solid"/>
                       <a:round/>
                       <a:headEnd type="none" w="med" len="med"/>
                       <a:tailEnd type="none" w="med" len="med"/>
                     </a:lnB>
+                    <a:lnTlToBr w="12700" cmpd="sng">
+                      <a:noFill/>
+                      <a:prstDash val="solid"/>
+                    </a:lnTlToBr>
+                    <a:lnBlToTr w="12700" cmpd="sng">
+                      <a:noFill/>
+                      <a:prstDash val="solid"/>
+                    </a:lnBlToTr>
                   </a:tcPr>
                 </a:tc>
                 <a:extLst>
@@ -12054,9 +12187,7 @@
                   <a:tcPr>
                     <a:lnL w="38100" cap="flat" cmpd="sng" algn="ctr">
                       <a:solidFill>
-                        <a:schemeClr val="accent5">
-                          <a:lumMod val="50000"/>
-                        </a:schemeClr>
+                        <a:srgbClr val="92D050"/>
                       </a:solidFill>
                       <a:prstDash val="solid"/>
                       <a:round/>
@@ -12072,9 +12203,7 @@
                     </a:lnR>
                     <a:lnT w="38100" cap="flat" cmpd="sng" algn="ctr">
                       <a:solidFill>
-                        <a:schemeClr val="accent5">
-                          <a:lumMod val="50000"/>
-                        </a:schemeClr>
+                        <a:srgbClr val="92D050"/>
                       </a:solidFill>
                       <a:prstDash val="solid"/>
                       <a:round/>
@@ -12083,15 +12212,21 @@
                     </a:lnT>
                     <a:lnB w="38100" cap="flat" cmpd="sng" algn="ctr">
                       <a:solidFill>
-                        <a:schemeClr val="accent5">
-                          <a:lumMod val="50000"/>
-                        </a:schemeClr>
+                        <a:srgbClr val="92D050"/>
                       </a:solidFill>
                       <a:prstDash val="solid"/>
                       <a:round/>
                       <a:headEnd type="none" w="med" len="med"/>
                       <a:tailEnd type="none" w="med" len="med"/>
                     </a:lnB>
+                    <a:lnTlToBr w="12700" cmpd="sng">
+                      <a:noFill/>
+                      <a:prstDash val="solid"/>
+                    </a:lnTlToBr>
+                    <a:lnBlToTr w="12700" cmpd="sng">
+                      <a:noFill/>
+                      <a:prstDash val="solid"/>
+                    </a:lnBlToTr>
                   </a:tcPr>
                 </a:tc>
                 <a:tc>
@@ -12129,9 +12264,7 @@
                     </a:lnR>
                     <a:lnT w="38100" cap="flat" cmpd="sng" algn="ctr">
                       <a:solidFill>
-                        <a:schemeClr val="accent5">
-                          <a:lumMod val="50000"/>
-                        </a:schemeClr>
+                        <a:srgbClr val="92D050"/>
                       </a:solidFill>
                       <a:prstDash val="solid"/>
                       <a:round/>
@@ -12140,15 +12273,21 @@
                     </a:lnT>
                     <a:lnB w="38100" cap="flat" cmpd="sng" algn="ctr">
                       <a:solidFill>
-                        <a:schemeClr val="accent5">
-                          <a:lumMod val="50000"/>
-                        </a:schemeClr>
+                        <a:srgbClr val="92D050"/>
                       </a:solidFill>
                       <a:prstDash val="solid"/>
                       <a:round/>
                       <a:headEnd type="none" w="med" len="med"/>
                       <a:tailEnd type="none" w="med" len="med"/>
                     </a:lnB>
+                    <a:lnTlToBr w="12700" cmpd="sng">
+                      <a:noFill/>
+                      <a:prstDash val="solid"/>
+                    </a:lnTlToBr>
+                    <a:lnBlToTr w="12700" cmpd="sng">
+                      <a:noFill/>
+                      <a:prstDash val="solid"/>
+                    </a:lnBlToTr>
                   </a:tcPr>
                 </a:tc>
                 <a:tc>
@@ -12179,9 +12318,7 @@
                     </a:lnL>
                     <a:lnR w="38100" cap="flat" cmpd="sng" algn="ctr">
                       <a:solidFill>
-                        <a:schemeClr val="accent5">
-                          <a:lumMod val="50000"/>
-                        </a:schemeClr>
+                        <a:srgbClr val="92D050"/>
                       </a:solidFill>
                       <a:prstDash val="solid"/>
                       <a:round/>
@@ -12190,9 +12327,7 @@
                     </a:lnR>
                     <a:lnT w="38100" cap="flat" cmpd="sng" algn="ctr">
                       <a:solidFill>
-                        <a:schemeClr val="accent5">
-                          <a:lumMod val="50000"/>
-                        </a:schemeClr>
+                        <a:srgbClr val="92D050"/>
                       </a:solidFill>
                       <a:prstDash val="solid"/>
                       <a:round/>
@@ -12201,15 +12336,21 @@
                     </a:lnT>
                     <a:lnB w="38100" cap="flat" cmpd="sng" algn="ctr">
                       <a:solidFill>
-                        <a:schemeClr val="accent5">
-                          <a:lumMod val="50000"/>
-                        </a:schemeClr>
+                        <a:srgbClr val="92D050"/>
                       </a:solidFill>
                       <a:prstDash val="solid"/>
                       <a:round/>
                       <a:headEnd type="none" w="med" len="med"/>
                       <a:tailEnd type="none" w="med" len="med"/>
                     </a:lnB>
+                    <a:lnTlToBr w="12700" cmpd="sng">
+                      <a:noFill/>
+                      <a:prstDash val="solid"/>
+                    </a:lnTlToBr>
+                    <a:lnBlToTr w="12700" cmpd="sng">
+                      <a:noFill/>
+                      <a:prstDash val="solid"/>
+                    </a:lnBlToTr>
                   </a:tcPr>
                 </a:tc>
                 <a:extLst>
@@ -12248,9 +12389,7 @@
                   <a:tcPr>
                     <a:lnL w="38100" cap="flat" cmpd="sng" algn="ctr">
                       <a:solidFill>
-                        <a:schemeClr val="accent5">
-                          <a:lumMod val="50000"/>
-                        </a:schemeClr>
+                        <a:srgbClr val="92D050"/>
                       </a:solidFill>
                       <a:prstDash val="solid"/>
                       <a:round/>
@@ -12266,9 +12405,7 @@
                     </a:lnR>
                     <a:lnT w="38100" cap="flat" cmpd="sng" algn="ctr">
                       <a:solidFill>
-                        <a:schemeClr val="accent5">
-                          <a:lumMod val="50000"/>
-                        </a:schemeClr>
+                        <a:srgbClr val="92D050"/>
                       </a:solidFill>
                       <a:prstDash val="solid"/>
                       <a:round/>
@@ -12277,15 +12414,21 @@
                     </a:lnT>
                     <a:lnB w="38100" cap="flat" cmpd="sng" algn="ctr">
                       <a:solidFill>
-                        <a:schemeClr val="accent5">
-                          <a:lumMod val="50000"/>
-                        </a:schemeClr>
+                        <a:srgbClr val="92D050"/>
                       </a:solidFill>
                       <a:prstDash val="solid"/>
                       <a:round/>
                       <a:headEnd type="none" w="med" len="med"/>
                       <a:tailEnd type="none" w="med" len="med"/>
                     </a:lnB>
+                    <a:lnTlToBr w="12700" cmpd="sng">
+                      <a:noFill/>
+                      <a:prstDash val="solid"/>
+                    </a:lnTlToBr>
+                    <a:lnBlToTr w="12700" cmpd="sng">
+                      <a:noFill/>
+                      <a:prstDash val="solid"/>
+                    </a:lnBlToTr>
                   </a:tcPr>
                 </a:tc>
                 <a:tc>
@@ -12323,9 +12466,7 @@
                     </a:lnR>
                     <a:lnT w="38100" cap="flat" cmpd="sng" algn="ctr">
                       <a:solidFill>
-                        <a:schemeClr val="accent5">
-                          <a:lumMod val="50000"/>
-                        </a:schemeClr>
+                        <a:srgbClr val="92D050"/>
                       </a:solidFill>
                       <a:prstDash val="solid"/>
                       <a:round/>
@@ -12334,15 +12475,21 @@
                     </a:lnT>
                     <a:lnB w="38100" cap="flat" cmpd="sng" algn="ctr">
                       <a:solidFill>
-                        <a:schemeClr val="accent5">
-                          <a:lumMod val="50000"/>
-                        </a:schemeClr>
+                        <a:srgbClr val="92D050"/>
                       </a:solidFill>
                       <a:prstDash val="solid"/>
                       <a:round/>
                       <a:headEnd type="none" w="med" len="med"/>
                       <a:tailEnd type="none" w="med" len="med"/>
                     </a:lnB>
+                    <a:lnTlToBr w="12700" cmpd="sng">
+                      <a:noFill/>
+                      <a:prstDash val="solid"/>
+                    </a:lnTlToBr>
+                    <a:lnBlToTr w="12700" cmpd="sng">
+                      <a:noFill/>
+                      <a:prstDash val="solid"/>
+                    </a:lnBlToTr>
                   </a:tcPr>
                 </a:tc>
                 <a:tc>
@@ -12373,9 +12520,7 @@
                     </a:lnL>
                     <a:lnR w="38100" cap="flat" cmpd="sng" algn="ctr">
                       <a:solidFill>
-                        <a:schemeClr val="accent5">
-                          <a:lumMod val="50000"/>
-                        </a:schemeClr>
+                        <a:srgbClr val="92D050"/>
                       </a:solidFill>
                       <a:prstDash val="solid"/>
                       <a:round/>
@@ -12384,9 +12529,7 @@
                     </a:lnR>
                     <a:lnT w="38100" cap="flat" cmpd="sng" algn="ctr">
                       <a:solidFill>
-                        <a:schemeClr val="accent5">
-                          <a:lumMod val="50000"/>
-                        </a:schemeClr>
+                        <a:srgbClr val="92D050"/>
                       </a:solidFill>
                       <a:prstDash val="solid"/>
                       <a:round/>
@@ -12395,15 +12538,21 @@
                     </a:lnT>
                     <a:lnB w="38100" cap="flat" cmpd="sng" algn="ctr">
                       <a:solidFill>
-                        <a:schemeClr val="accent5">
-                          <a:lumMod val="50000"/>
-                        </a:schemeClr>
+                        <a:srgbClr val="92D050"/>
                       </a:solidFill>
                       <a:prstDash val="solid"/>
                       <a:round/>
                       <a:headEnd type="none" w="med" len="med"/>
                       <a:tailEnd type="none" w="med" len="med"/>
                     </a:lnB>
+                    <a:lnTlToBr w="12700" cmpd="sng">
+                      <a:noFill/>
+                      <a:prstDash val="solid"/>
+                    </a:lnTlToBr>
+                    <a:lnBlToTr w="12700" cmpd="sng">
+                      <a:noFill/>
+                      <a:prstDash val="solid"/>
+                    </a:lnBlToTr>
                   </a:tcPr>
                 </a:tc>
                 <a:extLst>
@@ -12442,9 +12591,7 @@
                   <a:tcPr>
                     <a:lnL w="38100" cap="flat" cmpd="sng" algn="ctr">
                       <a:solidFill>
-                        <a:schemeClr val="accent5">
-                          <a:lumMod val="50000"/>
-                        </a:schemeClr>
+                        <a:srgbClr val="92D050"/>
                       </a:solidFill>
                       <a:prstDash val="solid"/>
                       <a:round/>
@@ -12460,9 +12607,7 @@
                     </a:lnR>
                     <a:lnT w="38100" cap="flat" cmpd="sng" algn="ctr">
                       <a:solidFill>
-                        <a:schemeClr val="accent5">
-                          <a:lumMod val="50000"/>
-                        </a:schemeClr>
+                        <a:srgbClr val="92D050"/>
                       </a:solidFill>
                       <a:prstDash val="solid"/>
                       <a:round/>
@@ -12471,15 +12616,21 @@
                     </a:lnT>
                     <a:lnB w="38100" cap="flat" cmpd="sng" algn="ctr">
                       <a:solidFill>
-                        <a:schemeClr val="accent5">
-                          <a:lumMod val="50000"/>
-                        </a:schemeClr>
+                        <a:srgbClr val="92D050"/>
                       </a:solidFill>
                       <a:prstDash val="solid"/>
                       <a:round/>
                       <a:headEnd type="none" w="med" len="med"/>
                       <a:tailEnd type="none" w="med" len="med"/>
                     </a:lnB>
+                    <a:lnTlToBr w="12700" cmpd="sng">
+                      <a:noFill/>
+                      <a:prstDash val="solid"/>
+                    </a:lnTlToBr>
+                    <a:lnBlToTr w="12700" cmpd="sng">
+                      <a:noFill/>
+                      <a:prstDash val="solid"/>
+                    </a:lnBlToTr>
                   </a:tcPr>
                 </a:tc>
                 <a:tc>
@@ -12517,9 +12668,7 @@
                     </a:lnR>
                     <a:lnT w="38100" cap="flat" cmpd="sng" algn="ctr">
                       <a:solidFill>
-                        <a:schemeClr val="accent5">
-                          <a:lumMod val="50000"/>
-                        </a:schemeClr>
+                        <a:srgbClr val="92D050"/>
                       </a:solidFill>
                       <a:prstDash val="solid"/>
                       <a:round/>
@@ -12528,15 +12677,21 @@
                     </a:lnT>
                     <a:lnB w="38100" cap="flat" cmpd="sng" algn="ctr">
                       <a:solidFill>
-                        <a:schemeClr val="accent5">
-                          <a:lumMod val="50000"/>
-                        </a:schemeClr>
+                        <a:srgbClr val="92D050"/>
                       </a:solidFill>
                       <a:prstDash val="solid"/>
                       <a:round/>
                       <a:headEnd type="none" w="med" len="med"/>
                       <a:tailEnd type="none" w="med" len="med"/>
                     </a:lnB>
+                    <a:lnTlToBr w="12700" cmpd="sng">
+                      <a:noFill/>
+                      <a:prstDash val="solid"/>
+                    </a:lnTlToBr>
+                    <a:lnBlToTr w="12700" cmpd="sng">
+                      <a:noFill/>
+                      <a:prstDash val="solid"/>
+                    </a:lnBlToTr>
                   </a:tcPr>
                 </a:tc>
                 <a:tc>
@@ -12567,9 +12722,7 @@
                     </a:lnL>
                     <a:lnR w="38100" cap="flat" cmpd="sng" algn="ctr">
                       <a:solidFill>
-                        <a:schemeClr val="accent5">
-                          <a:lumMod val="50000"/>
-                        </a:schemeClr>
+                        <a:srgbClr val="92D050"/>
                       </a:solidFill>
                       <a:prstDash val="solid"/>
                       <a:round/>
@@ -12578,9 +12731,7 @@
                     </a:lnR>
                     <a:lnT w="38100" cap="flat" cmpd="sng" algn="ctr">
                       <a:solidFill>
-                        <a:schemeClr val="accent5">
-                          <a:lumMod val="50000"/>
-                        </a:schemeClr>
+                        <a:srgbClr val="92D050"/>
                       </a:solidFill>
                       <a:prstDash val="solid"/>
                       <a:round/>
@@ -12589,15 +12740,21 @@
                     </a:lnT>
                     <a:lnB w="38100" cap="flat" cmpd="sng" algn="ctr">
                       <a:solidFill>
-                        <a:schemeClr val="accent5">
-                          <a:lumMod val="50000"/>
-                        </a:schemeClr>
+                        <a:srgbClr val="92D050"/>
                       </a:solidFill>
                       <a:prstDash val="solid"/>
                       <a:round/>
                       <a:headEnd type="none" w="med" len="med"/>
                       <a:tailEnd type="none" w="med" len="med"/>
                     </a:lnB>
+                    <a:lnTlToBr w="12700" cmpd="sng">
+                      <a:noFill/>
+                      <a:prstDash val="solid"/>
+                    </a:lnTlToBr>
+                    <a:lnBlToTr w="12700" cmpd="sng">
+                      <a:noFill/>
+                      <a:prstDash val="solid"/>
+                    </a:lnBlToTr>
                   </a:tcPr>
                 </a:tc>
                 <a:extLst>
@@ -12636,9 +12793,7 @@
                   <a:tcPr>
                     <a:lnL w="38100" cap="flat" cmpd="sng" algn="ctr">
                       <a:solidFill>
-                        <a:schemeClr val="accent5">
-                          <a:lumMod val="50000"/>
-                        </a:schemeClr>
+                        <a:srgbClr val="92D050"/>
                       </a:solidFill>
                       <a:prstDash val="solid"/>
                       <a:round/>
@@ -12654,9 +12809,7 @@
                     </a:lnR>
                     <a:lnT w="38100" cap="flat" cmpd="sng" algn="ctr">
                       <a:solidFill>
-                        <a:schemeClr val="accent5">
-                          <a:lumMod val="50000"/>
-                        </a:schemeClr>
+                        <a:srgbClr val="92D050"/>
                       </a:solidFill>
                       <a:prstDash val="solid"/>
                       <a:round/>
@@ -12665,15 +12818,21 @@
                     </a:lnT>
                     <a:lnB w="38100" cap="flat" cmpd="sng" algn="ctr">
                       <a:solidFill>
-                        <a:schemeClr val="accent5">
-                          <a:lumMod val="50000"/>
-                        </a:schemeClr>
+                        <a:srgbClr val="92D050"/>
                       </a:solidFill>
                       <a:prstDash val="solid"/>
                       <a:round/>
                       <a:headEnd type="none" w="med" len="med"/>
                       <a:tailEnd type="none" w="med" len="med"/>
                     </a:lnB>
+                    <a:lnTlToBr w="12700" cmpd="sng">
+                      <a:noFill/>
+                      <a:prstDash val="solid"/>
+                    </a:lnTlToBr>
+                    <a:lnBlToTr w="12700" cmpd="sng">
+                      <a:noFill/>
+                      <a:prstDash val="solid"/>
+                    </a:lnBlToTr>
                   </a:tcPr>
                 </a:tc>
                 <a:tc>
@@ -12711,9 +12870,7 @@
                     </a:lnR>
                     <a:lnT w="38100" cap="flat" cmpd="sng" algn="ctr">
                       <a:solidFill>
-                        <a:schemeClr val="accent5">
-                          <a:lumMod val="50000"/>
-                        </a:schemeClr>
+                        <a:srgbClr val="92D050"/>
                       </a:solidFill>
                       <a:prstDash val="solid"/>
                       <a:round/>
@@ -12722,15 +12879,21 @@
                     </a:lnT>
                     <a:lnB w="38100" cap="flat" cmpd="sng" algn="ctr">
                       <a:solidFill>
-                        <a:schemeClr val="accent5">
-                          <a:lumMod val="50000"/>
-                        </a:schemeClr>
+                        <a:srgbClr val="92D050"/>
                       </a:solidFill>
                       <a:prstDash val="solid"/>
                       <a:round/>
                       <a:headEnd type="none" w="med" len="med"/>
                       <a:tailEnd type="none" w="med" len="med"/>
                     </a:lnB>
+                    <a:lnTlToBr w="12700" cmpd="sng">
+                      <a:noFill/>
+                      <a:prstDash val="solid"/>
+                    </a:lnTlToBr>
+                    <a:lnBlToTr w="12700" cmpd="sng">
+                      <a:noFill/>
+                      <a:prstDash val="solid"/>
+                    </a:lnBlToTr>
                   </a:tcPr>
                 </a:tc>
                 <a:tc>
@@ -12761,9 +12924,7 @@
                     </a:lnL>
                     <a:lnR w="38100" cap="flat" cmpd="sng" algn="ctr">
                       <a:solidFill>
-                        <a:schemeClr val="accent5">
-                          <a:lumMod val="50000"/>
-                        </a:schemeClr>
+                        <a:srgbClr val="92D050"/>
                       </a:solidFill>
                       <a:prstDash val="solid"/>
                       <a:round/>
@@ -12772,9 +12933,7 @@
                     </a:lnR>
                     <a:lnT w="38100" cap="flat" cmpd="sng" algn="ctr">
                       <a:solidFill>
-                        <a:schemeClr val="accent5">
-                          <a:lumMod val="50000"/>
-                        </a:schemeClr>
+                        <a:srgbClr val="92D050"/>
                       </a:solidFill>
                       <a:prstDash val="solid"/>
                       <a:round/>
@@ -12783,15 +12942,21 @@
                     </a:lnT>
                     <a:lnB w="38100" cap="flat" cmpd="sng" algn="ctr">
                       <a:solidFill>
-                        <a:schemeClr val="accent5">
-                          <a:lumMod val="50000"/>
-                        </a:schemeClr>
+                        <a:srgbClr val="92D050"/>
                       </a:solidFill>
                       <a:prstDash val="solid"/>
                       <a:round/>
                       <a:headEnd type="none" w="med" len="med"/>
                       <a:tailEnd type="none" w="med" len="med"/>
                     </a:lnB>
+                    <a:lnTlToBr w="12700" cmpd="sng">
+                      <a:noFill/>
+                      <a:prstDash val="solid"/>
+                    </a:lnTlToBr>
+                    <a:lnBlToTr w="12700" cmpd="sng">
+                      <a:noFill/>
+                      <a:prstDash val="solid"/>
+                    </a:lnBlToTr>
                   </a:tcPr>
                 </a:tc>
                 <a:extLst>
@@ -12819,14 +12984,14 @@
           <p:nvPr>
             <p:extLst>
               <p:ext uri="{D42A27DB-BD31-4B8C-83A1-F6EECF244321}">
-                <p14:modId xmlns:p14="http://schemas.microsoft.com/office/powerpoint/2010/main" val="2406132042"/>
+                <p14:modId xmlns:p14="http://schemas.microsoft.com/office/powerpoint/2010/main" val="1630896015"/>
               </p:ext>
             </p:extLst>
           </p:nvPr>
         </p:nvGraphicFramePr>
         <p:xfrm>
-          <a:off x="32726037" y="15553654"/>
-          <a:ext cx="4647113" cy="2919480"/>
+          <a:off x="32726037" y="9601845"/>
+          <a:ext cx="4647113" cy="2889825"/>
         </p:xfrm>
         <a:graphic>
           <a:graphicData uri="http://schemas.openxmlformats.org/drawingml/2006/table">
@@ -12896,9 +13061,7 @@
                   <a:tcPr>
                     <a:lnL w="38100" cap="flat" cmpd="sng" algn="ctr">
                       <a:solidFill>
-                        <a:schemeClr val="accent5">
-                          <a:lumMod val="50000"/>
-                        </a:schemeClr>
+                        <a:srgbClr val="92D050"/>
                       </a:solidFill>
                       <a:prstDash val="solid"/>
                       <a:round/>
@@ -12914,9 +13077,7 @@
                     </a:lnR>
                     <a:lnT w="38100" cap="flat" cmpd="sng" algn="ctr">
                       <a:solidFill>
-                        <a:schemeClr val="accent5">
-                          <a:lumMod val="50000"/>
-                        </a:schemeClr>
+                        <a:srgbClr val="92D050"/>
                       </a:solidFill>
                       <a:prstDash val="solid"/>
                       <a:round/>
@@ -12925,9 +13086,7 @@
                     </a:lnT>
                     <a:lnB w="38100" cap="flat" cmpd="sng" algn="ctr">
                       <a:solidFill>
-                        <a:schemeClr val="accent5">
-                          <a:lumMod val="50000"/>
-                        </a:schemeClr>
+                        <a:srgbClr val="92D050"/>
                       </a:solidFill>
                       <a:prstDash val="solid"/>
                       <a:round/>
@@ -12950,7 +13109,7 @@
                           </a:solidFill>
                           <a:latin typeface="+mn-lt"/>
                         </a:rPr>
-                        <a:t>Worst</a:t>
+                        <a:t>Worse</a:t>
                       </a:r>
                       <a:r>
                         <a:rPr lang="it-IT" sz="1600" i="1" dirty="0">
@@ -12982,9 +13141,7 @@
                     </a:lnR>
                     <a:lnT w="38100" cap="flat" cmpd="sng" algn="ctr">
                       <a:solidFill>
-                        <a:schemeClr val="accent5">
-                          <a:lumMod val="50000"/>
-                        </a:schemeClr>
+                        <a:srgbClr val="92D050"/>
                       </a:solidFill>
                       <a:prstDash val="solid"/>
                       <a:round/>
@@ -12993,9 +13150,7 @@
                     </a:lnT>
                     <a:lnB w="38100" cap="flat" cmpd="sng" algn="ctr">
                       <a:solidFill>
-                        <a:schemeClr val="accent5">
-                          <a:lumMod val="50000"/>
-                        </a:schemeClr>
+                        <a:srgbClr val="92D050"/>
                       </a:solidFill>
                       <a:prstDash val="solid"/>
                       <a:round/>
@@ -13018,7 +13173,7 @@
                           </a:solidFill>
                           <a:latin typeface="+mn-lt"/>
                         </a:rPr>
-                        <a:t>Best Schools</a:t>
+                        <a:t>Better Schools</a:t>
                       </a:r>
                     </a:p>
                   </a:txBody>
@@ -13032,9 +13187,7 @@
                     </a:lnL>
                     <a:lnR w="38100" cap="flat" cmpd="sng" algn="ctr">
                       <a:solidFill>
-                        <a:schemeClr val="accent5">
-                          <a:lumMod val="50000"/>
-                        </a:schemeClr>
+                        <a:srgbClr val="92D050"/>
                       </a:solidFill>
                       <a:prstDash val="solid"/>
                       <a:round/>
@@ -13043,9 +13196,7 @@
                     </a:lnR>
                     <a:lnT w="38100" cap="flat" cmpd="sng" algn="ctr">
                       <a:solidFill>
-                        <a:schemeClr val="accent5">
-                          <a:lumMod val="50000"/>
-                        </a:schemeClr>
+                        <a:srgbClr val="92D050"/>
                       </a:solidFill>
                       <a:prstDash val="solid"/>
                       <a:round/>
@@ -13054,9 +13205,7 @@
                     </a:lnT>
                     <a:lnB w="38100" cap="flat" cmpd="sng" algn="ctr">
                       <a:solidFill>
-                        <a:schemeClr val="accent5">
-                          <a:lumMod val="50000"/>
-                        </a:schemeClr>
+                        <a:srgbClr val="92D050"/>
                       </a:solidFill>
                       <a:prstDash val="solid"/>
                       <a:round/>
@@ -13101,9 +13250,7 @@
                   <a:tcPr>
                     <a:lnL w="38100" cap="flat" cmpd="sng" algn="ctr">
                       <a:solidFill>
-                        <a:schemeClr val="accent5">
-                          <a:lumMod val="50000"/>
-                        </a:schemeClr>
+                        <a:srgbClr val="92D050"/>
                       </a:solidFill>
                       <a:prstDash val="solid"/>
                       <a:round/>
@@ -13119,9 +13266,7 @@
                     </a:lnR>
                     <a:lnT w="38100" cap="flat" cmpd="sng" algn="ctr">
                       <a:solidFill>
-                        <a:schemeClr val="accent5">
-                          <a:lumMod val="50000"/>
-                        </a:schemeClr>
+                        <a:srgbClr val="92D050"/>
                       </a:solidFill>
                       <a:prstDash val="solid"/>
                       <a:round/>
@@ -13130,9 +13275,7 @@
                     </a:lnT>
                     <a:lnB w="38100" cap="flat" cmpd="sng" algn="ctr">
                       <a:solidFill>
-                        <a:schemeClr val="accent5">
-                          <a:lumMod val="50000"/>
-                        </a:schemeClr>
+                        <a:srgbClr val="92D050"/>
                       </a:solidFill>
                       <a:prstDash val="solid"/>
                       <a:round/>
@@ -13176,9 +13319,7 @@
                     </a:lnR>
                     <a:lnT w="38100" cap="flat" cmpd="sng" algn="ctr">
                       <a:solidFill>
-                        <a:schemeClr val="accent5">
-                          <a:lumMod val="50000"/>
-                        </a:schemeClr>
+                        <a:srgbClr val="92D050"/>
                       </a:solidFill>
                       <a:prstDash val="solid"/>
                       <a:round/>
@@ -13187,9 +13328,7 @@
                     </a:lnT>
                     <a:lnB w="38100" cap="flat" cmpd="sng" algn="ctr">
                       <a:solidFill>
-                        <a:schemeClr val="accent5">
-                          <a:lumMod val="50000"/>
-                        </a:schemeClr>
+                        <a:srgbClr val="92D050"/>
                       </a:solidFill>
                       <a:prstDash val="solid"/>
                       <a:round/>
@@ -13226,9 +13365,7 @@
                     </a:lnL>
                     <a:lnR w="38100" cap="flat" cmpd="sng" algn="ctr">
                       <a:solidFill>
-                        <a:schemeClr val="accent5">
-                          <a:lumMod val="50000"/>
-                        </a:schemeClr>
+                        <a:srgbClr val="92D050"/>
                       </a:solidFill>
                       <a:prstDash val="solid"/>
                       <a:round/>
@@ -13237,9 +13374,7 @@
                     </a:lnR>
                     <a:lnT w="38100" cap="flat" cmpd="sng" algn="ctr">
                       <a:solidFill>
-                        <a:schemeClr val="accent5">
-                          <a:lumMod val="50000"/>
-                        </a:schemeClr>
+                        <a:srgbClr val="92D050"/>
                       </a:solidFill>
                       <a:prstDash val="solid"/>
                       <a:round/>
@@ -13248,9 +13383,7 @@
                     </a:lnT>
                     <a:lnB w="38100" cap="flat" cmpd="sng" algn="ctr">
                       <a:solidFill>
-                        <a:schemeClr val="accent5">
-                          <a:lumMod val="50000"/>
-                        </a:schemeClr>
+                        <a:srgbClr val="92D050"/>
                       </a:solidFill>
                       <a:prstDash val="solid"/>
                       <a:round/>
@@ -13312,9 +13445,7 @@
                   <a:tcPr>
                     <a:lnL w="38100" cap="flat" cmpd="sng" algn="ctr">
                       <a:solidFill>
-                        <a:schemeClr val="accent5">
-                          <a:lumMod val="50000"/>
-                        </a:schemeClr>
+                        <a:srgbClr val="92D050"/>
                       </a:solidFill>
                       <a:prstDash val="solid"/>
                       <a:round/>
@@ -13330,9 +13461,7 @@
                     </a:lnR>
                     <a:lnT w="38100" cap="flat" cmpd="sng" algn="ctr">
                       <a:solidFill>
-                        <a:schemeClr val="accent5">
-                          <a:lumMod val="50000"/>
-                        </a:schemeClr>
+                        <a:srgbClr val="92D050"/>
                       </a:solidFill>
                       <a:prstDash val="solid"/>
                       <a:round/>
@@ -13341,9 +13470,7 @@
                     </a:lnT>
                     <a:lnB w="38100" cap="flat" cmpd="sng" algn="ctr">
                       <a:solidFill>
-                        <a:schemeClr val="accent5">
-                          <a:lumMod val="50000"/>
-                        </a:schemeClr>
+                        <a:srgbClr val="92D050"/>
                       </a:solidFill>
                       <a:prstDash val="solid"/>
                       <a:round/>
@@ -13387,9 +13514,7 @@
                     </a:lnR>
                     <a:lnT w="38100" cap="flat" cmpd="sng" algn="ctr">
                       <a:solidFill>
-                        <a:schemeClr val="accent5">
-                          <a:lumMod val="50000"/>
-                        </a:schemeClr>
+                        <a:srgbClr val="92D050"/>
                       </a:solidFill>
                       <a:prstDash val="solid"/>
                       <a:round/>
@@ -13398,9 +13523,7 @@
                     </a:lnT>
                     <a:lnB w="38100" cap="flat" cmpd="sng" algn="ctr">
                       <a:solidFill>
-                        <a:schemeClr val="accent5">
-                          <a:lumMod val="50000"/>
-                        </a:schemeClr>
+                        <a:srgbClr val="92D050"/>
                       </a:solidFill>
                       <a:prstDash val="solid"/>
                       <a:round/>
@@ -13437,9 +13560,7 @@
                     </a:lnL>
                     <a:lnR w="38100" cap="flat" cmpd="sng" algn="ctr">
                       <a:solidFill>
-                        <a:schemeClr val="accent5">
-                          <a:lumMod val="50000"/>
-                        </a:schemeClr>
+                        <a:srgbClr val="92D050"/>
                       </a:solidFill>
                       <a:prstDash val="solid"/>
                       <a:round/>
@@ -13448,9 +13569,7 @@
                     </a:lnR>
                     <a:lnT w="38100" cap="flat" cmpd="sng" algn="ctr">
                       <a:solidFill>
-                        <a:schemeClr val="accent5">
-                          <a:lumMod val="50000"/>
-                        </a:schemeClr>
+                        <a:srgbClr val="92D050"/>
                       </a:solidFill>
                       <a:prstDash val="solid"/>
                       <a:round/>
@@ -13459,9 +13578,7 @@
                     </a:lnT>
                     <a:lnB w="38100" cap="flat" cmpd="sng" algn="ctr">
                       <a:solidFill>
-                        <a:schemeClr val="accent5">
-                          <a:lumMod val="50000"/>
-                        </a:schemeClr>
+                        <a:srgbClr val="92D050"/>
                       </a:solidFill>
                       <a:prstDash val="solid"/>
                       <a:round/>
@@ -13523,9 +13640,7 @@
                   <a:tcPr>
                     <a:lnL w="38100" cap="flat" cmpd="sng" algn="ctr">
                       <a:solidFill>
-                        <a:schemeClr val="accent5">
-                          <a:lumMod val="50000"/>
-                        </a:schemeClr>
+                        <a:srgbClr val="92D050"/>
                       </a:solidFill>
                       <a:prstDash val="solid"/>
                       <a:round/>
@@ -13541,9 +13656,7 @@
                     </a:lnR>
                     <a:lnT w="38100" cap="flat" cmpd="sng" algn="ctr">
                       <a:solidFill>
-                        <a:schemeClr val="accent5">
-                          <a:lumMod val="50000"/>
-                        </a:schemeClr>
+                        <a:srgbClr val="92D050"/>
                       </a:solidFill>
                       <a:prstDash val="solid"/>
                       <a:round/>
@@ -13552,9 +13665,7 @@
                     </a:lnT>
                     <a:lnB w="38100" cap="flat" cmpd="sng" algn="ctr">
                       <a:solidFill>
-                        <a:schemeClr val="accent5">
-                          <a:lumMod val="50000"/>
-                        </a:schemeClr>
+                        <a:srgbClr val="92D050"/>
                       </a:solidFill>
                       <a:prstDash val="solid"/>
                       <a:round/>
@@ -13598,9 +13709,7 @@
                     </a:lnR>
                     <a:lnT w="38100" cap="flat" cmpd="sng" algn="ctr">
                       <a:solidFill>
-                        <a:schemeClr val="accent5">
-                          <a:lumMod val="50000"/>
-                        </a:schemeClr>
+                        <a:srgbClr val="92D050"/>
                       </a:solidFill>
                       <a:prstDash val="solid"/>
                       <a:round/>
@@ -13609,9 +13718,7 @@
                     </a:lnT>
                     <a:lnB w="38100" cap="flat" cmpd="sng" algn="ctr">
                       <a:solidFill>
-                        <a:schemeClr val="accent5">
-                          <a:lumMod val="50000"/>
-                        </a:schemeClr>
+                        <a:srgbClr val="92D050"/>
                       </a:solidFill>
                       <a:prstDash val="solid"/>
                       <a:round/>
@@ -13648,9 +13755,7 @@
                     </a:lnL>
                     <a:lnR w="38100" cap="flat" cmpd="sng" algn="ctr">
                       <a:solidFill>
-                        <a:schemeClr val="accent5">
-                          <a:lumMod val="50000"/>
-                        </a:schemeClr>
+                        <a:srgbClr val="92D050"/>
                       </a:solidFill>
                       <a:prstDash val="solid"/>
                       <a:round/>
@@ -13659,9 +13764,7 @@
                     </a:lnR>
                     <a:lnT w="38100" cap="flat" cmpd="sng" algn="ctr">
                       <a:solidFill>
-                        <a:schemeClr val="accent5">
-                          <a:lumMod val="50000"/>
-                        </a:schemeClr>
+                        <a:srgbClr val="92D050"/>
                       </a:solidFill>
                       <a:prstDash val="solid"/>
                       <a:round/>
@@ -13670,15 +13773,21 @@
                     </a:lnT>
                     <a:lnB w="38100" cap="flat" cmpd="sng" algn="ctr">
                       <a:solidFill>
-                        <a:schemeClr val="accent5">
-                          <a:lumMod val="50000"/>
-                        </a:schemeClr>
+                        <a:srgbClr val="92D050"/>
                       </a:solidFill>
                       <a:prstDash val="solid"/>
                       <a:round/>
                       <a:headEnd type="none" w="med" len="med"/>
                       <a:tailEnd type="none" w="med" len="med"/>
                     </a:lnB>
+                    <a:lnTlToBr w="12700" cmpd="sng">
+                      <a:noFill/>
+                      <a:prstDash val="solid"/>
+                    </a:lnTlToBr>
+                    <a:lnBlToTr w="12700" cmpd="sng">
+                      <a:noFill/>
+                      <a:prstDash val="solid"/>
+                    </a:lnBlToTr>
                   </a:tcPr>
                 </a:tc>
                 <a:extLst>
@@ -13734,9 +13843,7 @@
                   <a:tcPr>
                     <a:lnL w="38100" cap="flat" cmpd="sng" algn="ctr">
                       <a:solidFill>
-                        <a:schemeClr val="accent5">
-                          <a:lumMod val="50000"/>
-                        </a:schemeClr>
+                        <a:srgbClr val="92D050"/>
                       </a:solidFill>
                       <a:prstDash val="solid"/>
                       <a:round/>
@@ -13752,9 +13859,7 @@
                     </a:lnR>
                     <a:lnT w="38100" cap="flat" cmpd="sng" algn="ctr">
                       <a:solidFill>
-                        <a:schemeClr val="accent5">
-                          <a:lumMod val="50000"/>
-                        </a:schemeClr>
+                        <a:srgbClr val="92D050"/>
                       </a:solidFill>
                       <a:prstDash val="solid"/>
                       <a:round/>
@@ -13763,9 +13868,7 @@
                     </a:lnT>
                     <a:lnB w="38100" cap="flat" cmpd="sng" algn="ctr">
                       <a:solidFill>
-                        <a:schemeClr val="accent5">
-                          <a:lumMod val="50000"/>
-                        </a:schemeClr>
+                        <a:srgbClr val="92D050"/>
                       </a:solidFill>
                       <a:prstDash val="solid"/>
                       <a:round/>
@@ -13809,9 +13912,7 @@
                     </a:lnR>
                     <a:lnT w="38100" cap="flat" cmpd="sng" algn="ctr">
                       <a:solidFill>
-                        <a:schemeClr val="accent5">
-                          <a:lumMod val="50000"/>
-                        </a:schemeClr>
+                        <a:srgbClr val="92D050"/>
                       </a:solidFill>
                       <a:prstDash val="solid"/>
                       <a:round/>
@@ -13820,9 +13921,7 @@
                     </a:lnT>
                     <a:lnB w="38100" cap="flat" cmpd="sng" algn="ctr">
                       <a:solidFill>
-                        <a:schemeClr val="accent5">
-                          <a:lumMod val="50000"/>
-                        </a:schemeClr>
+                        <a:srgbClr val="92D050"/>
                       </a:solidFill>
                       <a:prstDash val="solid"/>
                       <a:round/>
@@ -13859,9 +13958,7 @@
                     </a:lnL>
                     <a:lnR w="38100" cap="flat" cmpd="sng" algn="ctr">
                       <a:solidFill>
-                        <a:schemeClr val="accent5">
-                          <a:lumMod val="50000"/>
-                        </a:schemeClr>
+                        <a:srgbClr val="92D050"/>
                       </a:solidFill>
                       <a:prstDash val="solid"/>
                       <a:round/>
@@ -13870,9 +13967,7 @@
                     </a:lnR>
                     <a:lnT w="38100" cap="flat" cmpd="sng" algn="ctr">
                       <a:solidFill>
-                        <a:schemeClr val="accent5">
-                          <a:lumMod val="50000"/>
-                        </a:schemeClr>
+                        <a:srgbClr val="92D050"/>
                       </a:solidFill>
                       <a:prstDash val="solid"/>
                       <a:round/>
@@ -13881,9 +13976,7 @@
                     </a:lnT>
                     <a:lnB w="38100" cap="flat" cmpd="sng" algn="ctr">
                       <a:solidFill>
-                        <a:schemeClr val="accent5">
-                          <a:lumMod val="50000"/>
-                        </a:schemeClr>
+                        <a:srgbClr val="92D050"/>
                       </a:solidFill>
                       <a:prstDash val="solid"/>
                       <a:round/>
@@ -13945,9 +14038,7 @@
                   <a:tcPr>
                     <a:lnL w="38100" cap="flat" cmpd="sng" algn="ctr">
                       <a:solidFill>
-                        <a:schemeClr val="accent5">
-                          <a:lumMod val="50000"/>
-                        </a:schemeClr>
+                        <a:srgbClr val="92D050"/>
                       </a:solidFill>
                       <a:prstDash val="solid"/>
                       <a:round/>
@@ -13963,9 +14054,7 @@
                     </a:lnR>
                     <a:lnT w="38100" cap="flat" cmpd="sng" algn="ctr">
                       <a:solidFill>
-                        <a:schemeClr val="accent5">
-                          <a:lumMod val="50000"/>
-                        </a:schemeClr>
+                        <a:srgbClr val="92D050"/>
                       </a:solidFill>
                       <a:prstDash val="solid"/>
                       <a:round/>
@@ -13974,9 +14063,7 @@
                     </a:lnT>
                     <a:lnB w="38100" cap="flat" cmpd="sng" algn="ctr">
                       <a:solidFill>
-                        <a:schemeClr val="accent5">
-                          <a:lumMod val="50000"/>
-                        </a:schemeClr>
+                        <a:srgbClr val="92D050"/>
                       </a:solidFill>
                       <a:prstDash val="solid"/>
                       <a:round/>
@@ -14020,9 +14107,7 @@
                     </a:lnR>
                     <a:lnT w="38100" cap="flat" cmpd="sng" algn="ctr">
                       <a:solidFill>
-                        <a:schemeClr val="accent5">
-                          <a:lumMod val="50000"/>
-                        </a:schemeClr>
+                        <a:srgbClr val="92D050"/>
                       </a:solidFill>
                       <a:prstDash val="solid"/>
                       <a:round/>
@@ -14031,9 +14116,7 @@
                     </a:lnT>
                     <a:lnB w="38100" cap="flat" cmpd="sng" algn="ctr">
                       <a:solidFill>
-                        <a:schemeClr val="accent5">
-                          <a:lumMod val="50000"/>
-                        </a:schemeClr>
+                        <a:srgbClr val="92D050"/>
                       </a:solidFill>
                       <a:prstDash val="solid"/>
                       <a:round/>
@@ -14070,9 +14153,7 @@
                     </a:lnL>
                     <a:lnR w="38100" cap="flat" cmpd="sng" algn="ctr">
                       <a:solidFill>
-                        <a:schemeClr val="accent5">
-                          <a:lumMod val="50000"/>
-                        </a:schemeClr>
+                        <a:srgbClr val="92D050"/>
                       </a:solidFill>
                       <a:prstDash val="solid"/>
                       <a:round/>
@@ -14081,9 +14162,7 @@
                     </a:lnR>
                     <a:lnT w="38100" cap="flat" cmpd="sng" algn="ctr">
                       <a:solidFill>
-                        <a:schemeClr val="accent5">
-                          <a:lumMod val="50000"/>
-                        </a:schemeClr>
+                        <a:srgbClr val="92D050"/>
                       </a:solidFill>
                       <a:prstDash val="solid"/>
                       <a:round/>
@@ -14092,15 +14171,21 @@
                     </a:lnT>
                     <a:lnB w="38100" cap="flat" cmpd="sng" algn="ctr">
                       <a:solidFill>
-                        <a:schemeClr val="accent5">
-                          <a:lumMod val="50000"/>
-                        </a:schemeClr>
+                        <a:srgbClr val="92D050"/>
                       </a:solidFill>
                       <a:prstDash val="solid"/>
                       <a:round/>
                       <a:headEnd type="none" w="med" len="med"/>
                       <a:tailEnd type="none" w="med" len="med"/>
                     </a:lnB>
+                    <a:lnTlToBr w="12700" cmpd="sng">
+                      <a:noFill/>
+                      <a:prstDash val="solid"/>
+                    </a:lnTlToBr>
+                    <a:lnBlToTr w="12700" cmpd="sng">
+                      <a:noFill/>
+                      <a:prstDash val="solid"/>
+                    </a:lnBlToTr>
                   </a:tcPr>
                 </a:tc>
                 <a:extLst>
@@ -14139,9 +14224,7 @@
                   <a:tcPr>
                     <a:lnL w="38100" cap="flat" cmpd="sng" algn="ctr">
                       <a:solidFill>
-                        <a:schemeClr val="accent5">
-                          <a:lumMod val="50000"/>
-                        </a:schemeClr>
+                        <a:srgbClr val="92D050"/>
                       </a:solidFill>
                       <a:prstDash val="solid"/>
                       <a:round/>
@@ -14157,9 +14240,7 @@
                     </a:lnR>
                     <a:lnT w="38100" cap="flat" cmpd="sng" algn="ctr">
                       <a:solidFill>
-                        <a:schemeClr val="accent5">
-                          <a:lumMod val="50000"/>
-                        </a:schemeClr>
+                        <a:srgbClr val="92D050"/>
                       </a:solidFill>
                       <a:prstDash val="solid"/>
                       <a:round/>
@@ -14168,9 +14249,7 @@
                     </a:lnT>
                     <a:lnB w="38100" cap="flat" cmpd="sng" algn="ctr">
                       <a:solidFill>
-                        <a:schemeClr val="accent5">
-                          <a:lumMod val="50000"/>
-                        </a:schemeClr>
+                        <a:srgbClr val="92D050"/>
                       </a:solidFill>
                       <a:prstDash val="solid"/>
                       <a:round/>
@@ -14214,9 +14293,7 @@
                     </a:lnR>
                     <a:lnT w="38100" cap="flat" cmpd="sng" algn="ctr">
                       <a:solidFill>
-                        <a:schemeClr val="accent5">
-                          <a:lumMod val="50000"/>
-                        </a:schemeClr>
+                        <a:srgbClr val="92D050"/>
                       </a:solidFill>
                       <a:prstDash val="solid"/>
                       <a:round/>
@@ -14225,9 +14302,7 @@
                     </a:lnT>
                     <a:lnB w="38100" cap="flat" cmpd="sng" algn="ctr">
                       <a:solidFill>
-                        <a:schemeClr val="accent5">
-                          <a:lumMod val="50000"/>
-                        </a:schemeClr>
+                        <a:srgbClr val="92D050"/>
                       </a:solidFill>
                       <a:prstDash val="solid"/>
                       <a:round/>
@@ -14264,9 +14339,7 @@
                     </a:lnL>
                     <a:lnR w="38100" cap="flat" cmpd="sng" algn="ctr">
                       <a:solidFill>
-                        <a:schemeClr val="accent5">
-                          <a:lumMod val="50000"/>
-                        </a:schemeClr>
+                        <a:srgbClr val="92D050"/>
                       </a:solidFill>
                       <a:prstDash val="solid"/>
                       <a:round/>
@@ -14275,9 +14348,7 @@
                     </a:lnR>
                     <a:lnT w="38100" cap="flat" cmpd="sng" algn="ctr">
                       <a:solidFill>
-                        <a:schemeClr val="accent5">
-                          <a:lumMod val="50000"/>
-                        </a:schemeClr>
+                        <a:srgbClr val="92D050"/>
                       </a:solidFill>
                       <a:prstDash val="solid"/>
                       <a:round/>
@@ -14286,9 +14357,7 @@
                     </a:lnT>
                     <a:lnB w="38100" cap="flat" cmpd="sng" algn="ctr">
                       <a:solidFill>
-                        <a:schemeClr val="accent5">
-                          <a:lumMod val="50000"/>
-                        </a:schemeClr>
+                        <a:srgbClr val="92D050"/>
                       </a:solidFill>
                       <a:prstDash val="solid"/>
                       <a:round/>
@@ -14303,7 +14372,7 @@
                   </a:ext>
                 </a:extLst>
               </a:tr>
-              <a:tr h="364935">
+              <a:tr h="0">
                 <a:tc>
                   <a:txBody>
                     <a:bodyPr/>
@@ -14333,9 +14402,7 @@
                   <a:tcPr>
                     <a:lnL w="38100" cap="flat" cmpd="sng" algn="ctr">
                       <a:solidFill>
-                        <a:schemeClr val="accent5">
-                          <a:lumMod val="50000"/>
-                        </a:schemeClr>
+                        <a:srgbClr val="92D050"/>
                       </a:solidFill>
                       <a:prstDash val="solid"/>
                       <a:round/>
@@ -14351,9 +14418,7 @@
                     </a:lnR>
                     <a:lnT w="38100" cap="flat" cmpd="sng" algn="ctr">
                       <a:solidFill>
-                        <a:schemeClr val="accent5">
-                          <a:lumMod val="50000"/>
-                        </a:schemeClr>
+                        <a:srgbClr val="92D050"/>
                       </a:solidFill>
                       <a:prstDash val="solid"/>
                       <a:round/>
@@ -14362,9 +14427,7 @@
                     </a:lnT>
                     <a:lnB w="38100" cap="flat" cmpd="sng" algn="ctr">
                       <a:solidFill>
-                        <a:schemeClr val="accent5">
-                          <a:lumMod val="50000"/>
-                        </a:schemeClr>
+                        <a:srgbClr val="92D050"/>
                       </a:solidFill>
                       <a:prstDash val="solid"/>
                       <a:round/>
@@ -14408,9 +14471,7 @@
                     </a:lnR>
                     <a:lnT w="38100" cap="flat" cmpd="sng" algn="ctr">
                       <a:solidFill>
-                        <a:schemeClr val="accent5">
-                          <a:lumMod val="50000"/>
-                        </a:schemeClr>
+                        <a:srgbClr val="92D050"/>
                       </a:solidFill>
                       <a:prstDash val="solid"/>
                       <a:round/>
@@ -14419,9 +14480,7 @@
                     </a:lnT>
                     <a:lnB w="38100" cap="flat" cmpd="sng" algn="ctr">
                       <a:solidFill>
-                        <a:schemeClr val="accent5">
-                          <a:lumMod val="50000"/>
-                        </a:schemeClr>
+                        <a:srgbClr val="92D050"/>
                       </a:solidFill>
                       <a:prstDash val="solid"/>
                       <a:round/>
@@ -14458,9 +14517,7 @@
                     </a:lnL>
                     <a:lnR w="38100" cap="flat" cmpd="sng" algn="ctr">
                       <a:solidFill>
-                        <a:schemeClr val="accent5">
-                          <a:lumMod val="50000"/>
-                        </a:schemeClr>
+                        <a:srgbClr val="92D050"/>
                       </a:solidFill>
                       <a:prstDash val="solid"/>
                       <a:round/>
@@ -14469,9 +14526,7 @@
                     </a:lnR>
                     <a:lnT w="38100" cap="flat" cmpd="sng" algn="ctr">
                       <a:solidFill>
-                        <a:schemeClr val="accent5">
-                          <a:lumMod val="50000"/>
-                        </a:schemeClr>
+                        <a:srgbClr val="92D050"/>
                       </a:solidFill>
                       <a:prstDash val="solid"/>
                       <a:round/>
@@ -14480,9 +14535,7 @@
                     </a:lnT>
                     <a:lnB w="38100" cap="flat" cmpd="sng" algn="ctr">
                       <a:solidFill>
-                        <a:schemeClr val="accent5">
-                          <a:lumMod val="50000"/>
-                        </a:schemeClr>
+                        <a:srgbClr val="92D050"/>
                       </a:solidFill>
                       <a:prstDash val="solid"/>
                       <a:round/>
@@ -14516,13 +14569,13 @@
           <p:nvPr>
             <p:extLst>
               <p:ext uri="{D42A27DB-BD31-4B8C-83A1-F6EECF244321}">
-                <p14:modId xmlns:p14="http://schemas.microsoft.com/office/powerpoint/2010/main" val="2609958110"/>
+                <p14:modId xmlns:p14="http://schemas.microsoft.com/office/powerpoint/2010/main" val="3970351825"/>
               </p:ext>
             </p:extLst>
           </p:nvPr>
         </p:nvGraphicFramePr>
         <p:xfrm>
-          <a:off x="37599366" y="11800980"/>
+          <a:off x="37599366" y="5803009"/>
           <a:ext cx="4512192" cy="2682240"/>
         </p:xfrm>
         <a:graphic>
@@ -14593,9 +14646,7 @@
                   <a:tcPr>
                     <a:lnL w="38100" cap="flat" cmpd="sng" algn="ctr">
                       <a:solidFill>
-                        <a:schemeClr val="accent5">
-                          <a:lumMod val="50000"/>
-                        </a:schemeClr>
+                        <a:srgbClr val="92D050"/>
                       </a:solidFill>
                       <a:prstDash val="solid"/>
                       <a:round/>
@@ -14611,9 +14662,7 @@
                     </a:lnR>
                     <a:lnT w="38100" cap="flat" cmpd="sng" algn="ctr">
                       <a:solidFill>
-                        <a:schemeClr val="accent5">
-                          <a:lumMod val="50000"/>
-                        </a:schemeClr>
+                        <a:srgbClr val="92D050"/>
                       </a:solidFill>
                       <a:prstDash val="solid"/>
                       <a:round/>
@@ -14622,9 +14671,7 @@
                     </a:lnT>
                     <a:lnB w="38100" cap="flat" cmpd="sng" algn="ctr">
                       <a:solidFill>
-                        <a:schemeClr val="accent5">
-                          <a:lumMod val="50000"/>
-                        </a:schemeClr>
+                        <a:srgbClr val="92D050"/>
                       </a:solidFill>
                       <a:prstDash val="solid"/>
                       <a:round/>
@@ -14647,7 +14694,7 @@
                           </a:solidFill>
                           <a:latin typeface="+mn-lt"/>
                         </a:rPr>
-                        <a:t>Worst</a:t>
+                        <a:t>Worse</a:t>
                       </a:r>
                       <a:r>
                         <a:rPr lang="it-IT" sz="1600" i="1" dirty="0">
@@ -14679,9 +14726,7 @@
                     </a:lnR>
                     <a:lnT w="38100" cap="flat" cmpd="sng" algn="ctr">
                       <a:solidFill>
-                        <a:schemeClr val="accent5">
-                          <a:lumMod val="50000"/>
-                        </a:schemeClr>
+                        <a:srgbClr val="92D050"/>
                       </a:solidFill>
                       <a:prstDash val="solid"/>
                       <a:round/>
@@ -14690,9 +14735,7 @@
                     </a:lnT>
                     <a:lnB w="38100" cap="flat" cmpd="sng" algn="ctr">
                       <a:solidFill>
-                        <a:schemeClr val="accent5">
-                          <a:lumMod val="50000"/>
-                        </a:schemeClr>
+                        <a:srgbClr val="92D050"/>
                       </a:solidFill>
                       <a:prstDash val="solid"/>
                       <a:round/>
@@ -14715,7 +14758,7 @@
                           </a:solidFill>
                           <a:latin typeface="+mn-lt"/>
                         </a:rPr>
-                        <a:t>Best Schools</a:t>
+                        <a:t>Better Schools</a:t>
                       </a:r>
                     </a:p>
                   </a:txBody>
@@ -14729,9 +14772,7 @@
                     </a:lnL>
                     <a:lnR w="38100" cap="flat" cmpd="sng" algn="ctr">
                       <a:solidFill>
-                        <a:schemeClr val="accent5">
-                          <a:lumMod val="50000"/>
-                        </a:schemeClr>
+                        <a:srgbClr val="92D050"/>
                       </a:solidFill>
                       <a:prstDash val="solid"/>
                       <a:round/>
@@ -14740,9 +14781,7 @@
                     </a:lnR>
                     <a:lnT w="38100" cap="flat" cmpd="sng" algn="ctr">
                       <a:solidFill>
-                        <a:schemeClr val="accent5">
-                          <a:lumMod val="50000"/>
-                        </a:schemeClr>
+                        <a:srgbClr val="92D050"/>
                       </a:solidFill>
                       <a:prstDash val="solid"/>
                       <a:round/>
@@ -14751,9 +14790,7 @@
                     </a:lnT>
                     <a:lnB w="38100" cap="flat" cmpd="sng" algn="ctr">
                       <a:solidFill>
-                        <a:schemeClr val="accent5">
-                          <a:lumMod val="50000"/>
-                        </a:schemeClr>
+                        <a:srgbClr val="92D050"/>
                       </a:solidFill>
                       <a:prstDash val="solid"/>
                       <a:round/>
@@ -14798,9 +14835,7 @@
                   <a:tcPr>
                     <a:lnL w="38100" cap="flat" cmpd="sng" algn="ctr">
                       <a:solidFill>
-                        <a:schemeClr val="accent5">
-                          <a:lumMod val="50000"/>
-                        </a:schemeClr>
+                        <a:srgbClr val="92D050"/>
                       </a:solidFill>
                       <a:prstDash val="solid"/>
                       <a:round/>
@@ -14816,9 +14851,7 @@
                     </a:lnR>
                     <a:lnT w="38100" cap="flat" cmpd="sng" algn="ctr">
                       <a:solidFill>
-                        <a:schemeClr val="accent5">
-                          <a:lumMod val="50000"/>
-                        </a:schemeClr>
+                        <a:srgbClr val="92D050"/>
                       </a:solidFill>
                       <a:prstDash val="solid"/>
                       <a:round/>
@@ -14827,9 +14860,7 @@
                     </a:lnT>
                     <a:lnB w="38100" cap="flat" cmpd="sng" algn="ctr">
                       <a:solidFill>
-                        <a:schemeClr val="accent5">
-                          <a:lumMod val="50000"/>
-                        </a:schemeClr>
+                        <a:srgbClr val="92D050"/>
                       </a:solidFill>
                       <a:prstDash val="solid"/>
                       <a:round/>
@@ -14873,9 +14904,7 @@
                     </a:lnR>
                     <a:lnT w="38100" cap="flat" cmpd="sng" algn="ctr">
                       <a:solidFill>
-                        <a:schemeClr val="accent5">
-                          <a:lumMod val="50000"/>
-                        </a:schemeClr>
+                        <a:srgbClr val="92D050"/>
                       </a:solidFill>
                       <a:prstDash val="solid"/>
                       <a:round/>
@@ -14884,9 +14913,7 @@
                     </a:lnT>
                     <a:lnB w="38100" cap="flat" cmpd="sng" algn="ctr">
                       <a:solidFill>
-                        <a:schemeClr val="accent5">
-                          <a:lumMod val="50000"/>
-                        </a:schemeClr>
+                        <a:srgbClr val="92D050"/>
                       </a:solidFill>
                       <a:prstDash val="solid"/>
                       <a:round/>
@@ -14923,9 +14950,7 @@
                     </a:lnL>
                     <a:lnR w="38100" cap="flat" cmpd="sng" algn="ctr">
                       <a:solidFill>
-                        <a:schemeClr val="accent5">
-                          <a:lumMod val="50000"/>
-                        </a:schemeClr>
+                        <a:srgbClr val="92D050"/>
                       </a:solidFill>
                       <a:prstDash val="solid"/>
                       <a:round/>
@@ -14934,9 +14959,7 @@
                     </a:lnR>
                     <a:lnT w="38100" cap="flat" cmpd="sng" algn="ctr">
                       <a:solidFill>
-                        <a:schemeClr val="accent5">
-                          <a:lumMod val="50000"/>
-                        </a:schemeClr>
+                        <a:srgbClr val="92D050"/>
                       </a:solidFill>
                       <a:prstDash val="solid"/>
                       <a:round/>
@@ -14945,9 +14968,7 @@
                     </a:lnT>
                     <a:lnB w="38100" cap="flat" cmpd="sng" algn="ctr">
                       <a:solidFill>
-                        <a:schemeClr val="accent5">
-                          <a:lumMod val="50000"/>
-                        </a:schemeClr>
+                        <a:srgbClr val="92D050"/>
                       </a:solidFill>
                       <a:prstDash val="solid"/>
                       <a:round/>
@@ -15009,9 +15030,7 @@
                   <a:tcPr>
                     <a:lnL w="38100" cap="flat" cmpd="sng" algn="ctr">
                       <a:solidFill>
-                        <a:schemeClr val="accent5">
-                          <a:lumMod val="50000"/>
-                        </a:schemeClr>
+                        <a:srgbClr val="92D050"/>
                       </a:solidFill>
                       <a:prstDash val="solid"/>
                       <a:round/>
@@ -15027,9 +15046,7 @@
                     </a:lnR>
                     <a:lnT w="38100" cap="flat" cmpd="sng" algn="ctr">
                       <a:solidFill>
-                        <a:schemeClr val="accent5">
-                          <a:lumMod val="50000"/>
-                        </a:schemeClr>
+                        <a:srgbClr val="92D050"/>
                       </a:solidFill>
                       <a:prstDash val="solid"/>
                       <a:round/>
@@ -15038,9 +15055,7 @@
                     </a:lnT>
                     <a:lnB w="38100" cap="flat" cmpd="sng" algn="ctr">
                       <a:solidFill>
-                        <a:schemeClr val="accent5">
-                          <a:lumMod val="50000"/>
-                        </a:schemeClr>
+                        <a:srgbClr val="92D050"/>
                       </a:solidFill>
                       <a:prstDash val="solid"/>
                       <a:round/>
@@ -15084,9 +15099,7 @@
                     </a:lnR>
                     <a:lnT w="38100" cap="flat" cmpd="sng" algn="ctr">
                       <a:solidFill>
-                        <a:schemeClr val="accent5">
-                          <a:lumMod val="50000"/>
-                        </a:schemeClr>
+                        <a:srgbClr val="92D050"/>
                       </a:solidFill>
                       <a:prstDash val="solid"/>
                       <a:round/>
@@ -15095,9 +15108,7 @@
                     </a:lnT>
                     <a:lnB w="38100" cap="flat" cmpd="sng" algn="ctr">
                       <a:solidFill>
-                        <a:schemeClr val="accent5">
-                          <a:lumMod val="50000"/>
-                        </a:schemeClr>
+                        <a:srgbClr val="92D050"/>
                       </a:solidFill>
                       <a:prstDash val="solid"/>
                       <a:round/>
@@ -15134,9 +15145,7 @@
                     </a:lnL>
                     <a:lnR w="38100" cap="flat" cmpd="sng" algn="ctr">
                       <a:solidFill>
-                        <a:schemeClr val="accent5">
-                          <a:lumMod val="50000"/>
-                        </a:schemeClr>
+                        <a:srgbClr val="92D050"/>
                       </a:solidFill>
                       <a:prstDash val="solid"/>
                       <a:round/>
@@ -15145,9 +15154,7 @@
                     </a:lnR>
                     <a:lnT w="38100" cap="flat" cmpd="sng" algn="ctr">
                       <a:solidFill>
-                        <a:schemeClr val="accent5">
-                          <a:lumMod val="50000"/>
-                        </a:schemeClr>
+                        <a:srgbClr val="92D050"/>
                       </a:solidFill>
                       <a:prstDash val="solid"/>
                       <a:round/>
@@ -15156,9 +15163,7 @@
                     </a:lnT>
                     <a:lnB w="38100" cap="flat" cmpd="sng" algn="ctr">
                       <a:solidFill>
-                        <a:schemeClr val="accent5">
-                          <a:lumMod val="50000"/>
-                        </a:schemeClr>
+                        <a:srgbClr val="92D050"/>
                       </a:solidFill>
                       <a:prstDash val="solid"/>
                       <a:round/>
@@ -15220,9 +15225,7 @@
                   <a:tcPr>
                     <a:lnL w="38100" cap="flat" cmpd="sng" algn="ctr">
                       <a:solidFill>
-                        <a:schemeClr val="accent5">
-                          <a:lumMod val="50000"/>
-                        </a:schemeClr>
+                        <a:srgbClr val="92D050"/>
                       </a:solidFill>
                       <a:prstDash val="solid"/>
                       <a:round/>
@@ -15238,9 +15241,7 @@
                     </a:lnR>
                     <a:lnT w="38100" cap="flat" cmpd="sng" algn="ctr">
                       <a:solidFill>
-                        <a:schemeClr val="accent5">
-                          <a:lumMod val="50000"/>
-                        </a:schemeClr>
+                        <a:srgbClr val="92D050"/>
                       </a:solidFill>
                       <a:prstDash val="solid"/>
                       <a:round/>
@@ -15249,9 +15250,7 @@
                     </a:lnT>
                     <a:lnB w="38100" cap="flat" cmpd="sng" algn="ctr">
                       <a:solidFill>
-                        <a:schemeClr val="accent5">
-                          <a:lumMod val="50000"/>
-                        </a:schemeClr>
+                        <a:srgbClr val="92D050"/>
                       </a:solidFill>
                       <a:prstDash val="solid"/>
                       <a:round/>
@@ -15295,9 +15294,7 @@
                     </a:lnR>
                     <a:lnT w="38100" cap="flat" cmpd="sng" algn="ctr">
                       <a:solidFill>
-                        <a:schemeClr val="accent5">
-                          <a:lumMod val="50000"/>
-                        </a:schemeClr>
+                        <a:srgbClr val="92D050"/>
                       </a:solidFill>
                       <a:prstDash val="solid"/>
                       <a:round/>
@@ -15306,9 +15303,7 @@
                     </a:lnT>
                     <a:lnB w="38100" cap="flat" cmpd="sng" algn="ctr">
                       <a:solidFill>
-                        <a:schemeClr val="accent5">
-                          <a:lumMod val="50000"/>
-                        </a:schemeClr>
+                        <a:srgbClr val="92D050"/>
                       </a:solidFill>
                       <a:prstDash val="solid"/>
                       <a:round/>
@@ -15345,9 +15340,7 @@
                     </a:lnL>
                     <a:lnR w="38100" cap="flat" cmpd="sng" algn="ctr">
                       <a:solidFill>
-                        <a:schemeClr val="accent5">
-                          <a:lumMod val="50000"/>
-                        </a:schemeClr>
+                        <a:srgbClr val="92D050"/>
                       </a:solidFill>
                       <a:prstDash val="solid"/>
                       <a:round/>
@@ -15356,9 +15349,7 @@
                     </a:lnR>
                     <a:lnT w="38100" cap="flat" cmpd="sng" algn="ctr">
                       <a:solidFill>
-                        <a:schemeClr val="accent5">
-                          <a:lumMod val="50000"/>
-                        </a:schemeClr>
+                        <a:srgbClr val="92D050"/>
                       </a:solidFill>
                       <a:prstDash val="solid"/>
                       <a:round/>
@@ -15367,9 +15358,7 @@
                     </a:lnT>
                     <a:lnB w="38100" cap="flat" cmpd="sng" algn="ctr">
                       <a:solidFill>
-                        <a:schemeClr val="accent5">
-                          <a:lumMod val="50000"/>
-                        </a:schemeClr>
+                        <a:srgbClr val="92D050"/>
                       </a:solidFill>
                       <a:prstDash val="solid"/>
                       <a:round/>
@@ -15431,9 +15420,7 @@
                   <a:tcPr>
                     <a:lnL w="38100" cap="flat" cmpd="sng" algn="ctr">
                       <a:solidFill>
-                        <a:schemeClr val="accent5">
-                          <a:lumMod val="50000"/>
-                        </a:schemeClr>
+                        <a:srgbClr val="92D050"/>
                       </a:solidFill>
                       <a:prstDash val="solid"/>
                       <a:round/>
@@ -15449,9 +15436,7 @@
                     </a:lnR>
                     <a:lnT w="38100" cap="flat" cmpd="sng" algn="ctr">
                       <a:solidFill>
-                        <a:schemeClr val="accent5">
-                          <a:lumMod val="50000"/>
-                        </a:schemeClr>
+                        <a:srgbClr val="92D050"/>
                       </a:solidFill>
                       <a:prstDash val="solid"/>
                       <a:round/>
@@ -15460,9 +15445,7 @@
                     </a:lnT>
                     <a:lnB w="38100" cap="flat" cmpd="sng" algn="ctr">
                       <a:solidFill>
-                        <a:schemeClr val="accent5">
-                          <a:lumMod val="50000"/>
-                        </a:schemeClr>
+                        <a:srgbClr val="92D050"/>
                       </a:solidFill>
                       <a:prstDash val="solid"/>
                       <a:round/>
@@ -15506,9 +15489,7 @@
                     </a:lnR>
                     <a:lnT w="38100" cap="flat" cmpd="sng" algn="ctr">
                       <a:solidFill>
-                        <a:schemeClr val="accent5">
-                          <a:lumMod val="50000"/>
-                        </a:schemeClr>
+                        <a:srgbClr val="92D050"/>
                       </a:solidFill>
                       <a:prstDash val="solid"/>
                       <a:round/>
@@ -15517,9 +15498,7 @@
                     </a:lnT>
                     <a:lnB w="38100" cap="flat" cmpd="sng" algn="ctr">
                       <a:solidFill>
-                        <a:schemeClr val="accent5">
-                          <a:lumMod val="50000"/>
-                        </a:schemeClr>
+                        <a:srgbClr val="92D050"/>
                       </a:solidFill>
                       <a:prstDash val="solid"/>
                       <a:round/>
@@ -15556,9 +15535,7 @@
                     </a:lnL>
                     <a:lnR w="38100" cap="flat" cmpd="sng" algn="ctr">
                       <a:solidFill>
-                        <a:schemeClr val="accent5">
-                          <a:lumMod val="50000"/>
-                        </a:schemeClr>
+                        <a:srgbClr val="92D050"/>
                       </a:solidFill>
                       <a:prstDash val="solid"/>
                       <a:round/>
@@ -15567,9 +15544,7 @@
                     </a:lnR>
                     <a:lnT w="38100" cap="flat" cmpd="sng" algn="ctr">
                       <a:solidFill>
-                        <a:schemeClr val="accent5">
-                          <a:lumMod val="50000"/>
-                        </a:schemeClr>
+                        <a:srgbClr val="92D050"/>
                       </a:solidFill>
                       <a:prstDash val="solid"/>
                       <a:round/>
@@ -15578,9 +15553,7 @@
                     </a:lnT>
                     <a:lnB w="38100" cap="flat" cmpd="sng" algn="ctr">
                       <a:solidFill>
-                        <a:schemeClr val="accent5">
-                          <a:lumMod val="50000"/>
-                        </a:schemeClr>
+                        <a:srgbClr val="92D050"/>
                       </a:solidFill>
                       <a:prstDash val="solid"/>
                       <a:round/>
@@ -15642,9 +15615,7 @@
                   <a:tcPr>
                     <a:lnL w="38100" cap="flat" cmpd="sng" algn="ctr">
                       <a:solidFill>
-                        <a:schemeClr val="accent5">
-                          <a:lumMod val="50000"/>
-                        </a:schemeClr>
+                        <a:srgbClr val="92D050"/>
                       </a:solidFill>
                       <a:prstDash val="solid"/>
                       <a:round/>
@@ -15660,9 +15631,7 @@
                     </a:lnR>
                     <a:lnT w="38100" cap="flat" cmpd="sng" algn="ctr">
                       <a:solidFill>
-                        <a:schemeClr val="accent5">
-                          <a:lumMod val="50000"/>
-                        </a:schemeClr>
+                        <a:srgbClr val="92D050"/>
                       </a:solidFill>
                       <a:prstDash val="solid"/>
                       <a:round/>
@@ -15671,9 +15640,7 @@
                     </a:lnT>
                     <a:lnB w="38100" cap="flat" cmpd="sng" algn="ctr">
                       <a:solidFill>
-                        <a:schemeClr val="accent5">
-                          <a:lumMod val="50000"/>
-                        </a:schemeClr>
+                        <a:srgbClr val="92D050"/>
                       </a:solidFill>
                       <a:prstDash val="solid"/>
                       <a:round/>
@@ -15717,9 +15684,7 @@
                     </a:lnR>
                     <a:lnT w="38100" cap="flat" cmpd="sng" algn="ctr">
                       <a:solidFill>
-                        <a:schemeClr val="accent5">
-                          <a:lumMod val="50000"/>
-                        </a:schemeClr>
+                        <a:srgbClr val="92D050"/>
                       </a:solidFill>
                       <a:prstDash val="solid"/>
                       <a:round/>
@@ -15728,9 +15693,7 @@
                     </a:lnT>
                     <a:lnB w="38100" cap="flat" cmpd="sng" algn="ctr">
                       <a:solidFill>
-                        <a:schemeClr val="accent5">
-                          <a:lumMod val="50000"/>
-                        </a:schemeClr>
+                        <a:srgbClr val="92D050"/>
                       </a:solidFill>
                       <a:prstDash val="solid"/>
                       <a:round/>
@@ -15767,9 +15730,7 @@
                     </a:lnL>
                     <a:lnR w="38100" cap="flat" cmpd="sng" algn="ctr">
                       <a:solidFill>
-                        <a:schemeClr val="accent5">
-                          <a:lumMod val="50000"/>
-                        </a:schemeClr>
+                        <a:srgbClr val="92D050"/>
                       </a:solidFill>
                       <a:prstDash val="solid"/>
                       <a:round/>
@@ -15778,9 +15739,7 @@
                     </a:lnR>
                     <a:lnT w="38100" cap="flat" cmpd="sng" algn="ctr">
                       <a:solidFill>
-                        <a:schemeClr val="accent5">
-                          <a:lumMod val="50000"/>
-                        </a:schemeClr>
+                        <a:srgbClr val="92D050"/>
                       </a:solidFill>
                       <a:prstDash val="solid"/>
                       <a:round/>
@@ -15789,9 +15748,7 @@
                     </a:lnT>
                     <a:lnB w="38100" cap="flat" cmpd="sng" algn="ctr">
                       <a:solidFill>
-                        <a:schemeClr val="accent5">
-                          <a:lumMod val="50000"/>
-                        </a:schemeClr>
+                        <a:srgbClr val="92D050"/>
                       </a:solidFill>
                       <a:prstDash val="solid"/>
                       <a:round/>
@@ -15836,9 +15793,7 @@
                   <a:tcPr>
                     <a:lnL w="38100" cap="flat" cmpd="sng" algn="ctr">
                       <a:solidFill>
-                        <a:schemeClr val="accent5">
-                          <a:lumMod val="50000"/>
-                        </a:schemeClr>
+                        <a:srgbClr val="92D050"/>
                       </a:solidFill>
                       <a:prstDash val="solid"/>
                       <a:round/>
@@ -15854,9 +15809,7 @@
                     </a:lnR>
                     <a:lnT w="38100" cap="flat" cmpd="sng" algn="ctr">
                       <a:solidFill>
-                        <a:schemeClr val="accent5">
-                          <a:lumMod val="50000"/>
-                        </a:schemeClr>
+                        <a:srgbClr val="92D050"/>
                       </a:solidFill>
                       <a:prstDash val="solid"/>
                       <a:round/>
@@ -15865,9 +15818,68 @@
                     </a:lnT>
                     <a:lnB w="38100" cap="flat" cmpd="sng" algn="ctr">
                       <a:solidFill>
-                        <a:schemeClr val="accent5">
-                          <a:lumMod val="50000"/>
-                        </a:schemeClr>
+                        <a:srgbClr val="92D050"/>
+                      </a:solidFill>
+                      <a:prstDash val="solid"/>
+                      <a:round/>
+                      <a:headEnd type="none" w="med" len="med"/>
+                      <a:tailEnd type="none" w="med" len="med"/>
+                    </a:lnB>
+                    <a:lnTlToBr w="12700" cmpd="sng">
+                      <a:noFill/>
+                      <a:prstDash val="solid"/>
+                    </a:lnTlToBr>
+                    <a:lnBlToTr w="12700" cmpd="sng">
+                      <a:noFill/>
+                      <a:prstDash val="solid"/>
+                    </a:lnBlToTr>
+                  </a:tcPr>
+                </a:tc>
+                <a:tc>
+                  <a:txBody>
+                    <a:bodyPr/>
+                    <a:lstStyle/>
+                    <a:p>
+                      <a:r>
+                        <a:rPr lang="it-IT" sz="1600" dirty="0">
+                          <a:solidFill>
+                            <a:schemeClr val="accent5">
+                              <a:lumMod val="50000"/>
+                            </a:schemeClr>
+                          </a:solidFill>
+                          <a:latin typeface="+mn-lt"/>
+                        </a:rPr>
+                        <a:t>-0,4717 ***</a:t>
+                      </a:r>
+                    </a:p>
+                  </a:txBody>
+                  <a:tcPr>
+                    <a:lnL w="38100" cap="flat" cmpd="sng" algn="ctr">
+                      <a:noFill/>
+                      <a:prstDash val="solid"/>
+                      <a:round/>
+                      <a:headEnd type="none" w="med" len="med"/>
+                      <a:tailEnd type="none" w="med" len="med"/>
+                    </a:lnL>
+                    <a:lnR w="38100" cap="flat" cmpd="sng" algn="ctr">
+                      <a:noFill/>
+                      <a:prstDash val="solid"/>
+                      <a:round/>
+                      <a:headEnd type="none" w="med" len="med"/>
+                      <a:tailEnd type="none" w="med" len="med"/>
+                    </a:lnR>
+                    <a:lnT w="38100" cap="flat" cmpd="sng" algn="ctr">
+                      <a:solidFill>
+                        <a:srgbClr val="92D050"/>
+                      </a:solidFill>
+                      <a:prstDash val="solid"/>
+                      <a:round/>
+                      <a:headEnd type="none" w="med" len="med"/>
+                      <a:tailEnd type="none" w="med" len="med"/>
+                    </a:lnT>
+                    <a:lnB w="38100" cap="flat" cmpd="sng" algn="ctr">
+                      <a:solidFill>
+                        <a:srgbClr val="92D050"/>
                       </a:solidFill>
                       <a:prstDash val="solid"/>
                       <a:round/>
@@ -15890,7 +15902,7 @@
                           </a:solidFill>
                           <a:latin typeface="+mn-lt"/>
                         </a:rPr>
-                        <a:t>-0,4717 ***</a:t>
+                        <a:t> 0,7049 ***</a:t>
                       </a:r>
                     </a:p>
                   </a:txBody>
@@ -15903,7 +15915,9 @@
                       <a:tailEnd type="none" w="med" len="med"/>
                     </a:lnL>
                     <a:lnR w="38100" cap="flat" cmpd="sng" algn="ctr">
-                      <a:noFill/>
+                      <a:solidFill>
+                        <a:srgbClr val="92D050"/>
+                      </a:solidFill>
                       <a:prstDash val="solid"/>
                       <a:round/>
                       <a:headEnd type="none" w="med" len="med"/>
@@ -15911,9 +15925,7 @@
                     </a:lnR>
                     <a:lnT w="38100" cap="flat" cmpd="sng" algn="ctr">
                       <a:solidFill>
-                        <a:schemeClr val="accent5">
-                          <a:lumMod val="50000"/>
-                        </a:schemeClr>
+                        <a:srgbClr val="92D050"/>
                       </a:solidFill>
                       <a:prstDash val="solid"/>
                       <a:round/>
@@ -15922,70 +15934,7 @@
                     </a:lnT>
                     <a:lnB w="38100" cap="flat" cmpd="sng" algn="ctr">
                       <a:solidFill>
-                        <a:schemeClr val="accent5">
-                          <a:lumMod val="50000"/>
-                        </a:schemeClr>
-                      </a:solidFill>
-                      <a:prstDash val="solid"/>
-                      <a:round/>
-                      <a:headEnd type="none" w="med" len="med"/>
-                      <a:tailEnd type="none" w="med" len="med"/>
-                    </a:lnB>
-                  </a:tcPr>
-                </a:tc>
-                <a:tc>
-                  <a:txBody>
-                    <a:bodyPr/>
-                    <a:lstStyle/>
-                    <a:p>
-                      <a:r>
-                        <a:rPr lang="it-IT" sz="1600" dirty="0">
-                          <a:solidFill>
-                            <a:schemeClr val="accent5">
-                              <a:lumMod val="50000"/>
-                            </a:schemeClr>
-                          </a:solidFill>
-                          <a:latin typeface="+mn-lt"/>
-                        </a:rPr>
-                        <a:t> 0,7049 ***</a:t>
-                      </a:r>
-                    </a:p>
-                  </a:txBody>
-                  <a:tcPr>
-                    <a:lnL w="38100" cap="flat" cmpd="sng" algn="ctr">
-                      <a:noFill/>
-                      <a:prstDash val="solid"/>
-                      <a:round/>
-                      <a:headEnd type="none" w="med" len="med"/>
-                      <a:tailEnd type="none" w="med" len="med"/>
-                    </a:lnL>
-                    <a:lnR w="38100" cap="flat" cmpd="sng" algn="ctr">
-                      <a:solidFill>
-                        <a:schemeClr val="accent5">
-                          <a:lumMod val="50000"/>
-                        </a:schemeClr>
-                      </a:solidFill>
-                      <a:prstDash val="solid"/>
-                      <a:round/>
-                      <a:headEnd type="none" w="med" len="med"/>
-                      <a:tailEnd type="none" w="med" len="med"/>
-                    </a:lnR>
-                    <a:lnT w="38100" cap="flat" cmpd="sng" algn="ctr">
-                      <a:solidFill>
-                        <a:schemeClr val="accent5">
-                          <a:lumMod val="50000"/>
-                        </a:schemeClr>
-                      </a:solidFill>
-                      <a:prstDash val="solid"/>
-                      <a:round/>
-                      <a:headEnd type="none" w="med" len="med"/>
-                      <a:tailEnd type="none" w="med" len="med"/>
-                    </a:lnT>
-                    <a:lnB w="38100" cap="flat" cmpd="sng" algn="ctr">
-                      <a:solidFill>
-                        <a:schemeClr val="accent5">
-                          <a:lumMod val="50000"/>
-                        </a:schemeClr>
+                        <a:srgbClr val="92D050"/>
                       </a:solidFill>
                       <a:prstDash val="solid"/>
                       <a:round/>
@@ -16030,9 +15979,7 @@
                   <a:tcPr>
                     <a:lnL w="38100" cap="flat" cmpd="sng" algn="ctr">
                       <a:solidFill>
-                        <a:schemeClr val="accent5">
-                          <a:lumMod val="50000"/>
-                        </a:schemeClr>
+                        <a:srgbClr val="92D050"/>
                       </a:solidFill>
                       <a:prstDash val="solid"/>
                       <a:round/>
@@ -16048,9 +15995,7 @@
                     </a:lnR>
                     <a:lnT w="38100" cap="flat" cmpd="sng" algn="ctr">
                       <a:solidFill>
-                        <a:schemeClr val="accent5">
-                          <a:lumMod val="50000"/>
-                        </a:schemeClr>
+                        <a:srgbClr val="92D050"/>
                       </a:solidFill>
                       <a:prstDash val="solid"/>
                       <a:round/>
@@ -16059,9 +16004,7 @@
                     </a:lnT>
                     <a:lnB w="38100" cap="flat" cmpd="sng" algn="ctr">
                       <a:solidFill>
-                        <a:schemeClr val="accent5">
-                          <a:lumMod val="50000"/>
-                        </a:schemeClr>
+                        <a:srgbClr val="92D050"/>
                       </a:solidFill>
                       <a:prstDash val="solid"/>
                       <a:round/>
@@ -16105,9 +16048,7 @@
                     </a:lnR>
                     <a:lnT w="38100" cap="flat" cmpd="sng" algn="ctr">
                       <a:solidFill>
-                        <a:schemeClr val="accent5">
-                          <a:lumMod val="50000"/>
-                        </a:schemeClr>
+                        <a:srgbClr val="92D050"/>
                       </a:solidFill>
                       <a:prstDash val="solid"/>
                       <a:round/>
@@ -16116,9 +16057,7 @@
                     </a:lnT>
                     <a:lnB w="38100" cap="flat" cmpd="sng" algn="ctr">
                       <a:solidFill>
-                        <a:schemeClr val="accent5">
-                          <a:lumMod val="50000"/>
-                        </a:schemeClr>
+                        <a:srgbClr val="92D050"/>
                       </a:solidFill>
                       <a:prstDash val="solid"/>
                       <a:round/>
@@ -16155,9 +16094,7 @@
                     </a:lnL>
                     <a:lnR w="38100" cap="flat" cmpd="sng" algn="ctr">
                       <a:solidFill>
-                        <a:schemeClr val="accent5">
-                          <a:lumMod val="50000"/>
-                        </a:schemeClr>
+                        <a:srgbClr val="92D050"/>
                       </a:solidFill>
                       <a:prstDash val="solid"/>
                       <a:round/>
@@ -16166,9 +16103,7 @@
                     </a:lnR>
                     <a:lnT w="38100" cap="flat" cmpd="sng" algn="ctr">
                       <a:solidFill>
-                        <a:schemeClr val="accent5">
-                          <a:lumMod val="50000"/>
-                        </a:schemeClr>
+                        <a:srgbClr val="92D050"/>
                       </a:solidFill>
                       <a:prstDash val="solid"/>
                       <a:round/>
@@ -16177,9 +16112,7 @@
                     </a:lnT>
                     <a:lnB w="38100" cap="flat" cmpd="sng" algn="ctr">
                       <a:solidFill>
-                        <a:schemeClr val="accent5">
-                          <a:lumMod val="50000"/>
-                        </a:schemeClr>
+                        <a:srgbClr val="92D050"/>
                       </a:solidFill>
                       <a:prstDash val="solid"/>
                       <a:round/>
@@ -16213,13 +16146,13 @@
           <p:nvPr>
             <p:extLst>
               <p:ext uri="{D42A27DB-BD31-4B8C-83A1-F6EECF244321}">
-                <p14:modId xmlns:p14="http://schemas.microsoft.com/office/powerpoint/2010/main" val="562124466"/>
+                <p14:modId xmlns:p14="http://schemas.microsoft.com/office/powerpoint/2010/main" val="3551240245"/>
               </p:ext>
             </p:extLst>
           </p:nvPr>
         </p:nvGraphicFramePr>
         <p:xfrm>
-          <a:off x="37599366" y="14765709"/>
+          <a:off x="37599366" y="8803590"/>
           <a:ext cx="4512192" cy="3688080"/>
         </p:xfrm>
         <a:graphic>
@@ -16290,9 +16223,7 @@
                   <a:tcPr>
                     <a:lnL w="38100" cap="flat" cmpd="sng" algn="ctr">
                       <a:solidFill>
-                        <a:schemeClr val="accent5">
-                          <a:lumMod val="50000"/>
-                        </a:schemeClr>
+                        <a:srgbClr val="92D050"/>
                       </a:solidFill>
                       <a:prstDash val="solid"/>
                       <a:round/>
@@ -16308,9 +16239,7 @@
                     </a:lnR>
                     <a:lnT w="38100" cap="flat" cmpd="sng" algn="ctr">
                       <a:solidFill>
-                        <a:schemeClr val="accent5">
-                          <a:lumMod val="50000"/>
-                        </a:schemeClr>
+                        <a:srgbClr val="92D050"/>
                       </a:solidFill>
                       <a:prstDash val="solid"/>
                       <a:round/>
@@ -16319,9 +16248,7 @@
                     </a:lnT>
                     <a:lnB w="38100" cap="flat" cmpd="sng" algn="ctr">
                       <a:solidFill>
-                        <a:schemeClr val="accent5">
-                          <a:lumMod val="50000"/>
-                        </a:schemeClr>
+                        <a:srgbClr val="92D050"/>
                       </a:solidFill>
                       <a:prstDash val="solid"/>
                       <a:round/>
@@ -16344,7 +16271,7 @@
                           </a:solidFill>
                           <a:latin typeface="+mn-lt"/>
                         </a:rPr>
-                        <a:t>Worst</a:t>
+                        <a:t>Worse</a:t>
                       </a:r>
                       <a:r>
                         <a:rPr lang="it-IT" sz="1600" i="1" dirty="0">
@@ -16376,9 +16303,7 @@
                     </a:lnR>
                     <a:lnT w="38100" cap="flat" cmpd="sng" algn="ctr">
                       <a:solidFill>
-                        <a:schemeClr val="accent5">
-                          <a:lumMod val="50000"/>
-                        </a:schemeClr>
+                        <a:srgbClr val="92D050"/>
                       </a:solidFill>
                       <a:prstDash val="solid"/>
                       <a:round/>
@@ -16387,9 +16312,7 @@
                     </a:lnT>
                     <a:lnB w="38100" cap="flat" cmpd="sng" algn="ctr">
                       <a:solidFill>
-                        <a:schemeClr val="accent5">
-                          <a:lumMod val="50000"/>
-                        </a:schemeClr>
+                        <a:srgbClr val="92D050"/>
                       </a:solidFill>
                       <a:prstDash val="solid"/>
                       <a:round/>
@@ -16412,7 +16335,7 @@
                           </a:solidFill>
                           <a:latin typeface="+mn-lt"/>
                         </a:rPr>
-                        <a:t>Best Schools</a:t>
+                        <a:t>Better Schools</a:t>
                       </a:r>
                     </a:p>
                   </a:txBody>
@@ -16426,9 +16349,7 @@
                     </a:lnL>
                     <a:lnR w="38100" cap="flat" cmpd="sng" algn="ctr">
                       <a:solidFill>
-                        <a:schemeClr val="accent5">
-                          <a:lumMod val="50000"/>
-                        </a:schemeClr>
+                        <a:srgbClr val="92D050"/>
                       </a:solidFill>
                       <a:prstDash val="solid"/>
                       <a:round/>
@@ -16437,9 +16358,7 @@
                     </a:lnR>
                     <a:lnT w="38100" cap="flat" cmpd="sng" algn="ctr">
                       <a:solidFill>
-                        <a:schemeClr val="accent5">
-                          <a:lumMod val="50000"/>
-                        </a:schemeClr>
+                        <a:srgbClr val="92D050"/>
                       </a:solidFill>
                       <a:prstDash val="solid"/>
                       <a:round/>
@@ -16448,9 +16367,7 @@
                     </a:lnT>
                     <a:lnB w="38100" cap="flat" cmpd="sng" algn="ctr">
                       <a:solidFill>
-                        <a:schemeClr val="accent5">
-                          <a:lumMod val="50000"/>
-                        </a:schemeClr>
+                        <a:srgbClr val="92D050"/>
                       </a:solidFill>
                       <a:prstDash val="solid"/>
                       <a:round/>
@@ -16495,9 +16412,7 @@
                   <a:tcPr>
                     <a:lnL w="38100" cap="flat" cmpd="sng" algn="ctr">
                       <a:solidFill>
-                        <a:schemeClr val="accent5">
-                          <a:lumMod val="50000"/>
-                        </a:schemeClr>
+                        <a:srgbClr val="92D050"/>
                       </a:solidFill>
                       <a:prstDash val="solid"/>
                       <a:round/>
@@ -16513,9 +16428,7 @@
                     </a:lnR>
                     <a:lnT w="38100" cap="flat" cmpd="sng" algn="ctr">
                       <a:solidFill>
-                        <a:schemeClr val="accent5">
-                          <a:lumMod val="50000"/>
-                        </a:schemeClr>
+                        <a:srgbClr val="92D050"/>
                       </a:solidFill>
                       <a:prstDash val="solid"/>
                       <a:round/>
@@ -16524,9 +16437,7 @@
                     </a:lnT>
                     <a:lnB w="38100" cap="flat" cmpd="sng" algn="ctr">
                       <a:solidFill>
-                        <a:schemeClr val="accent5">
-                          <a:lumMod val="50000"/>
-                        </a:schemeClr>
+                        <a:srgbClr val="92D050"/>
                       </a:solidFill>
                       <a:prstDash val="solid"/>
                       <a:round/>
@@ -16570,9 +16481,7 @@
                     </a:lnR>
                     <a:lnT w="38100" cap="flat" cmpd="sng" algn="ctr">
                       <a:solidFill>
-                        <a:schemeClr val="accent5">
-                          <a:lumMod val="50000"/>
-                        </a:schemeClr>
+                        <a:srgbClr val="92D050"/>
                       </a:solidFill>
                       <a:prstDash val="solid"/>
                       <a:round/>
@@ -16581,9 +16490,7 @@
                     </a:lnT>
                     <a:lnB w="38100" cap="flat" cmpd="sng" algn="ctr">
                       <a:solidFill>
-                        <a:schemeClr val="accent5">
-                          <a:lumMod val="50000"/>
-                        </a:schemeClr>
+                        <a:srgbClr val="92D050"/>
                       </a:solidFill>
                       <a:prstDash val="solid"/>
                       <a:round/>
@@ -16620,9 +16527,7 @@
                     </a:lnL>
                     <a:lnR w="38100" cap="flat" cmpd="sng" algn="ctr">
                       <a:solidFill>
-                        <a:schemeClr val="accent5">
-                          <a:lumMod val="50000"/>
-                        </a:schemeClr>
+                        <a:srgbClr val="92D050"/>
                       </a:solidFill>
                       <a:prstDash val="solid"/>
                       <a:round/>
@@ -16631,9 +16536,7 @@
                     </a:lnR>
                     <a:lnT w="38100" cap="flat" cmpd="sng" algn="ctr">
                       <a:solidFill>
-                        <a:schemeClr val="accent5">
-                          <a:lumMod val="50000"/>
-                        </a:schemeClr>
+                        <a:srgbClr val="92D050"/>
                       </a:solidFill>
                       <a:prstDash val="solid"/>
                       <a:round/>
@@ -16642,9 +16545,7 @@
                     </a:lnT>
                     <a:lnB w="38100" cap="flat" cmpd="sng" algn="ctr">
                       <a:solidFill>
-                        <a:schemeClr val="accent5">
-                          <a:lumMod val="50000"/>
-                        </a:schemeClr>
+                        <a:srgbClr val="92D050"/>
                       </a:solidFill>
                       <a:prstDash val="solid"/>
                       <a:round/>
@@ -16689,9 +16590,7 @@
                   <a:tcPr>
                     <a:lnL w="38100" cap="flat" cmpd="sng" algn="ctr">
                       <a:solidFill>
-                        <a:schemeClr val="accent5">
-                          <a:lumMod val="50000"/>
-                        </a:schemeClr>
+                        <a:srgbClr val="92D050"/>
                       </a:solidFill>
                       <a:prstDash val="solid"/>
                       <a:round/>
@@ -16707,9 +16606,7 @@
                     </a:lnR>
                     <a:lnT w="38100" cap="flat" cmpd="sng" algn="ctr">
                       <a:solidFill>
-                        <a:schemeClr val="accent5">
-                          <a:lumMod val="50000"/>
-                        </a:schemeClr>
+                        <a:srgbClr val="92D050"/>
                       </a:solidFill>
                       <a:prstDash val="solid"/>
                       <a:round/>
@@ -16718,9 +16615,7 @@
                     </a:lnT>
                     <a:lnB w="38100" cap="flat" cmpd="sng" algn="ctr">
                       <a:solidFill>
-                        <a:schemeClr val="accent5">
-                          <a:lumMod val="50000"/>
-                        </a:schemeClr>
+                        <a:srgbClr val="92D050"/>
                       </a:solidFill>
                       <a:prstDash val="solid"/>
                       <a:round/>
@@ -16764,9 +16659,7 @@
                     </a:lnR>
                     <a:lnT w="38100" cap="flat" cmpd="sng" algn="ctr">
                       <a:solidFill>
-                        <a:schemeClr val="accent5">
-                          <a:lumMod val="50000"/>
-                        </a:schemeClr>
+                        <a:srgbClr val="92D050"/>
                       </a:solidFill>
                       <a:prstDash val="solid"/>
                       <a:round/>
@@ -16775,9 +16668,7 @@
                     </a:lnT>
                     <a:lnB w="38100" cap="flat" cmpd="sng" algn="ctr">
                       <a:solidFill>
-                        <a:schemeClr val="accent5">
-                          <a:lumMod val="50000"/>
-                        </a:schemeClr>
+                        <a:srgbClr val="92D050"/>
                       </a:solidFill>
                       <a:prstDash val="solid"/>
                       <a:round/>
@@ -16814,9 +16705,7 @@
                     </a:lnL>
                     <a:lnR w="38100" cap="flat" cmpd="sng" algn="ctr">
                       <a:solidFill>
-                        <a:schemeClr val="accent5">
-                          <a:lumMod val="50000"/>
-                        </a:schemeClr>
+                        <a:srgbClr val="92D050"/>
                       </a:solidFill>
                       <a:prstDash val="solid"/>
                       <a:round/>
@@ -16825,9 +16714,7 @@
                     </a:lnR>
                     <a:lnT w="38100" cap="flat" cmpd="sng" algn="ctr">
                       <a:solidFill>
-                        <a:schemeClr val="accent5">
-                          <a:lumMod val="50000"/>
-                        </a:schemeClr>
+                        <a:srgbClr val="92D050"/>
                       </a:solidFill>
                       <a:prstDash val="solid"/>
                       <a:round/>
@@ -16836,9 +16723,7 @@
                     </a:lnT>
                     <a:lnB w="38100" cap="flat" cmpd="sng" algn="ctr">
                       <a:solidFill>
-                        <a:schemeClr val="accent5">
-                          <a:lumMod val="50000"/>
-                        </a:schemeClr>
+                        <a:srgbClr val="92D050"/>
                       </a:solidFill>
                       <a:prstDash val="solid"/>
                       <a:round/>
@@ -16883,9 +16768,7 @@
                   <a:tcPr>
                     <a:lnL w="38100" cap="flat" cmpd="sng" algn="ctr">
                       <a:solidFill>
-                        <a:schemeClr val="accent5">
-                          <a:lumMod val="50000"/>
-                        </a:schemeClr>
+                        <a:srgbClr val="92D050"/>
                       </a:solidFill>
                       <a:prstDash val="solid"/>
                       <a:round/>
@@ -16901,9 +16784,7 @@
                     </a:lnR>
                     <a:lnT w="38100" cap="flat" cmpd="sng" algn="ctr">
                       <a:solidFill>
-                        <a:schemeClr val="accent5">
-                          <a:lumMod val="50000"/>
-                        </a:schemeClr>
+                        <a:srgbClr val="92D050"/>
                       </a:solidFill>
                       <a:prstDash val="solid"/>
                       <a:round/>
@@ -16912,9 +16793,7 @@
                     </a:lnT>
                     <a:lnB w="38100" cap="flat" cmpd="sng" algn="ctr">
                       <a:solidFill>
-                        <a:schemeClr val="accent5">
-                          <a:lumMod val="50000"/>
-                        </a:schemeClr>
+                        <a:srgbClr val="92D050"/>
                       </a:solidFill>
                       <a:prstDash val="solid"/>
                       <a:round/>
@@ -16958,9 +16837,7 @@
                     </a:lnR>
                     <a:lnT w="38100" cap="flat" cmpd="sng" algn="ctr">
                       <a:solidFill>
-                        <a:schemeClr val="accent5">
-                          <a:lumMod val="50000"/>
-                        </a:schemeClr>
+                        <a:srgbClr val="92D050"/>
                       </a:solidFill>
                       <a:prstDash val="solid"/>
                       <a:round/>
@@ -16969,9 +16846,7 @@
                     </a:lnT>
                     <a:lnB w="38100" cap="flat" cmpd="sng" algn="ctr">
                       <a:solidFill>
-                        <a:schemeClr val="accent5">
-                          <a:lumMod val="50000"/>
-                        </a:schemeClr>
+                        <a:srgbClr val="92D050"/>
                       </a:solidFill>
                       <a:prstDash val="solid"/>
                       <a:round/>
@@ -17008,9 +16883,7 @@
                     </a:lnL>
                     <a:lnR w="38100" cap="flat" cmpd="sng" algn="ctr">
                       <a:solidFill>
-                        <a:schemeClr val="accent5">
-                          <a:lumMod val="50000"/>
-                        </a:schemeClr>
+                        <a:srgbClr val="92D050"/>
                       </a:solidFill>
                       <a:prstDash val="solid"/>
                       <a:round/>
@@ -17019,9 +16892,7 @@
                     </a:lnR>
                     <a:lnT w="38100" cap="flat" cmpd="sng" algn="ctr">
                       <a:solidFill>
-                        <a:schemeClr val="accent5">
-                          <a:lumMod val="50000"/>
-                        </a:schemeClr>
+                        <a:srgbClr val="92D050"/>
                       </a:solidFill>
                       <a:prstDash val="solid"/>
                       <a:round/>
@@ -17030,9 +16901,7 @@
                     </a:lnT>
                     <a:lnB w="38100" cap="flat" cmpd="sng" algn="ctr">
                       <a:solidFill>
-                        <a:schemeClr val="accent5">
-                          <a:lumMod val="50000"/>
-                        </a:schemeClr>
+                        <a:srgbClr val="92D050"/>
                       </a:solidFill>
                       <a:prstDash val="solid"/>
                       <a:round/>
@@ -17077,9 +16946,7 @@
                   <a:tcPr>
                     <a:lnL w="38100" cap="flat" cmpd="sng" algn="ctr">
                       <a:solidFill>
-                        <a:schemeClr val="accent5">
-                          <a:lumMod val="50000"/>
-                        </a:schemeClr>
+                        <a:srgbClr val="92D050"/>
                       </a:solidFill>
                       <a:prstDash val="solid"/>
                       <a:round/>
@@ -17095,9 +16962,7 @@
                     </a:lnR>
                     <a:lnT w="38100" cap="flat" cmpd="sng" algn="ctr">
                       <a:solidFill>
-                        <a:schemeClr val="accent5">
-                          <a:lumMod val="50000"/>
-                        </a:schemeClr>
+                        <a:srgbClr val="92D050"/>
                       </a:solidFill>
                       <a:prstDash val="solid"/>
                       <a:round/>
@@ -17106,9 +16971,7 @@
                     </a:lnT>
                     <a:lnB w="38100" cap="flat" cmpd="sng" algn="ctr">
                       <a:solidFill>
-                        <a:schemeClr val="accent5">
-                          <a:lumMod val="50000"/>
-                        </a:schemeClr>
+                        <a:srgbClr val="92D050"/>
                       </a:solidFill>
                       <a:prstDash val="solid"/>
                       <a:round/>
@@ -17152,9 +17015,7 @@
                     </a:lnR>
                     <a:lnT w="38100" cap="flat" cmpd="sng" algn="ctr">
                       <a:solidFill>
-                        <a:schemeClr val="accent5">
-                          <a:lumMod val="50000"/>
-                        </a:schemeClr>
+                        <a:srgbClr val="92D050"/>
                       </a:solidFill>
                       <a:prstDash val="solid"/>
                       <a:round/>
@@ -17163,9 +17024,7 @@
                     </a:lnT>
                     <a:lnB w="38100" cap="flat" cmpd="sng" algn="ctr">
                       <a:solidFill>
-                        <a:schemeClr val="accent5">
-                          <a:lumMod val="50000"/>
-                        </a:schemeClr>
+                        <a:srgbClr val="92D050"/>
                       </a:solidFill>
                       <a:prstDash val="solid"/>
                       <a:round/>
@@ -17202,9 +17061,7 @@
                     </a:lnL>
                     <a:lnR w="38100" cap="flat" cmpd="sng" algn="ctr">
                       <a:solidFill>
-                        <a:schemeClr val="accent5">
-                          <a:lumMod val="50000"/>
-                        </a:schemeClr>
+                        <a:srgbClr val="92D050"/>
                       </a:solidFill>
                       <a:prstDash val="solid"/>
                       <a:round/>
@@ -17213,9 +17070,7 @@
                     </a:lnR>
                     <a:lnT w="38100" cap="flat" cmpd="sng" algn="ctr">
                       <a:solidFill>
-                        <a:schemeClr val="accent5">
-                          <a:lumMod val="50000"/>
-                        </a:schemeClr>
+                        <a:srgbClr val="92D050"/>
                       </a:solidFill>
                       <a:prstDash val="solid"/>
                       <a:round/>
@@ -17224,9 +17079,7 @@
                     </a:lnT>
                     <a:lnB w="38100" cap="flat" cmpd="sng" algn="ctr">
                       <a:solidFill>
-                        <a:schemeClr val="accent5">
-                          <a:lumMod val="50000"/>
-                        </a:schemeClr>
+                        <a:srgbClr val="92D050"/>
                       </a:solidFill>
                       <a:prstDash val="solid"/>
                       <a:round/>
@@ -17271,9 +17124,7 @@
                   <a:tcPr>
                     <a:lnL w="38100" cap="flat" cmpd="sng" algn="ctr">
                       <a:solidFill>
-                        <a:schemeClr val="accent5">
-                          <a:lumMod val="50000"/>
-                        </a:schemeClr>
+                        <a:srgbClr val="92D050"/>
                       </a:solidFill>
                       <a:prstDash val="solid"/>
                       <a:round/>
@@ -17289,9 +17140,7 @@
                     </a:lnR>
                     <a:lnT w="38100" cap="flat" cmpd="sng" algn="ctr">
                       <a:solidFill>
-                        <a:schemeClr val="accent5">
-                          <a:lumMod val="50000"/>
-                        </a:schemeClr>
+                        <a:srgbClr val="92D050"/>
                       </a:solidFill>
                       <a:prstDash val="solid"/>
                       <a:round/>
@@ -17300,9 +17149,7 @@
                     </a:lnT>
                     <a:lnB w="38100" cap="flat" cmpd="sng" algn="ctr">
                       <a:solidFill>
-                        <a:schemeClr val="accent5">
-                          <a:lumMod val="50000"/>
-                        </a:schemeClr>
+                        <a:srgbClr val="92D050"/>
                       </a:solidFill>
                       <a:prstDash val="solid"/>
                       <a:round/>
@@ -17346,9 +17193,7 @@
                     </a:lnR>
                     <a:lnT w="38100" cap="flat" cmpd="sng" algn="ctr">
                       <a:solidFill>
-                        <a:schemeClr val="accent5">
-                          <a:lumMod val="50000"/>
-                        </a:schemeClr>
+                        <a:srgbClr val="92D050"/>
                       </a:solidFill>
                       <a:prstDash val="solid"/>
                       <a:round/>
@@ -17357,9 +17202,7 @@
                     </a:lnT>
                     <a:lnB w="38100" cap="flat" cmpd="sng" algn="ctr">
                       <a:solidFill>
-                        <a:schemeClr val="accent5">
-                          <a:lumMod val="50000"/>
-                        </a:schemeClr>
+                        <a:srgbClr val="92D050"/>
                       </a:solidFill>
                       <a:prstDash val="solid"/>
                       <a:round/>
@@ -17396,9 +17239,7 @@
                     </a:lnL>
                     <a:lnR w="38100" cap="flat" cmpd="sng" algn="ctr">
                       <a:solidFill>
-                        <a:schemeClr val="accent5">
-                          <a:lumMod val="50000"/>
-                        </a:schemeClr>
+                        <a:srgbClr val="92D050"/>
                       </a:solidFill>
                       <a:prstDash val="solid"/>
                       <a:round/>
@@ -17407,9 +17248,7 @@
                     </a:lnR>
                     <a:lnT w="38100" cap="flat" cmpd="sng" algn="ctr">
                       <a:solidFill>
-                        <a:schemeClr val="accent5">
-                          <a:lumMod val="50000"/>
-                        </a:schemeClr>
+                        <a:srgbClr val="92D050"/>
                       </a:solidFill>
                       <a:prstDash val="solid"/>
                       <a:round/>
@@ -17418,9 +17257,7 @@
                     </a:lnT>
                     <a:lnB w="38100" cap="flat" cmpd="sng" algn="ctr">
                       <a:solidFill>
-                        <a:schemeClr val="accent5">
-                          <a:lumMod val="50000"/>
-                        </a:schemeClr>
+                        <a:srgbClr val="92D050"/>
                       </a:solidFill>
                       <a:prstDash val="solid"/>
                       <a:round/>
@@ -17482,9 +17319,7 @@
                   <a:tcPr>
                     <a:lnL w="38100" cap="flat" cmpd="sng" algn="ctr">
                       <a:solidFill>
-                        <a:schemeClr val="accent5">
-                          <a:lumMod val="50000"/>
-                        </a:schemeClr>
+                        <a:srgbClr val="92D050"/>
                       </a:solidFill>
                       <a:prstDash val="solid"/>
                       <a:round/>
@@ -17500,9 +17335,7 @@
                     </a:lnR>
                     <a:lnT w="38100" cap="flat" cmpd="sng" algn="ctr">
                       <a:solidFill>
-                        <a:schemeClr val="accent5">
-                          <a:lumMod val="50000"/>
-                        </a:schemeClr>
+                        <a:srgbClr val="92D050"/>
                       </a:solidFill>
                       <a:prstDash val="solid"/>
                       <a:round/>
@@ -17511,9 +17344,7 @@
                     </a:lnT>
                     <a:lnB w="38100" cap="flat" cmpd="sng" algn="ctr">
                       <a:solidFill>
-                        <a:schemeClr val="accent5">
-                          <a:lumMod val="50000"/>
-                        </a:schemeClr>
+                        <a:srgbClr val="92D050"/>
                       </a:solidFill>
                       <a:prstDash val="solid"/>
                       <a:round/>
@@ -17557,9 +17388,7 @@
                     </a:lnR>
                     <a:lnT w="38100" cap="flat" cmpd="sng" algn="ctr">
                       <a:solidFill>
-                        <a:schemeClr val="accent5">
-                          <a:lumMod val="50000"/>
-                        </a:schemeClr>
+                        <a:srgbClr val="92D050"/>
                       </a:solidFill>
                       <a:prstDash val="solid"/>
                       <a:round/>
@@ -17568,9 +17397,7 @@
                     </a:lnT>
                     <a:lnB w="38100" cap="flat" cmpd="sng" algn="ctr">
                       <a:solidFill>
-                        <a:schemeClr val="accent5">
-                          <a:lumMod val="50000"/>
-                        </a:schemeClr>
+                        <a:srgbClr val="92D050"/>
                       </a:solidFill>
                       <a:prstDash val="solid"/>
                       <a:round/>
@@ -17607,9 +17434,7 @@
                     </a:lnL>
                     <a:lnR w="38100" cap="flat" cmpd="sng" algn="ctr">
                       <a:solidFill>
-                        <a:schemeClr val="accent5">
-                          <a:lumMod val="50000"/>
-                        </a:schemeClr>
+                        <a:srgbClr val="92D050"/>
                       </a:solidFill>
                       <a:prstDash val="solid"/>
                       <a:round/>
@@ -17618,9 +17443,7 @@
                     </a:lnR>
                     <a:lnT w="38100" cap="flat" cmpd="sng" algn="ctr">
                       <a:solidFill>
-                        <a:schemeClr val="accent5">
-                          <a:lumMod val="50000"/>
-                        </a:schemeClr>
+                        <a:srgbClr val="92D050"/>
                       </a:solidFill>
                       <a:prstDash val="solid"/>
                       <a:round/>
@@ -17629,9 +17452,7 @@
                     </a:lnT>
                     <a:lnB w="38100" cap="flat" cmpd="sng" algn="ctr">
                       <a:solidFill>
-                        <a:schemeClr val="accent5">
-                          <a:lumMod val="50000"/>
-                        </a:schemeClr>
+                        <a:srgbClr val="92D050"/>
                       </a:solidFill>
                       <a:prstDash val="solid"/>
                       <a:round/>
@@ -17693,9 +17514,7 @@
                   <a:tcPr>
                     <a:lnL w="38100" cap="flat" cmpd="sng" algn="ctr">
                       <a:solidFill>
-                        <a:schemeClr val="accent5">
-                          <a:lumMod val="50000"/>
-                        </a:schemeClr>
+                        <a:srgbClr val="92D050"/>
                       </a:solidFill>
                       <a:prstDash val="solid"/>
                       <a:round/>
@@ -17711,9 +17530,7 @@
                     </a:lnR>
                     <a:lnT w="38100" cap="flat" cmpd="sng" algn="ctr">
                       <a:solidFill>
-                        <a:schemeClr val="accent5">
-                          <a:lumMod val="50000"/>
-                        </a:schemeClr>
+                        <a:srgbClr val="92D050"/>
                       </a:solidFill>
                       <a:prstDash val="solid"/>
                       <a:round/>
@@ -17722,9 +17539,7 @@
                     </a:lnT>
                     <a:lnB w="38100" cap="flat" cmpd="sng" algn="ctr">
                       <a:solidFill>
-                        <a:schemeClr val="accent5">
-                          <a:lumMod val="50000"/>
-                        </a:schemeClr>
+                        <a:srgbClr val="92D050"/>
                       </a:solidFill>
                       <a:prstDash val="solid"/>
                       <a:round/>
@@ -17768,9 +17583,7 @@
                     </a:lnR>
                     <a:lnT w="38100" cap="flat" cmpd="sng" algn="ctr">
                       <a:solidFill>
-                        <a:schemeClr val="accent5">
-                          <a:lumMod val="50000"/>
-                        </a:schemeClr>
+                        <a:srgbClr val="92D050"/>
                       </a:solidFill>
                       <a:prstDash val="solid"/>
                       <a:round/>
@@ -17779,9 +17592,7 @@
                     </a:lnT>
                     <a:lnB w="38100" cap="flat" cmpd="sng" algn="ctr">
                       <a:solidFill>
-                        <a:schemeClr val="accent5">
-                          <a:lumMod val="50000"/>
-                        </a:schemeClr>
+                        <a:srgbClr val="92D050"/>
                       </a:solidFill>
                       <a:prstDash val="solid"/>
                       <a:round/>
@@ -17818,9 +17629,7 @@
                     </a:lnL>
                     <a:lnR w="38100" cap="flat" cmpd="sng" algn="ctr">
                       <a:solidFill>
-                        <a:schemeClr val="accent5">
-                          <a:lumMod val="50000"/>
-                        </a:schemeClr>
+                        <a:srgbClr val="92D050"/>
                       </a:solidFill>
                       <a:prstDash val="solid"/>
                       <a:round/>
@@ -17829,9 +17638,7 @@
                     </a:lnR>
                     <a:lnT w="38100" cap="flat" cmpd="sng" algn="ctr">
                       <a:solidFill>
-                        <a:schemeClr val="accent5">
-                          <a:lumMod val="50000"/>
-                        </a:schemeClr>
+                        <a:srgbClr val="92D050"/>
                       </a:solidFill>
                       <a:prstDash val="solid"/>
                       <a:round/>
@@ -17840,9 +17647,7 @@
                     </a:lnT>
                     <a:lnB w="38100" cap="flat" cmpd="sng" algn="ctr">
                       <a:solidFill>
-                        <a:schemeClr val="accent5">
-                          <a:lumMod val="50000"/>
-                        </a:schemeClr>
+                        <a:srgbClr val="92D050"/>
                       </a:solidFill>
                       <a:prstDash val="solid"/>
                       <a:round/>
@@ -17904,9 +17709,7 @@
                   <a:tcPr>
                     <a:lnL w="38100" cap="flat" cmpd="sng" algn="ctr">
                       <a:solidFill>
-                        <a:schemeClr val="accent5">
-                          <a:lumMod val="50000"/>
-                        </a:schemeClr>
+                        <a:srgbClr val="92D050"/>
                       </a:solidFill>
                       <a:prstDash val="solid"/>
                       <a:round/>
@@ -17922,9 +17725,7 @@
                     </a:lnR>
                     <a:lnT w="38100" cap="flat" cmpd="sng" algn="ctr">
                       <a:solidFill>
-                        <a:schemeClr val="accent5">
-                          <a:lumMod val="50000"/>
-                        </a:schemeClr>
+                        <a:srgbClr val="92D050"/>
                       </a:solidFill>
                       <a:prstDash val="solid"/>
                       <a:round/>
@@ -17933,9 +17734,7 @@
                     </a:lnT>
                     <a:lnB w="38100" cap="flat" cmpd="sng" algn="ctr">
                       <a:solidFill>
-                        <a:schemeClr val="accent5">
-                          <a:lumMod val="50000"/>
-                        </a:schemeClr>
+                        <a:srgbClr val="92D050"/>
                       </a:solidFill>
                       <a:prstDash val="solid"/>
                       <a:round/>
@@ -17979,9 +17778,7 @@
                     </a:lnR>
                     <a:lnT w="38100" cap="flat" cmpd="sng" algn="ctr">
                       <a:solidFill>
-                        <a:schemeClr val="accent5">
-                          <a:lumMod val="50000"/>
-                        </a:schemeClr>
+                        <a:srgbClr val="92D050"/>
                       </a:solidFill>
                       <a:prstDash val="solid"/>
                       <a:round/>
@@ -17990,9 +17787,7 @@
                     </a:lnT>
                     <a:lnB w="38100" cap="flat" cmpd="sng" algn="ctr">
                       <a:solidFill>
-                        <a:schemeClr val="accent5">
-                          <a:lumMod val="50000"/>
-                        </a:schemeClr>
+                        <a:srgbClr val="92D050"/>
                       </a:solidFill>
                       <a:prstDash val="solid"/>
                       <a:round/>
@@ -18029,9 +17824,7 @@
                     </a:lnL>
                     <a:lnR w="38100" cap="flat" cmpd="sng" algn="ctr">
                       <a:solidFill>
-                        <a:schemeClr val="accent5">
-                          <a:lumMod val="50000"/>
-                        </a:schemeClr>
+                        <a:srgbClr val="92D050"/>
                       </a:solidFill>
                       <a:prstDash val="solid"/>
                       <a:round/>
@@ -18040,9 +17833,7 @@
                     </a:lnR>
                     <a:lnT w="38100" cap="flat" cmpd="sng" algn="ctr">
                       <a:solidFill>
-                        <a:schemeClr val="accent5">
-                          <a:lumMod val="50000"/>
-                        </a:schemeClr>
+                        <a:srgbClr val="92D050"/>
                       </a:solidFill>
                       <a:prstDash val="solid"/>
                       <a:round/>
@@ -18051,9 +17842,7 @@
                     </a:lnT>
                     <a:lnB w="38100" cap="flat" cmpd="sng" algn="ctr">
                       <a:solidFill>
-                        <a:schemeClr val="accent5">
-                          <a:lumMod val="50000"/>
-                        </a:schemeClr>
+                        <a:srgbClr val="92D050"/>
                       </a:solidFill>
                       <a:prstDash val="solid"/>
                       <a:round/>
@@ -18098,9 +17887,7 @@
                   <a:tcPr>
                     <a:lnL w="38100" cap="flat" cmpd="sng" algn="ctr">
                       <a:solidFill>
-                        <a:schemeClr val="accent5">
-                          <a:lumMod val="50000"/>
-                        </a:schemeClr>
+                        <a:srgbClr val="92D050"/>
                       </a:solidFill>
                       <a:prstDash val="solid"/>
                       <a:round/>
@@ -18116,9 +17903,7 @@
                     </a:lnR>
                     <a:lnT w="38100" cap="flat" cmpd="sng" algn="ctr">
                       <a:solidFill>
-                        <a:schemeClr val="accent5">
-                          <a:lumMod val="50000"/>
-                        </a:schemeClr>
+                        <a:srgbClr val="92D050"/>
                       </a:solidFill>
                       <a:prstDash val="solid"/>
                       <a:round/>
@@ -18127,9 +17912,7 @@
                     </a:lnT>
                     <a:lnB w="38100" cap="flat" cmpd="sng" algn="ctr">
                       <a:solidFill>
-                        <a:schemeClr val="accent5">
-                          <a:lumMod val="50000"/>
-                        </a:schemeClr>
+                        <a:srgbClr val="92D050"/>
                       </a:solidFill>
                       <a:prstDash val="solid"/>
                       <a:round/>
@@ -18173,9 +17956,7 @@
                     </a:lnR>
                     <a:lnT w="38100" cap="flat" cmpd="sng" algn="ctr">
                       <a:solidFill>
-                        <a:schemeClr val="accent5">
-                          <a:lumMod val="50000"/>
-                        </a:schemeClr>
+                        <a:srgbClr val="92D050"/>
                       </a:solidFill>
                       <a:prstDash val="solid"/>
                       <a:round/>
@@ -18184,9 +17965,7 @@
                     </a:lnT>
                     <a:lnB w="38100" cap="flat" cmpd="sng" algn="ctr">
                       <a:solidFill>
-                        <a:schemeClr val="accent5">
-                          <a:lumMod val="50000"/>
-                        </a:schemeClr>
+                        <a:srgbClr val="92D050"/>
                       </a:solidFill>
                       <a:prstDash val="solid"/>
                       <a:round/>
@@ -18223,9 +18002,7 @@
                     </a:lnL>
                     <a:lnR w="38100" cap="flat" cmpd="sng" algn="ctr">
                       <a:solidFill>
-                        <a:schemeClr val="accent5">
-                          <a:lumMod val="50000"/>
-                        </a:schemeClr>
+                        <a:srgbClr val="92D050"/>
                       </a:solidFill>
                       <a:prstDash val="solid"/>
                       <a:round/>
@@ -18234,9 +18011,7 @@
                     </a:lnR>
                     <a:lnT w="38100" cap="flat" cmpd="sng" algn="ctr">
                       <a:solidFill>
-                        <a:schemeClr val="accent5">
-                          <a:lumMod val="50000"/>
-                        </a:schemeClr>
+                        <a:srgbClr val="92D050"/>
                       </a:solidFill>
                       <a:prstDash val="solid"/>
                       <a:round/>
@@ -18245,9 +18020,7 @@
                     </a:lnT>
                     <a:lnB w="38100" cap="flat" cmpd="sng" algn="ctr">
                       <a:solidFill>
-                        <a:schemeClr val="accent5">
-                          <a:lumMod val="50000"/>
-                        </a:schemeClr>
+                        <a:srgbClr val="92D050"/>
                       </a:solidFill>
                       <a:prstDash val="solid"/>
                       <a:round/>
@@ -18292,9 +18065,7 @@
                   <a:tcPr>
                     <a:lnL w="38100" cap="flat" cmpd="sng" algn="ctr">
                       <a:solidFill>
-                        <a:schemeClr val="accent5">
-                          <a:lumMod val="50000"/>
-                        </a:schemeClr>
+                        <a:srgbClr val="92D050"/>
                       </a:solidFill>
                       <a:prstDash val="solid"/>
                       <a:round/>
@@ -18310,9 +18081,7 @@
                     </a:lnR>
                     <a:lnT w="38100" cap="flat" cmpd="sng" algn="ctr">
                       <a:solidFill>
-                        <a:schemeClr val="accent5">
-                          <a:lumMod val="50000"/>
-                        </a:schemeClr>
+                        <a:srgbClr val="92D050"/>
                       </a:solidFill>
                       <a:prstDash val="solid"/>
                       <a:round/>
@@ -18321,9 +18090,7 @@
                     </a:lnT>
                     <a:lnB w="38100" cap="flat" cmpd="sng" algn="ctr">
                       <a:solidFill>
-                        <a:schemeClr val="accent5">
-                          <a:lumMod val="50000"/>
-                        </a:schemeClr>
+                        <a:srgbClr val="92D050"/>
                       </a:solidFill>
                       <a:prstDash val="solid"/>
                       <a:round/>
@@ -18367,9 +18134,7 @@
                     </a:lnR>
                     <a:lnT w="38100" cap="flat" cmpd="sng" algn="ctr">
                       <a:solidFill>
-                        <a:schemeClr val="accent5">
-                          <a:lumMod val="50000"/>
-                        </a:schemeClr>
+                        <a:srgbClr val="92D050"/>
                       </a:solidFill>
                       <a:prstDash val="solid"/>
                       <a:round/>
@@ -18378,9 +18143,7 @@
                     </a:lnT>
                     <a:lnB w="38100" cap="flat" cmpd="sng" algn="ctr">
                       <a:solidFill>
-                        <a:schemeClr val="accent5">
-                          <a:lumMod val="50000"/>
-                        </a:schemeClr>
+                        <a:srgbClr val="92D050"/>
                       </a:solidFill>
                       <a:prstDash val="solid"/>
                       <a:round/>
@@ -18417,9 +18180,7 @@
                     </a:lnL>
                     <a:lnR w="38100" cap="flat" cmpd="sng" algn="ctr">
                       <a:solidFill>
-                        <a:schemeClr val="accent5">
-                          <a:lumMod val="50000"/>
-                        </a:schemeClr>
+                        <a:srgbClr val="92D050"/>
                       </a:solidFill>
                       <a:prstDash val="solid"/>
                       <a:round/>
@@ -18428,9 +18189,7 @@
                     </a:lnR>
                     <a:lnT w="38100" cap="flat" cmpd="sng" algn="ctr">
                       <a:solidFill>
-                        <a:schemeClr val="accent5">
-                          <a:lumMod val="50000"/>
-                        </a:schemeClr>
+                        <a:srgbClr val="92D050"/>
                       </a:solidFill>
                       <a:prstDash val="solid"/>
                       <a:round/>
@@ -18439,9 +18198,7 @@
                     </a:lnT>
                     <a:lnB w="38100" cap="flat" cmpd="sng" algn="ctr">
                       <a:solidFill>
-                        <a:schemeClr val="accent5">
-                          <a:lumMod val="50000"/>
-                        </a:schemeClr>
+                        <a:srgbClr val="92D050"/>
                       </a:solidFill>
                       <a:prstDash val="solid"/>
                       <a:round/>
@@ -18460,6 +18217,763 @@
           </a:graphicData>
         </a:graphic>
       </p:graphicFrame>
+      <p:pic>
+        <p:nvPicPr>
+          <p:cNvPr id="11" name="Picture 10" descr="Chart, box and whisker chart&#10;&#10;Description automatically generated">
+            <a:extLst>
+              <a:ext uri="{FF2B5EF4-FFF2-40B4-BE49-F238E27FC236}">
+                <a16:creationId xmlns:a16="http://schemas.microsoft.com/office/drawing/2014/main" id="{6B138C04-6DC8-EA24-811C-26A780065680}"/>
+              </a:ext>
+            </a:extLst>
+          </p:cNvPr>
+          <p:cNvPicPr>
+            <a:picLocks noChangeAspect="1"/>
+          </p:cNvPicPr>
+          <p:nvPr/>
+        </p:nvPicPr>
+        <p:blipFill>
+          <a:blip r:embed="rId11" cstate="print">
+            <a:extLst>
+              <a:ext uri="{28A0092B-C50C-407E-A947-70E740481C1C}">
+                <a14:useLocalDpi xmlns:a14="http://schemas.microsoft.com/office/drawing/2010/main" val="0"/>
+              </a:ext>
+            </a:extLst>
+          </a:blip>
+          <a:stretch>
+            <a:fillRect/>
+          </a:stretch>
+        </p:blipFill>
+        <p:spPr>
+          <a:xfrm>
+            <a:off x="10948455" y="8983916"/>
+            <a:ext cx="4615937" cy="3712392"/>
+          </a:xfrm>
+          <a:prstGeom prst="rect">
+            <a:avLst/>
+          </a:prstGeom>
+        </p:spPr>
+      </p:pic>
+      <p:pic>
+        <p:nvPicPr>
+          <p:cNvPr id="22" name="Picture 21" descr="Chart, box and whisker chart&#10;&#10;Description automatically generated">
+            <a:extLst>
+              <a:ext uri="{FF2B5EF4-FFF2-40B4-BE49-F238E27FC236}">
+                <a16:creationId xmlns:a16="http://schemas.microsoft.com/office/drawing/2014/main" id="{580C98BD-0378-EFC4-E148-885D8B96AEBD}"/>
+              </a:ext>
+            </a:extLst>
+          </p:cNvPr>
+          <p:cNvPicPr>
+            <a:picLocks noChangeAspect="1"/>
+          </p:cNvPicPr>
+          <p:nvPr/>
+        </p:nvPicPr>
+        <p:blipFill>
+          <a:blip r:embed="rId12" cstate="print">
+            <a:extLst>
+              <a:ext uri="{28A0092B-C50C-407E-A947-70E740481C1C}">
+                <a14:useLocalDpi xmlns:a14="http://schemas.microsoft.com/office/drawing/2010/main" val="0"/>
+              </a:ext>
+            </a:extLst>
+          </a:blip>
+          <a:stretch>
+            <a:fillRect/>
+          </a:stretch>
+        </p:blipFill>
+        <p:spPr>
+          <a:xfrm>
+            <a:off x="16086657" y="8966239"/>
+            <a:ext cx="4615937" cy="3712392"/>
+          </a:xfrm>
+          <a:prstGeom prst="rect">
+            <a:avLst/>
+          </a:prstGeom>
+        </p:spPr>
+      </p:pic>
+      <p:pic>
+        <p:nvPicPr>
+          <p:cNvPr id="42" name="Picture 41" descr="Chart&#10;&#10;Description automatically generated">
+            <a:extLst>
+              <a:ext uri="{FF2B5EF4-FFF2-40B4-BE49-F238E27FC236}">
+                <a16:creationId xmlns:a16="http://schemas.microsoft.com/office/drawing/2014/main" id="{99752C56-2CC7-5459-9C74-0F82130745C2}"/>
+              </a:ext>
+            </a:extLst>
+          </p:cNvPr>
+          <p:cNvPicPr>
+            <a:picLocks noChangeAspect="1"/>
+          </p:cNvPicPr>
+          <p:nvPr/>
+        </p:nvPicPr>
+        <p:blipFill>
+          <a:blip r:embed="rId13">
+            <a:extLst>
+              <a:ext uri="{28A0092B-C50C-407E-A947-70E740481C1C}">
+                <a14:useLocalDpi xmlns:a14="http://schemas.microsoft.com/office/drawing/2010/main" val="0"/>
+              </a:ext>
+            </a:extLst>
+          </a:blip>
+          <a:stretch>
+            <a:fillRect/>
+          </a:stretch>
+        </p:blipFill>
+        <p:spPr>
+          <a:xfrm>
+            <a:off x="15802642" y="23195503"/>
+            <a:ext cx="4707221" cy="4690800"/>
+          </a:xfrm>
+          <a:prstGeom prst="rect">
+            <a:avLst/>
+          </a:prstGeom>
+        </p:spPr>
+      </p:pic>
+      <p:pic>
+        <p:nvPicPr>
+          <p:cNvPr id="44" name="Picture 43" descr="Chart&#10;&#10;Description automatically generated">
+            <a:extLst>
+              <a:ext uri="{FF2B5EF4-FFF2-40B4-BE49-F238E27FC236}">
+                <a16:creationId xmlns:a16="http://schemas.microsoft.com/office/drawing/2014/main" id="{E188293E-A2A9-8BEC-62F5-D6185BABBAD4}"/>
+              </a:ext>
+            </a:extLst>
+          </p:cNvPr>
+          <p:cNvPicPr>
+            <a:picLocks noChangeAspect="1"/>
+          </p:cNvPicPr>
+          <p:nvPr/>
+        </p:nvPicPr>
+        <p:blipFill>
+          <a:blip r:embed="rId14">
+            <a:extLst>
+              <a:ext uri="{28A0092B-C50C-407E-A947-70E740481C1C}">
+                <a14:useLocalDpi xmlns:a14="http://schemas.microsoft.com/office/drawing/2010/main" val="0"/>
+              </a:ext>
+            </a:extLst>
+          </a:blip>
+          <a:stretch>
+            <a:fillRect/>
+          </a:stretch>
+        </p:blipFill>
+        <p:spPr>
+          <a:xfrm>
+            <a:off x="10856917" y="23195503"/>
+            <a:ext cx="4707475" cy="4691054"/>
+          </a:xfrm>
+          <a:prstGeom prst="rect">
+            <a:avLst/>
+          </a:prstGeom>
+        </p:spPr>
+      </p:pic>
+      <p:sp>
+        <p:nvSpPr>
+          <p:cNvPr id="47" name="Text Placeholder 12">
+            <a:extLst>
+              <a:ext uri="{FF2B5EF4-FFF2-40B4-BE49-F238E27FC236}">
+                <a16:creationId xmlns:a16="http://schemas.microsoft.com/office/drawing/2014/main" id="{FD2479D7-8E47-7D2D-B6BB-E9208EE8C882}"/>
+              </a:ext>
+            </a:extLst>
+          </p:cNvPr>
+          <p:cNvSpPr txBox="1">
+            <a:spLocks/>
+          </p:cNvSpPr>
+          <p:nvPr/>
+        </p:nvSpPr>
+        <p:spPr>
+          <a:xfrm>
+            <a:off x="32539679" y="24578495"/>
+            <a:ext cx="9798096" cy="708327"/>
+          </a:xfrm>
+          <a:prstGeom prst="rect">
+            <a:avLst/>
+          </a:prstGeom>
+          <a:noFill/>
+        </p:spPr>
+        <p:txBody>
+          <a:bodyPr wrap="square" lIns="91436" tIns="91436" rIns="91436" bIns="91436" anchor="ctr" anchorCtr="0">
+            <a:spAutoFit/>
+          </a:bodyPr>
+          <a:lstStyle>
+            <a:lvl1pPr marL="0" indent="0" algn="ctr" defTabSz="4036471" rtl="0" eaLnBrk="1" latinLnBrk="0" hangingPunct="1">
+              <a:spcBef>
+                <a:spcPct val="20000"/>
+              </a:spcBef>
+              <a:buFont typeface="Arial" pitchFamily="34" charset="0"/>
+              <a:buNone/>
+              <a:defRPr sz="3403" b="1" u="sng" kern="1200" baseline="0">
+                <a:solidFill>
+                  <a:schemeClr val="accent5">
+                    <a:lumMod val="50000"/>
+                  </a:schemeClr>
+                </a:solidFill>
+                <a:latin typeface="+mn-lt"/>
+                <a:ea typeface="+mn-ea"/>
+                <a:cs typeface="+mn-cs"/>
+              </a:defRPr>
+            </a:lvl1pPr>
+            <a:lvl2pPr marL="3279634" indent="-1261397" algn="l" defTabSz="4036471" rtl="0" eaLnBrk="1" latinLnBrk="0" hangingPunct="1">
+              <a:spcBef>
+                <a:spcPct val="20000"/>
+              </a:spcBef>
+              <a:buFont typeface="Arial" pitchFamily="34" charset="0"/>
+              <a:buChar char="–"/>
+              <a:defRPr sz="12416" kern="1200">
+                <a:solidFill>
+                  <a:schemeClr val="tx1"/>
+                </a:solidFill>
+                <a:latin typeface="+mn-lt"/>
+                <a:ea typeface="+mn-ea"/>
+                <a:cs typeface="+mn-cs"/>
+              </a:defRPr>
+            </a:lvl2pPr>
+            <a:lvl3pPr marL="5045590" indent="-1009119" algn="l" defTabSz="4036471" rtl="0" eaLnBrk="1" latinLnBrk="0" hangingPunct="1">
+              <a:spcBef>
+                <a:spcPct val="20000"/>
+              </a:spcBef>
+              <a:buFont typeface="Arial" pitchFamily="34" charset="0"/>
+              <a:buChar char="•"/>
+              <a:defRPr sz="10669" kern="1200">
+                <a:solidFill>
+                  <a:schemeClr val="tx1"/>
+                </a:solidFill>
+                <a:latin typeface="+mn-lt"/>
+                <a:ea typeface="+mn-ea"/>
+                <a:cs typeface="+mn-cs"/>
+              </a:defRPr>
+            </a:lvl3pPr>
+            <a:lvl4pPr marL="7063827" indent="-1009119" algn="l" defTabSz="4036471" rtl="0" eaLnBrk="1" latinLnBrk="0" hangingPunct="1">
+              <a:spcBef>
+                <a:spcPct val="20000"/>
+              </a:spcBef>
+              <a:buFont typeface="Arial" pitchFamily="34" charset="0"/>
+              <a:buChar char="–"/>
+              <a:defRPr sz="8829" kern="1200">
+                <a:solidFill>
+                  <a:schemeClr val="tx1"/>
+                </a:solidFill>
+                <a:latin typeface="+mn-lt"/>
+                <a:ea typeface="+mn-ea"/>
+                <a:cs typeface="+mn-cs"/>
+              </a:defRPr>
+            </a:lvl4pPr>
+            <a:lvl5pPr marL="9082061" indent="-1009119" algn="l" defTabSz="4036471" rtl="0" eaLnBrk="1" latinLnBrk="0" hangingPunct="1">
+              <a:spcBef>
+                <a:spcPct val="20000"/>
+              </a:spcBef>
+              <a:buFont typeface="Arial" pitchFamily="34" charset="0"/>
+              <a:buChar char="»"/>
+              <a:defRPr sz="8829" kern="1200">
+                <a:solidFill>
+                  <a:schemeClr val="tx1"/>
+                </a:solidFill>
+                <a:latin typeface="+mn-lt"/>
+                <a:ea typeface="+mn-ea"/>
+                <a:cs typeface="+mn-cs"/>
+              </a:defRPr>
+            </a:lvl5pPr>
+            <a:lvl6pPr marL="11100298" indent="-1009119" algn="l" defTabSz="4036471" rtl="0" eaLnBrk="1" latinLnBrk="0" hangingPunct="1">
+              <a:spcBef>
+                <a:spcPct val="20000"/>
+              </a:spcBef>
+              <a:buFont typeface="Arial" pitchFamily="34" charset="0"/>
+              <a:buChar char="•"/>
+              <a:defRPr sz="8829" kern="1200">
+                <a:solidFill>
+                  <a:schemeClr val="tx1"/>
+                </a:solidFill>
+                <a:latin typeface="+mn-lt"/>
+                <a:ea typeface="+mn-ea"/>
+                <a:cs typeface="+mn-cs"/>
+              </a:defRPr>
+            </a:lvl6pPr>
+            <a:lvl7pPr marL="13118533" indent="-1009119" algn="l" defTabSz="4036471" rtl="0" eaLnBrk="1" latinLnBrk="0" hangingPunct="1">
+              <a:spcBef>
+                <a:spcPct val="20000"/>
+              </a:spcBef>
+              <a:buFont typeface="Arial" pitchFamily="34" charset="0"/>
+              <a:buChar char="•"/>
+              <a:defRPr sz="8829" kern="1200">
+                <a:solidFill>
+                  <a:schemeClr val="tx1"/>
+                </a:solidFill>
+                <a:latin typeface="+mn-lt"/>
+                <a:ea typeface="+mn-ea"/>
+                <a:cs typeface="+mn-cs"/>
+              </a:defRPr>
+            </a:lvl7pPr>
+            <a:lvl8pPr marL="15136769" indent="-1009119" algn="l" defTabSz="4036471" rtl="0" eaLnBrk="1" latinLnBrk="0" hangingPunct="1">
+              <a:spcBef>
+                <a:spcPct val="20000"/>
+              </a:spcBef>
+              <a:buFont typeface="Arial" pitchFamily="34" charset="0"/>
+              <a:buChar char="•"/>
+              <a:defRPr sz="8829" kern="1200">
+                <a:solidFill>
+                  <a:schemeClr val="tx1"/>
+                </a:solidFill>
+                <a:latin typeface="+mn-lt"/>
+                <a:ea typeface="+mn-ea"/>
+                <a:cs typeface="+mn-cs"/>
+              </a:defRPr>
+            </a:lvl8pPr>
+            <a:lvl9pPr marL="17155005" indent="-1009119" algn="l" defTabSz="4036471" rtl="0" eaLnBrk="1" latinLnBrk="0" hangingPunct="1">
+              <a:spcBef>
+                <a:spcPct val="20000"/>
+              </a:spcBef>
+              <a:buFont typeface="Arial" pitchFamily="34" charset="0"/>
+              <a:buChar char="•"/>
+              <a:defRPr sz="8829" kern="1200">
+                <a:solidFill>
+                  <a:schemeClr val="tx1"/>
+                </a:solidFill>
+                <a:latin typeface="+mn-lt"/>
+                <a:ea typeface="+mn-ea"/>
+                <a:cs typeface="+mn-cs"/>
+              </a:defRPr>
+            </a:lvl9pPr>
+          </a:lstStyle>
+          <a:p>
+            <a:r>
+              <a:rPr lang="en-US" dirty="0"/>
+              <a:t>REFERENCES</a:t>
+            </a:r>
+          </a:p>
+        </p:txBody>
+      </p:sp>
+      <p:sp>
+        <p:nvSpPr>
+          <p:cNvPr id="48" name="Text Placeholder 13">
+            <a:extLst>
+              <a:ext uri="{FF2B5EF4-FFF2-40B4-BE49-F238E27FC236}">
+                <a16:creationId xmlns:a16="http://schemas.microsoft.com/office/drawing/2014/main" id="{769F62C2-767A-B67E-F6B6-E58028108152}"/>
+              </a:ext>
+            </a:extLst>
+          </p:cNvPr>
+          <p:cNvSpPr txBox="1">
+            <a:spLocks/>
+          </p:cNvSpPr>
+          <p:nvPr/>
+        </p:nvSpPr>
+        <p:spPr>
+          <a:xfrm>
+            <a:off x="32537317" y="26733533"/>
+            <a:ext cx="4899600" cy="2683276"/>
+          </a:xfrm>
+          <a:prstGeom prst="rect">
+            <a:avLst/>
+          </a:prstGeom>
+        </p:spPr>
+        <p:txBody>
+          <a:bodyPr wrap="square" lIns="228589" tIns="228589" rIns="228589" bIns="228589">
+            <a:spAutoFit/>
+          </a:bodyPr>
+          <a:lstStyle>
+            <a:lvl1pPr marL="0" indent="0" algn="l" defTabSz="4036471" rtl="0" eaLnBrk="1" latinLnBrk="0" hangingPunct="1">
+              <a:spcBef>
+                <a:spcPct val="20000"/>
+              </a:spcBef>
+              <a:buFont typeface="Arial" pitchFamily="34" charset="0"/>
+              <a:buNone/>
+              <a:defRPr sz="2299" kern="1200">
+                <a:solidFill>
+                  <a:schemeClr val="accent5">
+                    <a:lumMod val="50000"/>
+                  </a:schemeClr>
+                </a:solidFill>
+                <a:latin typeface="Times New Roman" pitchFamily="18" charset="0"/>
+                <a:ea typeface="+mn-ea"/>
+                <a:cs typeface="Times New Roman" pitchFamily="18" charset="0"/>
+              </a:defRPr>
+            </a:lvl1pPr>
+            <a:lvl2pPr marL="1366513" indent="-525582" algn="l" defTabSz="4036471" rtl="0" eaLnBrk="1" latinLnBrk="0" hangingPunct="1">
+              <a:spcBef>
+                <a:spcPct val="20000"/>
+              </a:spcBef>
+              <a:buFont typeface="Arial" pitchFamily="34" charset="0"/>
+              <a:buChar char="–"/>
+              <a:defRPr sz="2299" kern="1200">
+                <a:solidFill>
+                  <a:schemeClr val="tx1"/>
+                </a:solidFill>
+                <a:latin typeface="Trebuchet MS" pitchFamily="34" charset="0"/>
+                <a:ea typeface="+mn-ea"/>
+                <a:cs typeface="+mn-cs"/>
+              </a:defRPr>
+            </a:lvl2pPr>
+            <a:lvl3pPr marL="1892096" indent="-525582" algn="l" defTabSz="4036471" rtl="0" eaLnBrk="1" latinLnBrk="0" hangingPunct="1">
+              <a:spcBef>
+                <a:spcPct val="20000"/>
+              </a:spcBef>
+              <a:buFont typeface="Arial" pitchFamily="34" charset="0"/>
+              <a:buChar char="•"/>
+              <a:defRPr sz="2299" kern="1200">
+                <a:solidFill>
+                  <a:schemeClr val="tx1"/>
+                </a:solidFill>
+                <a:latin typeface="Trebuchet MS" pitchFamily="34" charset="0"/>
+                <a:ea typeface="+mn-ea"/>
+                <a:cs typeface="+mn-cs"/>
+              </a:defRPr>
+            </a:lvl3pPr>
+            <a:lvl4pPr marL="2470237" indent="-578141" algn="l" defTabSz="4036471" rtl="0" eaLnBrk="1" latinLnBrk="0" hangingPunct="1">
+              <a:spcBef>
+                <a:spcPct val="20000"/>
+              </a:spcBef>
+              <a:buFont typeface="Arial" pitchFamily="34" charset="0"/>
+              <a:buChar char="–"/>
+              <a:defRPr sz="2299" kern="1200">
+                <a:solidFill>
+                  <a:schemeClr val="tx1"/>
+                </a:solidFill>
+                <a:latin typeface="Trebuchet MS" pitchFamily="34" charset="0"/>
+                <a:ea typeface="+mn-ea"/>
+                <a:cs typeface="+mn-cs"/>
+              </a:defRPr>
+            </a:lvl4pPr>
+            <a:lvl5pPr marL="2890703" indent="-420466" algn="l" defTabSz="4036471" rtl="0" eaLnBrk="1" latinLnBrk="0" hangingPunct="1">
+              <a:spcBef>
+                <a:spcPct val="20000"/>
+              </a:spcBef>
+              <a:buFont typeface="Arial" pitchFamily="34" charset="0"/>
+              <a:buChar char="»"/>
+              <a:defRPr sz="2299" kern="1200">
+                <a:solidFill>
+                  <a:schemeClr val="tx1"/>
+                </a:solidFill>
+                <a:latin typeface="Trebuchet MS" pitchFamily="34" charset="0"/>
+                <a:ea typeface="+mn-ea"/>
+                <a:cs typeface="+mn-cs"/>
+              </a:defRPr>
+            </a:lvl5pPr>
+            <a:lvl6pPr marL="11100298" indent="-1009119" algn="l" defTabSz="4036471" rtl="0" eaLnBrk="1" latinLnBrk="0" hangingPunct="1">
+              <a:spcBef>
+                <a:spcPct val="20000"/>
+              </a:spcBef>
+              <a:buFont typeface="Arial" pitchFamily="34" charset="0"/>
+              <a:buChar char="•"/>
+              <a:defRPr sz="8829" kern="1200">
+                <a:solidFill>
+                  <a:schemeClr val="tx1"/>
+                </a:solidFill>
+                <a:latin typeface="+mn-lt"/>
+                <a:ea typeface="+mn-ea"/>
+                <a:cs typeface="+mn-cs"/>
+              </a:defRPr>
+            </a:lvl6pPr>
+            <a:lvl7pPr marL="13118533" indent="-1009119" algn="l" defTabSz="4036471" rtl="0" eaLnBrk="1" latinLnBrk="0" hangingPunct="1">
+              <a:spcBef>
+                <a:spcPct val="20000"/>
+              </a:spcBef>
+              <a:buFont typeface="Arial" pitchFamily="34" charset="0"/>
+              <a:buChar char="•"/>
+              <a:defRPr sz="8829" kern="1200">
+                <a:solidFill>
+                  <a:schemeClr val="tx1"/>
+                </a:solidFill>
+                <a:latin typeface="+mn-lt"/>
+                <a:ea typeface="+mn-ea"/>
+                <a:cs typeface="+mn-cs"/>
+              </a:defRPr>
+            </a:lvl7pPr>
+            <a:lvl8pPr marL="15136769" indent="-1009119" algn="l" defTabSz="4036471" rtl="0" eaLnBrk="1" latinLnBrk="0" hangingPunct="1">
+              <a:spcBef>
+                <a:spcPct val="20000"/>
+              </a:spcBef>
+              <a:buFont typeface="Arial" pitchFamily="34" charset="0"/>
+              <a:buChar char="•"/>
+              <a:defRPr sz="8829" kern="1200">
+                <a:solidFill>
+                  <a:schemeClr val="tx1"/>
+                </a:solidFill>
+                <a:latin typeface="+mn-lt"/>
+                <a:ea typeface="+mn-ea"/>
+                <a:cs typeface="+mn-cs"/>
+              </a:defRPr>
+            </a:lvl8pPr>
+            <a:lvl9pPr marL="17155005" indent="-1009119" algn="l" defTabSz="4036471" rtl="0" eaLnBrk="1" latinLnBrk="0" hangingPunct="1">
+              <a:spcBef>
+                <a:spcPct val="20000"/>
+              </a:spcBef>
+              <a:buFont typeface="Arial" pitchFamily="34" charset="0"/>
+              <a:buChar char="•"/>
+              <a:defRPr sz="8829" kern="1200">
+                <a:solidFill>
+                  <a:schemeClr val="tx1"/>
+                </a:solidFill>
+                <a:latin typeface="+mn-lt"/>
+                <a:ea typeface="+mn-ea"/>
+                <a:cs typeface="+mn-cs"/>
+              </a:defRPr>
+            </a:lvl9pPr>
+          </a:lstStyle>
+          <a:p>
+            <a:pPr algn="ctr"/>
+            <a:r>
+              <a:rPr lang="en-US" sz="2800" b="1" u="sng" dirty="0">
+                <a:latin typeface="+mn-lt"/>
+              </a:rPr>
+              <a:t>Group members</a:t>
+            </a:r>
+          </a:p>
+          <a:p>
+            <a:pPr algn="ctr"/>
+            <a:r>
+              <a:rPr lang="en-US" dirty="0">
+                <a:latin typeface="+mn-lt"/>
+              </a:rPr>
+              <a:t>Giulia Bergonzoli</a:t>
+            </a:r>
+          </a:p>
+          <a:p>
+            <a:pPr algn="ctr"/>
+            <a:r>
+              <a:rPr lang="en-US" dirty="0">
+                <a:latin typeface="+mn-lt"/>
+              </a:rPr>
+              <a:t>Ettore </a:t>
+            </a:r>
+            <a:r>
+              <a:rPr lang="en-US" dirty="0" err="1">
+                <a:latin typeface="+mn-lt"/>
+              </a:rPr>
+              <a:t>Busani</a:t>
+            </a:r>
+            <a:endParaRPr lang="en-US" dirty="0">
+              <a:latin typeface="+mn-lt"/>
+            </a:endParaRPr>
+          </a:p>
+          <a:p>
+            <a:pPr algn="ctr"/>
+            <a:r>
+              <a:rPr lang="en-US" dirty="0">
+                <a:latin typeface="+mn-lt"/>
+              </a:rPr>
+              <a:t>Sebastian Castellano</a:t>
+            </a:r>
+          </a:p>
+          <a:p>
+            <a:pPr algn="ctr"/>
+            <a:r>
+              <a:rPr lang="en-US" dirty="0">
+                <a:latin typeface="+mn-lt"/>
+              </a:rPr>
+              <a:t>Lucia Gregorini</a:t>
+            </a:r>
+          </a:p>
+        </p:txBody>
+      </p:sp>
+      <p:sp>
+        <p:nvSpPr>
+          <p:cNvPr id="49" name="Text Placeholder 13">
+            <a:extLst>
+              <a:ext uri="{FF2B5EF4-FFF2-40B4-BE49-F238E27FC236}">
+                <a16:creationId xmlns:a16="http://schemas.microsoft.com/office/drawing/2014/main" id="{88C91EEF-4394-9DFD-C812-647535A1057C}"/>
+              </a:ext>
+            </a:extLst>
+          </p:cNvPr>
+          <p:cNvSpPr txBox="1">
+            <a:spLocks/>
+          </p:cNvSpPr>
+          <p:nvPr/>
+        </p:nvSpPr>
+        <p:spPr>
+          <a:xfrm>
+            <a:off x="37439279" y="26733533"/>
+            <a:ext cx="4899600" cy="2683405"/>
+          </a:xfrm>
+          <a:prstGeom prst="rect">
+            <a:avLst/>
+          </a:prstGeom>
+        </p:spPr>
+        <p:txBody>
+          <a:bodyPr wrap="square" lIns="228589" tIns="228589" rIns="228589" bIns="228589">
+            <a:spAutoFit/>
+          </a:bodyPr>
+          <a:lstStyle>
+            <a:lvl1pPr marL="0" indent="0" algn="l" defTabSz="4036471" rtl="0" eaLnBrk="1" latinLnBrk="0" hangingPunct="1">
+              <a:spcBef>
+                <a:spcPct val="20000"/>
+              </a:spcBef>
+              <a:buFont typeface="Arial" pitchFamily="34" charset="0"/>
+              <a:buNone/>
+              <a:defRPr sz="2299" kern="1200">
+                <a:solidFill>
+                  <a:schemeClr val="accent5">
+                    <a:lumMod val="50000"/>
+                  </a:schemeClr>
+                </a:solidFill>
+                <a:latin typeface="Times New Roman" pitchFamily="18" charset="0"/>
+                <a:ea typeface="+mn-ea"/>
+                <a:cs typeface="Times New Roman" pitchFamily="18" charset="0"/>
+              </a:defRPr>
+            </a:lvl1pPr>
+            <a:lvl2pPr marL="1366513" indent="-525582" algn="l" defTabSz="4036471" rtl="0" eaLnBrk="1" latinLnBrk="0" hangingPunct="1">
+              <a:spcBef>
+                <a:spcPct val="20000"/>
+              </a:spcBef>
+              <a:buFont typeface="Arial" pitchFamily="34" charset="0"/>
+              <a:buChar char="–"/>
+              <a:defRPr sz="2299" kern="1200">
+                <a:solidFill>
+                  <a:schemeClr val="tx1"/>
+                </a:solidFill>
+                <a:latin typeface="Trebuchet MS" pitchFamily="34" charset="0"/>
+                <a:ea typeface="+mn-ea"/>
+                <a:cs typeface="+mn-cs"/>
+              </a:defRPr>
+            </a:lvl2pPr>
+            <a:lvl3pPr marL="1892096" indent="-525582" algn="l" defTabSz="4036471" rtl="0" eaLnBrk="1" latinLnBrk="0" hangingPunct="1">
+              <a:spcBef>
+                <a:spcPct val="20000"/>
+              </a:spcBef>
+              <a:buFont typeface="Arial" pitchFamily="34" charset="0"/>
+              <a:buChar char="•"/>
+              <a:defRPr sz="2299" kern="1200">
+                <a:solidFill>
+                  <a:schemeClr val="tx1"/>
+                </a:solidFill>
+                <a:latin typeface="Trebuchet MS" pitchFamily="34" charset="0"/>
+                <a:ea typeface="+mn-ea"/>
+                <a:cs typeface="+mn-cs"/>
+              </a:defRPr>
+            </a:lvl3pPr>
+            <a:lvl4pPr marL="2470237" indent="-578141" algn="l" defTabSz="4036471" rtl="0" eaLnBrk="1" latinLnBrk="0" hangingPunct="1">
+              <a:spcBef>
+                <a:spcPct val="20000"/>
+              </a:spcBef>
+              <a:buFont typeface="Arial" pitchFamily="34" charset="0"/>
+              <a:buChar char="–"/>
+              <a:defRPr sz="2299" kern="1200">
+                <a:solidFill>
+                  <a:schemeClr val="tx1"/>
+                </a:solidFill>
+                <a:latin typeface="Trebuchet MS" pitchFamily="34" charset="0"/>
+                <a:ea typeface="+mn-ea"/>
+                <a:cs typeface="+mn-cs"/>
+              </a:defRPr>
+            </a:lvl4pPr>
+            <a:lvl5pPr marL="2890703" indent="-420466" algn="l" defTabSz="4036471" rtl="0" eaLnBrk="1" latinLnBrk="0" hangingPunct="1">
+              <a:spcBef>
+                <a:spcPct val="20000"/>
+              </a:spcBef>
+              <a:buFont typeface="Arial" pitchFamily="34" charset="0"/>
+              <a:buChar char="»"/>
+              <a:defRPr sz="2299" kern="1200">
+                <a:solidFill>
+                  <a:schemeClr val="tx1"/>
+                </a:solidFill>
+                <a:latin typeface="Trebuchet MS" pitchFamily="34" charset="0"/>
+                <a:ea typeface="+mn-ea"/>
+                <a:cs typeface="+mn-cs"/>
+              </a:defRPr>
+            </a:lvl5pPr>
+            <a:lvl6pPr marL="11100298" indent="-1009119" algn="l" defTabSz="4036471" rtl="0" eaLnBrk="1" latinLnBrk="0" hangingPunct="1">
+              <a:spcBef>
+                <a:spcPct val="20000"/>
+              </a:spcBef>
+              <a:buFont typeface="Arial" pitchFamily="34" charset="0"/>
+              <a:buChar char="•"/>
+              <a:defRPr sz="8829" kern="1200">
+                <a:solidFill>
+                  <a:schemeClr val="tx1"/>
+                </a:solidFill>
+                <a:latin typeface="+mn-lt"/>
+                <a:ea typeface="+mn-ea"/>
+                <a:cs typeface="+mn-cs"/>
+              </a:defRPr>
+            </a:lvl6pPr>
+            <a:lvl7pPr marL="13118533" indent="-1009119" algn="l" defTabSz="4036471" rtl="0" eaLnBrk="1" latinLnBrk="0" hangingPunct="1">
+              <a:spcBef>
+                <a:spcPct val="20000"/>
+              </a:spcBef>
+              <a:buFont typeface="Arial" pitchFamily="34" charset="0"/>
+              <a:buChar char="•"/>
+              <a:defRPr sz="8829" kern="1200">
+                <a:solidFill>
+                  <a:schemeClr val="tx1"/>
+                </a:solidFill>
+                <a:latin typeface="+mn-lt"/>
+                <a:ea typeface="+mn-ea"/>
+                <a:cs typeface="+mn-cs"/>
+              </a:defRPr>
+            </a:lvl7pPr>
+            <a:lvl8pPr marL="15136769" indent="-1009119" algn="l" defTabSz="4036471" rtl="0" eaLnBrk="1" latinLnBrk="0" hangingPunct="1">
+              <a:spcBef>
+                <a:spcPct val="20000"/>
+              </a:spcBef>
+              <a:buFont typeface="Arial" pitchFamily="34" charset="0"/>
+              <a:buChar char="•"/>
+              <a:defRPr sz="8829" kern="1200">
+                <a:solidFill>
+                  <a:schemeClr val="tx1"/>
+                </a:solidFill>
+                <a:latin typeface="+mn-lt"/>
+                <a:ea typeface="+mn-ea"/>
+                <a:cs typeface="+mn-cs"/>
+              </a:defRPr>
+            </a:lvl8pPr>
+            <a:lvl9pPr marL="17155005" indent="-1009119" algn="l" defTabSz="4036471" rtl="0" eaLnBrk="1" latinLnBrk="0" hangingPunct="1">
+              <a:spcBef>
+                <a:spcPct val="20000"/>
+              </a:spcBef>
+              <a:buFont typeface="Arial" pitchFamily="34" charset="0"/>
+              <a:buChar char="•"/>
+              <a:defRPr sz="8829" kern="1200">
+                <a:solidFill>
+                  <a:schemeClr val="tx1"/>
+                </a:solidFill>
+                <a:latin typeface="+mn-lt"/>
+                <a:ea typeface="+mn-ea"/>
+                <a:cs typeface="+mn-cs"/>
+              </a:defRPr>
+            </a:lvl9pPr>
+          </a:lstStyle>
+          <a:p>
+            <a:pPr algn="ctr"/>
+            <a:r>
+              <a:rPr lang="en-US" sz="2800" b="1" u="sng" dirty="0">
+                <a:latin typeface="+mn-lt"/>
+              </a:rPr>
+              <a:t>Tutor</a:t>
+            </a:r>
+          </a:p>
+          <a:p>
+            <a:pPr algn="ctr"/>
+            <a:r>
+              <a:rPr lang="en-US" dirty="0">
+                <a:latin typeface="+mn-lt"/>
+              </a:rPr>
+              <a:t>Chiara Masci</a:t>
+            </a:r>
+          </a:p>
+          <a:p>
+            <a:pPr algn="ctr"/>
+            <a:endParaRPr lang="en-US" dirty="0">
+              <a:latin typeface="+mn-lt"/>
+            </a:endParaRPr>
+          </a:p>
+          <a:p>
+            <a:pPr algn="ctr"/>
+            <a:r>
+              <a:rPr lang="en-US" sz="2800" b="1" u="sng" dirty="0">
+                <a:latin typeface="+mn-lt"/>
+              </a:rPr>
+              <a:t>Professor</a:t>
+            </a:r>
+          </a:p>
+          <a:p>
+            <a:pPr algn="ctr"/>
+            <a:r>
+              <a:rPr lang="en-US" dirty="0" err="1">
+                <a:latin typeface="+mn-lt"/>
+              </a:rPr>
+              <a:t>Piercesare</a:t>
+            </a:r>
+            <a:r>
+              <a:rPr lang="en-US" dirty="0">
+                <a:latin typeface="+mn-lt"/>
+              </a:rPr>
+              <a:t> Secchi</a:t>
+            </a:r>
+          </a:p>
+        </p:txBody>
+      </p:sp>
     </p:spTree>
     <p:extLst>
       <p:ext uri="{BB962C8B-B14F-4D97-AF65-F5344CB8AC3E}">
